--- a/Mid_Presentation.pptx
+++ b/Mid_Presentation.pptx
@@ -6112,8 +6112,8 @@
         </p:nvSpPr>
         <p:spPr>
           <a:xfrm>
-            <a:off x="914400" y="1816735"/>
-            <a:ext cx="5925184" cy="7036434"/>
+            <a:off x="304800" y="228600"/>
+            <a:ext cx="7162800" cy="9601199"/>
           </a:xfrm>
           <a:prstGeom prst="rect">
             <a:avLst/>

--- a/Mid_Presentation.pptx
+++ b/Mid_Presentation.pptx
@@ -1,29 +1,366 @@
 
 <file path=ppt/presentation.xml><?xml version="1.0" encoding="utf-8"?>
-<p:presentation xmlns:a="http://schemas.openxmlformats.org/drawingml/2006/main" xmlns:r="http://schemas.openxmlformats.org/officeDocument/2006/relationships" xmlns:p="http://schemas.openxmlformats.org/presentationml/2006/main" saveSubsetFonts="1">
+<p:presentation xmlns:a="http://schemas.openxmlformats.org/drawingml/2006/main" xmlns:c="http://schemas.openxmlformats.org/drawingml/2006/chart" xmlns:cs="http://schemas.microsoft.com/office/drawing/2012/chartStyle" xmlns:ns1="http://schemas.openxmlformats.org/officeDocument/2006/extended-properties" xmlns:p="http://schemas.openxmlformats.org/presentationml/2006/main" xmlns:r="http://schemas.openxmlformats.org/officeDocument/2006/relationships" xmlns:vt="http://schemas.openxmlformats.org/officeDocument/2006/docPropsVTypes" embedTrueTypeFonts="1" saveSubsetFonts="1">
   <p:sldMasterIdLst>
     <p:sldMasterId id="2147483648" r:id="rId1"/>
   </p:sldMasterIdLst>
+  <p:notesMasterIdLst>
+    <p:notesMasterId r:id="rId3"/>
+  </p:notesMasterIdLst>
   <p:sldIdLst>
-    <p:sldId id="256" r:id="rId2"/>
-    <p:sldId id="261" r:id="rId3"/>
-    <p:sldId id="262" r:id="rId4"/>
-    <p:sldId id="263" r:id="rId5"/>
-    <p:sldId id="264" r:id="rId6"/>
-    <p:sldId id="265" r:id="rId7"/>
-    <p:sldId id="266" r:id="rId8"/>
-    <p:sldId id="267" r:id="rId9"/>
-    <p:sldId id="268" r:id="rId10"/>
-    <p:sldId id="269" r:id="rId11"/>
+    <p:sldId id="256" r:id="rId5"/>
+    <p:sldId id="257" r:id="rId6"/>
+    <p:sldId id="258" r:id="rId7"/>
+    <p:sldId id="259" r:id="rId8"/>
+    <p:sldId id="260" r:id="rId9"/>
+    <p:sldId id="261" r:id="rId10"/>
+    <p:sldId id="262" r:id="rId11"/>
+    <p:sldId id="263" r:id="rId12"/>
+    <p:sldId id="264" r:id="rId13"/>
+    <p:sldId id="265" r:id="rId14"/>
   </p:sldIdLst>
-  <p:sldSz cx="7772400" cy="10058400"/>
+  <p:sldSz cx="7772400" cy="10058400" type="custom"/>
   <p:notesSz cx="7772400" cy="10058400"/>
+  <p:embeddedFontLst/>
+  <p:custDataLst/>
   <p:defaultTextStyle>
     <a:defPPr>
       <a:defRPr lang="en-US"/>
     </a:defPPr>
-    <a:lvl1pPr marL="0" algn="l" defTabSz="914400" rtl="0" eaLnBrk="1" latinLnBrk="0" hangingPunct="1">
-      <a:defRPr sz="1800" kern="1200">
+    <a:lvl1pPr algn="l" lvl="0" marL="0" rtl="false">
+      <a:defRPr dirty="0" lang="en-US" sz="1800">
+        <a:solidFill>
+          <a:schemeClr val="tx1"/>
+        </a:solidFill>
+        <a:latin typeface="+mn-lt"/>
+      </a:defRPr>
+    </a:lvl1pPr>
+    <a:lvl2pPr algn="l" lvl="1" marL="457200" rtl="false">
+      <a:defRPr dirty="0" lang="en-US" sz="1800">
+        <a:solidFill>
+          <a:schemeClr val="tx1"/>
+        </a:solidFill>
+        <a:latin typeface="+mn-lt"/>
+      </a:defRPr>
+    </a:lvl2pPr>
+    <a:lvl3pPr algn="l" lvl="2" marL="914400" rtl="false">
+      <a:defRPr dirty="0" lang="en-US" sz="1800">
+        <a:solidFill>
+          <a:schemeClr val="tx1"/>
+        </a:solidFill>
+        <a:latin typeface="+mn-lt"/>
+      </a:defRPr>
+    </a:lvl3pPr>
+    <a:lvl4pPr algn="l" lvl="3" marL="1371600" rtl="false">
+      <a:defRPr dirty="0" lang="en-US" sz="1800">
+        <a:solidFill>
+          <a:schemeClr val="tx1"/>
+        </a:solidFill>
+        <a:latin typeface="+mn-lt"/>
+      </a:defRPr>
+    </a:lvl4pPr>
+    <a:lvl5pPr algn="l" lvl="4" marL="1828800" rtl="false">
+      <a:defRPr dirty="0" lang="en-US" sz="1800">
+        <a:solidFill>
+          <a:schemeClr val="tx1"/>
+        </a:solidFill>
+        <a:latin typeface="+mn-lt"/>
+      </a:defRPr>
+    </a:lvl5pPr>
+    <a:lvl6pPr algn="l" lvl="5" marL="2286000" rtl="false">
+      <a:defRPr dirty="0" lang="en-US" sz="1800">
+        <a:solidFill>
+          <a:schemeClr val="tx1"/>
+        </a:solidFill>
+        <a:latin typeface="+mn-lt"/>
+      </a:defRPr>
+    </a:lvl6pPr>
+    <a:lvl7pPr algn="l" lvl="6" marL="2743200" rtl="false">
+      <a:defRPr dirty="0" lang="en-US" sz="1800">
+        <a:solidFill>
+          <a:schemeClr val="tx1"/>
+        </a:solidFill>
+        <a:latin typeface="+mn-lt"/>
+      </a:defRPr>
+    </a:lvl7pPr>
+    <a:lvl8pPr algn="l" lvl="7" marL="3200400" rtl="false">
+      <a:defRPr dirty="0" lang="en-US" sz="1800">
+        <a:solidFill>
+          <a:schemeClr val="tx1"/>
+        </a:solidFill>
+        <a:latin typeface="+mn-lt"/>
+      </a:defRPr>
+    </a:lvl8pPr>
+    <a:lvl9pPr algn="l" lvl="8" marL="3657600" rtl="false">
+      <a:defRPr dirty="0" lang="en-US" sz="1800">
+        <a:solidFill>
+          <a:schemeClr val="tx1"/>
+        </a:solidFill>
+        <a:latin typeface="+mn-lt"/>
+      </a:defRPr>
+    </a:lvl9pPr>
+  </p:defaultTextStyle>
+</p:presentation>
+</file>
+
+<file path=ppt/notesMasters/notesMaster1.xml><?xml version="1.0" encoding="utf-8"?>
+<p:notesMaster xmlns:a="http://schemas.openxmlformats.org/drawingml/2006/main" xmlns:p="http://schemas.openxmlformats.org/presentationml/2006/main" xmlns:r="http://schemas.openxmlformats.org/officeDocument/2006/relationships">
+  <p:cSld>
+    <p:bg>
+      <p:bgRef idx="1001">
+        <a:schemeClr val="bg1"/>
+      </p:bgRef>
+    </p:bg>
+    <p:spTree>
+      <p:nvGrpSpPr>
+        <p:cNvPr id="1" name=""/>
+        <p:cNvGrpSpPr/>
+        <p:nvPr/>
+      </p:nvGrpSpPr>
+      <p:grpSpPr>
+        <a:xfrm>
+          <a:off x="0" y="0"/>
+          <a:ext cx="0" cy="0"/>
+          <a:chOff x="0" y="0"/>
+          <a:chExt cx="0" cy="0"/>
+        </a:xfrm>
+      </p:grpSpPr>
+      <p:sp>
+        <p:nvSpPr>
+          <p:cNvPr id="2" name="Header Placeholder 1"/>
+          <p:cNvSpPr>
+            <a:spLocks noGrp="1"/>
+          </p:cNvSpPr>
+          <p:nvPr>
+            <p:ph sz="quarter" type="hdr"/>
+          </p:nvPr>
+        </p:nvSpPr>
+        <p:spPr>
+          <a:xfrm>
+            <a:off x="0" y="0"/>
+            <a:ext cx="2971800" cy="458788"/>
+          </a:xfrm>
+          <a:prstGeom prst="rect">
+            <a:avLst/>
+          </a:prstGeom>
+        </p:spPr>
+        <p:txBody>
+          <a:bodyPr bIns="45720" lIns="91440" rIns="91440" rtlCol="0" tIns="45720" vert="horz"/>
+          <a:lstStyle>
+            <a:lvl1pPr algn="l">
+              <a:defRPr sz="1200"/>
+            </a:lvl1pPr>
+          </a:lstStyle>
+          <a:p>
+            <a:endParaRPr lang="en-US"/>
+          </a:p>
+        </p:txBody>
+      </p:sp>
+      <p:sp>
+        <p:nvSpPr>
+          <p:cNvPr id="3" name="Date Placeholder 2"/>
+          <p:cNvSpPr>
+            <a:spLocks noGrp="1"/>
+          </p:cNvSpPr>
+          <p:nvPr>
+            <p:ph idx="1" type="dt"/>
+          </p:nvPr>
+        </p:nvSpPr>
+        <p:spPr>
+          <a:xfrm>
+            <a:off x="3884613" y="0"/>
+            <a:ext cx="2971800" cy="458788"/>
+          </a:xfrm>
+          <a:prstGeom prst="rect">
+            <a:avLst/>
+          </a:prstGeom>
+        </p:spPr>
+        <p:txBody>
+          <a:bodyPr bIns="45720" lIns="91440" rIns="91440" rtlCol="0" tIns="45720" vert="horz"/>
+          <a:lstStyle>
+            <a:lvl1pPr algn="r">
+              <a:defRPr sz="1200"/>
+            </a:lvl1pPr>
+          </a:lstStyle>
+          <a:p>
+            <a:fld id="{44B65459-4C01-9248-BDAA-F28591FAF6F5}" type="datetimeFigureOut">
+              <a:rPr lang="en-US" smtClean="0"/>
+              <a:t>4/4/17</a:t>
+            </a:fld>
+            <a:endParaRPr lang="en-US"/>
+          </a:p>
+        </p:txBody>
+      </p:sp>
+      <p:sp>
+        <p:nvSpPr>
+          <p:cNvPr id="4" name="Slide Image Placeholder 3"/>
+          <p:cNvSpPr>
+            <a:spLocks noChangeAspect="1" noGrp="1" noRot="1"/>
+          </p:cNvSpPr>
+          <p:nvPr>
+            <p:ph idx="2" type="sldImg"/>
+          </p:nvPr>
+        </p:nvSpPr>
+        <p:spPr>
+          <a:xfrm>
+            <a:off x="685800" y="1143000"/>
+            <a:ext cx="5486400" cy="3086100"/>
+          </a:xfrm>
+          <a:prstGeom prst="rect">
+            <a:avLst/>
+          </a:prstGeom>
+          <a:noFill/>
+          <a:ln w="12700">
+            <a:solidFill>
+              <a:prstClr val="black"/>
+            </a:solidFill>
+          </a:ln>
+        </p:spPr>
+        <p:txBody>
+          <a:bodyPr anchor="ctr" bIns="45720" lIns="91440" rIns="91440" rtlCol="0" tIns="45720" vert="horz"/>
+          <a:lstStyle/>
+          <a:p>
+            <a:endParaRPr lang="en-US"/>
+          </a:p>
+        </p:txBody>
+      </p:sp>
+      <p:sp>
+        <p:nvSpPr>
+          <p:cNvPr id="5" name="Notes Placeholder 4"/>
+          <p:cNvSpPr>
+            <a:spLocks noGrp="1"/>
+          </p:cNvSpPr>
+          <p:nvPr>
+            <p:ph idx="3" sz="quarter" type="body"/>
+          </p:nvPr>
+        </p:nvSpPr>
+        <p:spPr>
+          <a:xfrm>
+            <a:off x="685800" y="4400550"/>
+            <a:ext cx="5486400" cy="3600450"/>
+          </a:xfrm>
+          <a:prstGeom prst="rect">
+            <a:avLst/>
+          </a:prstGeom>
+        </p:spPr>
+        <p:txBody>
+          <a:bodyPr bIns="45720" lIns="91440" rIns="91440" rtlCol="0" tIns="45720" vert="horz"/>
+          <a:lstStyle/>
+          <a:p>
+            <a:pPr lvl="0"/>
+            <a:r>
+              <a:rPr lang="en-US" smtClean="0"/>
+              <a:t>Click to edit Master text styles</a:t>
+            </a:r>
+          </a:p>
+          <a:p>
+            <a:pPr lvl="1"/>
+            <a:r>
+              <a:rPr lang="en-US" smtClean="0"/>
+              <a:t>Second level</a:t>
+            </a:r>
+          </a:p>
+          <a:p>
+            <a:pPr lvl="2"/>
+            <a:r>
+              <a:rPr lang="en-US" smtClean="0"/>
+              <a:t>Third level</a:t>
+            </a:r>
+          </a:p>
+          <a:p>
+            <a:pPr lvl="3"/>
+            <a:r>
+              <a:rPr lang="en-US" smtClean="0"/>
+              <a:t>Fourth level</a:t>
+            </a:r>
+          </a:p>
+          <a:p>
+            <a:pPr lvl="4"/>
+            <a:r>
+              <a:rPr lang="en-US" smtClean="0"/>
+              <a:t>Fifth level</a:t>
+            </a:r>
+            <a:endParaRPr lang="en-US"/>
+          </a:p>
+        </p:txBody>
+      </p:sp>
+      <p:sp>
+        <p:nvSpPr>
+          <p:cNvPr id="6" name="Footer Placeholder 5"/>
+          <p:cNvSpPr>
+            <a:spLocks noGrp="1"/>
+          </p:cNvSpPr>
+          <p:nvPr>
+            <p:ph idx="4" sz="quarter" type="ftr"/>
+          </p:nvPr>
+        </p:nvSpPr>
+        <p:spPr>
+          <a:xfrm>
+            <a:off x="0" y="8685213"/>
+            <a:ext cx="2971800" cy="458787"/>
+          </a:xfrm>
+          <a:prstGeom prst="rect">
+            <a:avLst/>
+          </a:prstGeom>
+        </p:spPr>
+        <p:txBody>
+          <a:bodyPr anchor="b" bIns="45720" lIns="91440" rIns="91440" rtlCol="0" tIns="45720" vert="horz"/>
+          <a:lstStyle>
+            <a:lvl1pPr algn="l">
+              <a:defRPr sz="1200"/>
+            </a:lvl1pPr>
+          </a:lstStyle>
+          <a:p>
+            <a:endParaRPr lang="en-US"/>
+          </a:p>
+        </p:txBody>
+      </p:sp>
+      <p:sp>
+        <p:nvSpPr>
+          <p:cNvPr id="7" name="Slide Number Placeholder 6"/>
+          <p:cNvSpPr>
+            <a:spLocks noGrp="1"/>
+          </p:cNvSpPr>
+          <p:nvPr>
+            <p:ph idx="5" sz="quarter" type="sldNum"/>
+          </p:nvPr>
+        </p:nvSpPr>
+        <p:spPr>
+          <a:xfrm>
+            <a:off x="3884613" y="8685213"/>
+            <a:ext cx="2971800" cy="458787"/>
+          </a:xfrm>
+          <a:prstGeom prst="rect">
+            <a:avLst/>
+          </a:prstGeom>
+        </p:spPr>
+        <p:txBody>
+          <a:bodyPr anchor="b" bIns="45720" lIns="91440" rIns="91440" rtlCol="0" tIns="45720" vert="horz"/>
+          <a:lstStyle>
+            <a:lvl1pPr algn="r">
+              <a:defRPr sz="1200"/>
+            </a:lvl1pPr>
+          </a:lstStyle>
+          <a:p>
+            <a:fld id="{69327042-6B61-B148-8485-8BBBFAA13D24}" type="slidenum">
+              <a:rPr lang="en-US" smtClean="0"/>
+              <a:t>‹#›</a:t>
+            </a:fld>
+            <a:endParaRPr lang="en-US"/>
+          </a:p>
+        </p:txBody>
+      </p:sp>
+    </p:spTree>
+    <p:extLst>
+      <p:ext uri="{BB962C8B-B14F-4D97-AF65-F5344CB8AC3E}">
+        <p14:creationId xmlns:p14="http://schemas.microsoft.com/office/powerpoint/2010/main" val="1080321138"/>
+      </p:ext>
+    </p:extLst>
+  </p:cSld>
+  <p:clrMap accent1="accent1" accent2="accent2" accent3="accent3" accent4="accent4" accent5="accent5" accent6="accent6" bg1="lt1" bg2="lt2" folHlink="folHlink" hlink="hlink" tx1="dk1" tx2="dk2"/>
+  <p:notesStyle>
+    <a:lvl1pPr algn="l" defTabSz="914400" eaLnBrk="1" hangingPunct="1" latinLnBrk="0" marL="0" rtl="0">
+      <a:defRPr kern="1200" sz="1200">
         <a:solidFill>
           <a:schemeClr val="tx1"/>
         </a:solidFill>
@@ -32,8 +369,8 @@
         <a:cs typeface="+mn-cs"/>
       </a:defRPr>
     </a:lvl1pPr>
-    <a:lvl2pPr marL="457200" algn="l" defTabSz="914400" rtl="0" eaLnBrk="1" latinLnBrk="0" hangingPunct="1">
-      <a:defRPr sz="1800" kern="1200">
+    <a:lvl2pPr algn="l" defTabSz="914400" eaLnBrk="1" hangingPunct="1" latinLnBrk="0" marL="457200" rtl="0">
+      <a:defRPr kern="1200" sz="1200">
         <a:solidFill>
           <a:schemeClr val="tx1"/>
         </a:solidFill>
@@ -42,8 +379,8 @@
         <a:cs typeface="+mn-cs"/>
       </a:defRPr>
     </a:lvl2pPr>
-    <a:lvl3pPr marL="914400" algn="l" defTabSz="914400" rtl="0" eaLnBrk="1" latinLnBrk="0" hangingPunct="1">
-      <a:defRPr sz="1800" kern="1200">
+    <a:lvl3pPr algn="l" defTabSz="914400" eaLnBrk="1" hangingPunct="1" latinLnBrk="0" marL="914400" rtl="0">
+      <a:defRPr kern="1200" sz="1200">
         <a:solidFill>
           <a:schemeClr val="tx1"/>
         </a:solidFill>
@@ -52,8 +389,8 @@
         <a:cs typeface="+mn-cs"/>
       </a:defRPr>
     </a:lvl3pPr>
-    <a:lvl4pPr marL="1371600" algn="l" defTabSz="914400" rtl="0" eaLnBrk="1" latinLnBrk="0" hangingPunct="1">
-      <a:defRPr sz="1800" kern="1200">
+    <a:lvl4pPr algn="l" defTabSz="914400" eaLnBrk="1" hangingPunct="1" latinLnBrk="0" marL="1371600" rtl="0">
+      <a:defRPr kern="1200" sz="1200">
         <a:solidFill>
           <a:schemeClr val="tx1"/>
         </a:solidFill>
@@ -62,8 +399,8 @@
         <a:cs typeface="+mn-cs"/>
       </a:defRPr>
     </a:lvl4pPr>
-    <a:lvl5pPr marL="1828800" algn="l" defTabSz="914400" rtl="0" eaLnBrk="1" latinLnBrk="0" hangingPunct="1">
-      <a:defRPr sz="1800" kern="1200">
+    <a:lvl5pPr algn="l" defTabSz="914400" eaLnBrk="1" hangingPunct="1" latinLnBrk="0" marL="1828800" rtl="0">
+      <a:defRPr kern="1200" sz="1200">
         <a:solidFill>
           <a:schemeClr val="tx1"/>
         </a:solidFill>
@@ -72,8 +409,8 @@
         <a:cs typeface="+mn-cs"/>
       </a:defRPr>
     </a:lvl5pPr>
-    <a:lvl6pPr marL="2286000" algn="l" defTabSz="914400" rtl="0" eaLnBrk="1" latinLnBrk="0" hangingPunct="1">
-      <a:defRPr sz="1800" kern="1200">
+    <a:lvl6pPr algn="l" defTabSz="914400" eaLnBrk="1" hangingPunct="1" latinLnBrk="0" marL="2286000" rtl="0">
+      <a:defRPr kern="1200" sz="1200">
         <a:solidFill>
           <a:schemeClr val="tx1"/>
         </a:solidFill>
@@ -82,8 +419,8 @@
         <a:cs typeface="+mn-cs"/>
       </a:defRPr>
     </a:lvl6pPr>
-    <a:lvl7pPr marL="2743200" algn="l" defTabSz="914400" rtl="0" eaLnBrk="1" latinLnBrk="0" hangingPunct="1">
-      <a:defRPr sz="1800" kern="1200">
+    <a:lvl7pPr algn="l" defTabSz="914400" eaLnBrk="1" hangingPunct="1" latinLnBrk="0" marL="2743200" rtl="0">
+      <a:defRPr kern="1200" sz="1200">
         <a:solidFill>
           <a:schemeClr val="tx1"/>
         </a:solidFill>
@@ -92,8 +429,8 @@
         <a:cs typeface="+mn-cs"/>
       </a:defRPr>
     </a:lvl7pPr>
-    <a:lvl8pPr marL="3200400" algn="l" defTabSz="914400" rtl="0" eaLnBrk="1" latinLnBrk="0" hangingPunct="1">
-      <a:defRPr sz="1800" kern="1200">
+    <a:lvl8pPr algn="l" defTabSz="914400" eaLnBrk="1" hangingPunct="1" latinLnBrk="0" marL="3200400" rtl="0">
+      <a:defRPr kern="1200" sz="1200">
         <a:solidFill>
           <a:schemeClr val="tx1"/>
         </a:solidFill>
@@ -102,8 +439,8 @@
         <a:cs typeface="+mn-cs"/>
       </a:defRPr>
     </a:lvl8pPr>
-    <a:lvl9pPr marL="3657600" algn="l" defTabSz="914400" rtl="0" eaLnBrk="1" latinLnBrk="0" hangingPunct="1">
-      <a:defRPr sz="1800" kern="1200">
+    <a:lvl9pPr algn="l" defTabSz="914400" eaLnBrk="1" hangingPunct="1" latinLnBrk="0" marL="3657600" rtl="0">
+      <a:defRPr kern="1200" sz="1200">
         <a:solidFill>
           <a:schemeClr val="tx1"/>
         </a:solidFill>
@@ -112,12 +449,13 @@
         <a:cs typeface="+mn-cs"/>
       </a:defRPr>
     </a:lvl9pPr>
-  </p:defaultTextStyle>
-</p:presentation>
+  </p:notesStyle>
+</p:notesMaster>
+<!-- $Id$ -->
 </file>
 
 <file path=ppt/slideLayouts/slideLayout1.xml><?xml version="1.0" encoding="utf-8"?>
-<p:sldLayout xmlns:a="http://schemas.openxmlformats.org/drawingml/2006/main" xmlns:r="http://schemas.openxmlformats.org/officeDocument/2006/relationships" xmlns:p="http://schemas.openxmlformats.org/presentationml/2006/main" type="obj" preserve="1">
+<p:sldLayout xmlns:a="http://schemas.openxmlformats.org/drawingml/2006/main" xmlns:c="http://schemas.openxmlformats.org/drawingml/2006/chart" xmlns:cs="http://schemas.microsoft.com/office/drawing/2012/chartStyle" xmlns:ns1="http://schemas.openxmlformats.org/officeDocument/2006/extended-properties" xmlns:p="http://schemas.openxmlformats.org/presentationml/2006/main" xmlns:r="http://schemas.openxmlformats.org/officeDocument/2006/relationships" xmlns:vt="http://schemas.openxmlformats.org/officeDocument/2006/docPropsVTypes" preserve="1" type="obj">
   <p:cSld name="Title Slide">
     <p:spTree>
       <p:nvGrpSpPr>
@@ -137,15 +475,15 @@
         <p:nvSpPr>
           <p:cNvPr id="2" name="Holder 2"/>
           <p:cNvSpPr>
-            <a:spLocks noGrp="1"/>
+            <a:spLocks noGrp="true"/>
           </p:cNvSpPr>
           <p:nvPr>
-            <p:ph type="ctrTitle"/>
+            <p:ph type="title"/>
           </p:nvPr>
         </p:nvSpPr>
         <p:spPr>
-          <a:xfrm>
-            <a:off x="582930" y="3118104"/>
+          <a:xfrm rot="0">
+            <a:off x="582929" y="3118104"/>
             <a:ext cx="6606540" cy="2112264"/>
           </a:xfrm>
           <a:prstGeom prst="rect">
@@ -153,16 +491,19 @@
           </a:prstGeom>
         </p:spPr>
         <p:txBody>
-          <a:bodyPr wrap="square" lIns="0" tIns="0" rIns="0" bIns="0">
+          <a:bodyPr bIns="0" lIns="0" rIns="0" rtlCol="0" tIns="0" vert="horz" wrap="square">
             <a:spAutoFit/>
           </a:bodyPr>
           <a:lstStyle>
-            <a:lvl1pPr>
-              <a:defRPr/>
-            </a:lvl1pPr>
+            <a:lvl1pPr lvl="0"/>
           </a:lstStyle>
           <a:p>
-            <a:endParaRPr/>
+            <a:pPr/>
+            <a:r>
+              <a:rPr dirty="0" lang="en-US"/>
+              <a:t/>
+            </a:r>
+            <a:endParaRPr dirty="0" lang="en-US"/>
           </a:p>
         </p:txBody>
       </p:sp>
@@ -170,32 +511,35 @@
         <p:nvSpPr>
           <p:cNvPr id="3" name="Holder 3"/>
           <p:cNvSpPr>
-            <a:spLocks noGrp="1"/>
+            <a:spLocks noGrp="true"/>
           </p:cNvSpPr>
           <p:nvPr>
-            <p:ph type="subTitle" idx="4"/>
+            <p:ph idx="1" type="subTitle"/>
           </p:nvPr>
         </p:nvSpPr>
         <p:spPr>
-          <a:xfrm>
-            <a:off x="1165860" y="5632704"/>
-            <a:ext cx="5440680" cy="2514600"/>
+          <a:xfrm rot="0">
+            <a:off x="1165859" y="5632704"/>
+            <a:ext cx="5440679" cy="2514600"/>
           </a:xfrm>
           <a:prstGeom prst="rect">
             <a:avLst/>
           </a:prstGeom>
         </p:spPr>
         <p:txBody>
-          <a:bodyPr wrap="square" lIns="0" tIns="0" rIns="0" bIns="0">
+          <a:bodyPr bIns="0" lIns="0" rIns="0" rtlCol="0" tIns="0" vert="horz" wrap="square">
             <a:spAutoFit/>
           </a:bodyPr>
           <a:lstStyle>
-            <a:lvl1pPr>
-              <a:defRPr/>
-            </a:lvl1pPr>
+            <a:lvl1pPr lvl="0"/>
           </a:lstStyle>
           <a:p>
-            <a:endParaRPr/>
+            <a:pPr/>
+            <a:r>
+              <a:rPr dirty="0" lang="en-US"/>
+              <a:t/>
+            </a:r>
+            <a:endParaRPr dirty="0" lang="en-US"/>
           </a:p>
         </p:txBody>
       </p:sp>
@@ -203,18 +547,18 @@
         <p:nvSpPr>
           <p:cNvPr id="4" name="Holder 4"/>
           <p:cNvSpPr>
-            <a:spLocks noGrp="1"/>
+            <a:spLocks noGrp="true"/>
           </p:cNvSpPr>
           <p:nvPr>
-            <p:ph type="ftr" sz="quarter" idx="5"/>
+            <p:ph idx="11" sz="quarter" type="ftr"/>
           </p:nvPr>
         </p:nvSpPr>
         <p:spPr/>
         <p:txBody>
-          <a:bodyPr lIns="0" tIns="0" rIns="0" bIns="0"/>
+          <a:bodyPr bIns="0" lIns="0" rIns="0" rtlCol="0" tIns="0" vert="horz"/>
           <a:lstStyle>
-            <a:lvl1pPr algn="ctr">
-              <a:defRPr>
+            <a:lvl1pPr algn="ctr" lvl="0">
+              <a:defRPr dirty="0" lang="en-US">
                 <a:solidFill>
                   <a:schemeClr val="tx1">
                     <a:tint val="75000"/>
@@ -224,7 +568,12 @@
             </a:lvl1pPr>
           </a:lstStyle>
           <a:p>
-            <a:endParaRPr/>
+            <a:pPr/>
+            <a:r>
+              <a:rPr dirty="0" lang="en-US"/>
+              <a:t/>
+            </a:r>
+            <a:endParaRPr dirty="0" lang="en-US"/>
           </a:p>
         </p:txBody>
       </p:sp>
@@ -232,18 +581,18 @@
         <p:nvSpPr>
           <p:cNvPr id="5" name="Holder 5"/>
           <p:cNvSpPr>
-            <a:spLocks noGrp="1"/>
+            <a:spLocks noGrp="true"/>
           </p:cNvSpPr>
           <p:nvPr>
-            <p:ph type="dt" sz="half" idx="6"/>
+            <p:ph idx="10" sz="half" type="dt"/>
           </p:nvPr>
         </p:nvSpPr>
         <p:spPr/>
         <p:txBody>
-          <a:bodyPr lIns="0" tIns="0" rIns="0" bIns="0"/>
+          <a:bodyPr bIns="0" lIns="0" rIns="0" rtlCol="0" tIns="0" vert="horz"/>
           <a:lstStyle>
-            <a:lvl1pPr algn="l">
-              <a:defRPr>
+            <a:lvl1pPr algn="l" lvl="0">
+              <a:defRPr dirty="0" lang="en-US">
                 <a:solidFill>
                   <a:schemeClr val="tx1">
                     <a:tint val="75000"/>
@@ -253,11 +602,11 @@
             </a:lvl1pPr>
           </a:lstStyle>
           <a:p>
-            <a:fld id="{1D8BD707-D9CF-40AE-B4C6-C98DA3205C09}" type="datetimeFigureOut">
-              <a:rPr lang="en-US"/>
-              <a:t>9/15/2019</a:t>
+            <a:pPr/>
+            <a:fld id="{4354A681-2EA6-4B09-B30D-1518BE9E4F49}" type="datetime1">
+              <a:t>9/20/2019</a:t>
             </a:fld>
-            <a:endParaRPr lang="en-US"/>
+            <a:endParaRPr dirty="0" lang="en-US"/>
           </a:p>
         </p:txBody>
       </p:sp>
@@ -265,18 +614,18 @@
         <p:nvSpPr>
           <p:cNvPr id="6" name="Holder 6"/>
           <p:cNvSpPr>
-            <a:spLocks noGrp="1"/>
+            <a:spLocks noGrp="true"/>
           </p:cNvSpPr>
           <p:nvPr>
-            <p:ph type="sldNum" sz="quarter" idx="7"/>
+            <p:ph idx="12" sz="quarter" type="sldNum"/>
           </p:nvPr>
         </p:nvSpPr>
         <p:spPr/>
         <p:txBody>
-          <a:bodyPr lIns="0" tIns="0" rIns="0" bIns="0"/>
+          <a:bodyPr bIns="0" lIns="0" rIns="0" rtlCol="0" tIns="0" vert="horz"/>
           <a:lstStyle>
-            <a:lvl1pPr algn="r">
-              <a:defRPr>
+            <a:lvl1pPr algn="r" lvl="0">
+              <a:defRPr dirty="0" lang="en-US">
                 <a:solidFill>
                   <a:schemeClr val="tx1">
                     <a:tint val="75000"/>
@@ -286,10 +635,9 @@
             </a:lvl1pPr>
           </a:lstStyle>
           <a:p>
-            <a:fld id="{B6F15528-21DE-4FAA-801E-634DDDAF4B2B}" type="slidenum">
-              <a:t>‹#›</a:t>
-            </a:fld>
-            <a:endParaRPr/>
+            <a:pPr/>
+            <a:fld id="{124FF9A6-9C44-42FE-8FD4-8108B7E7B768}" type="slidenum"/>
+            <a:endParaRPr dirty="0" lang="en-US"/>
           </a:p>
         </p:txBody>
       </p:sp>
@@ -302,7 +650,7 @@
 </file>
 
 <file path=ppt/slideLayouts/slideLayout2.xml><?xml version="1.0" encoding="utf-8"?>
-<p:sldLayout xmlns:a="http://schemas.openxmlformats.org/drawingml/2006/main" xmlns:r="http://schemas.openxmlformats.org/officeDocument/2006/relationships" xmlns:p="http://schemas.openxmlformats.org/presentationml/2006/main" type="obj" preserve="1">
+<p:sldLayout xmlns:a="http://schemas.openxmlformats.org/drawingml/2006/main" xmlns:c="http://schemas.openxmlformats.org/drawingml/2006/chart" xmlns:cs="http://schemas.microsoft.com/office/drawing/2012/chartStyle" xmlns:ns1="http://schemas.openxmlformats.org/officeDocument/2006/extended-properties" xmlns:p="http://schemas.openxmlformats.org/presentationml/2006/main" xmlns:r="http://schemas.openxmlformats.org/officeDocument/2006/relationships" xmlns:vt="http://schemas.openxmlformats.org/officeDocument/2006/docPropsVTypes" preserve="1" type="obj">
   <p:cSld name="Title and Content">
     <p:spTree>
       <p:nvGrpSpPr>
@@ -322,7 +670,7 @@
         <p:nvSpPr>
           <p:cNvPr id="2" name="Holder 2"/>
           <p:cNvSpPr>
-            <a:spLocks noGrp="1"/>
+            <a:spLocks noGrp="true"/>
           </p:cNvSpPr>
           <p:nvPr>
             <p:ph type="title"/>
@@ -330,20 +678,24 @@
         </p:nvSpPr>
         <p:spPr/>
         <p:txBody>
-          <a:bodyPr lIns="0" tIns="0" rIns="0" bIns="0"/>
+          <a:bodyPr bIns="0" lIns="0" rIns="0" rtlCol="0" tIns="0" vert="horz"/>
           <a:lstStyle>
-            <a:lvl1pPr>
-              <a:defRPr sz="2750" b="1" i="0" u="heavy">
+            <a:lvl1pPr lvl="0">
+              <a:defRPr b="1" dirty="0" i="0" lang="en-US" sz="2750" u="sng">
                 <a:solidFill>
                   <a:schemeClr val="tx1"/>
                 </a:solidFill>
                 <a:latin typeface="Arial"/>
-                <a:cs typeface="Arial"/>
               </a:defRPr>
             </a:lvl1pPr>
           </a:lstStyle>
           <a:p>
-            <a:endParaRPr/>
+            <a:pPr/>
+            <a:r>
+              <a:rPr dirty="0" lang="en-US"/>
+              <a:t/>
+            </a:r>
+            <a:endParaRPr dirty="0" lang="en-US"/>
           </a:p>
         </p:txBody>
       </p:sp>
@@ -351,26 +703,32 @@
         <p:nvSpPr>
           <p:cNvPr id="3" name="Holder 3"/>
           <p:cNvSpPr>
-            <a:spLocks noGrp="1"/>
+            <a:spLocks noGrp="true"/>
           </p:cNvSpPr>
           <p:nvPr>
-            <p:ph type="body" idx="1"/>
+            <p:ph idx="1" type="body"/>
           </p:nvPr>
         </p:nvSpPr>
         <p:spPr/>
         <p:txBody>
-          <a:bodyPr lIns="0" tIns="0" rIns="0" bIns="0"/>
+          <a:bodyPr bIns="0" lIns="0" rIns="0" rtlCol="0" tIns="0" vert="horz"/>
           <a:lstStyle>
-            <a:lvl1pPr>
-              <a:defRPr b="0" i="0">
+            <a:lvl1pPr lvl="0">
+              <a:defRPr dirty="0" i="0" lang="en-US">
                 <a:solidFill>
                   <a:schemeClr val="tx1"/>
                 </a:solidFill>
+                <a:latin typeface="+mn-lt"/>
               </a:defRPr>
             </a:lvl1pPr>
           </a:lstStyle>
           <a:p>
-            <a:endParaRPr/>
+            <a:pPr/>
+            <a:r>
+              <a:rPr dirty="0" lang="en-US"/>
+              <a:t/>
+            </a:r>
+            <a:endParaRPr dirty="0" lang="en-US"/>
           </a:p>
         </p:txBody>
       </p:sp>
@@ -378,18 +736,18 @@
         <p:nvSpPr>
           <p:cNvPr id="4" name="Holder 4"/>
           <p:cNvSpPr>
-            <a:spLocks noGrp="1"/>
+            <a:spLocks noGrp="true"/>
           </p:cNvSpPr>
           <p:nvPr>
-            <p:ph type="ftr" sz="quarter" idx="5"/>
+            <p:ph idx="11" sz="quarter" type="ftr"/>
           </p:nvPr>
         </p:nvSpPr>
         <p:spPr/>
         <p:txBody>
-          <a:bodyPr lIns="0" tIns="0" rIns="0" bIns="0"/>
+          <a:bodyPr bIns="0" lIns="0" rIns="0" rtlCol="0" tIns="0" vert="horz"/>
           <a:lstStyle>
-            <a:lvl1pPr algn="ctr">
-              <a:defRPr>
+            <a:lvl1pPr algn="ctr" lvl="0">
+              <a:defRPr dirty="0" lang="en-US">
                 <a:solidFill>
                   <a:schemeClr val="tx1">
                     <a:tint val="75000"/>
@@ -399,7 +757,12 @@
             </a:lvl1pPr>
           </a:lstStyle>
           <a:p>
-            <a:endParaRPr/>
+            <a:pPr/>
+            <a:r>
+              <a:rPr dirty="0" lang="en-US"/>
+              <a:t/>
+            </a:r>
+            <a:endParaRPr dirty="0" lang="en-US"/>
           </a:p>
         </p:txBody>
       </p:sp>
@@ -407,18 +770,18 @@
         <p:nvSpPr>
           <p:cNvPr id="5" name="Holder 5"/>
           <p:cNvSpPr>
-            <a:spLocks noGrp="1"/>
+            <a:spLocks noGrp="true"/>
           </p:cNvSpPr>
           <p:nvPr>
-            <p:ph type="dt" sz="half" idx="6"/>
+            <p:ph idx="10" sz="half" type="dt"/>
           </p:nvPr>
         </p:nvSpPr>
         <p:spPr/>
         <p:txBody>
-          <a:bodyPr lIns="0" tIns="0" rIns="0" bIns="0"/>
+          <a:bodyPr bIns="0" lIns="0" rIns="0" rtlCol="0" tIns="0" vert="horz"/>
           <a:lstStyle>
-            <a:lvl1pPr algn="l">
-              <a:defRPr>
+            <a:lvl1pPr algn="l" lvl="0">
+              <a:defRPr dirty="0" lang="en-US">
                 <a:solidFill>
                   <a:schemeClr val="tx1">
                     <a:tint val="75000"/>
@@ -428,11 +791,11 @@
             </a:lvl1pPr>
           </a:lstStyle>
           <a:p>
-            <a:fld id="{1D8BD707-D9CF-40AE-B4C6-C98DA3205C09}" type="datetimeFigureOut">
-              <a:rPr lang="en-US"/>
-              <a:t>9/15/2019</a:t>
+            <a:pPr/>
+            <a:fld id="{B731756A-B3ED-40AA-B693-C7345876424C}" type="datetime1">
+              <a:t>9/20/2019</a:t>
             </a:fld>
-            <a:endParaRPr lang="en-US"/>
+            <a:endParaRPr dirty="0" lang="en-US"/>
           </a:p>
         </p:txBody>
       </p:sp>
@@ -440,18 +803,18 @@
         <p:nvSpPr>
           <p:cNvPr id="6" name="Holder 6"/>
           <p:cNvSpPr>
-            <a:spLocks noGrp="1"/>
+            <a:spLocks noGrp="true"/>
           </p:cNvSpPr>
           <p:nvPr>
-            <p:ph type="sldNum" sz="quarter" idx="7"/>
+            <p:ph idx="12" sz="quarter" type="sldNum"/>
           </p:nvPr>
         </p:nvSpPr>
         <p:spPr/>
         <p:txBody>
-          <a:bodyPr lIns="0" tIns="0" rIns="0" bIns="0"/>
+          <a:bodyPr bIns="0" lIns="0" rIns="0" rtlCol="0" tIns="0" vert="horz"/>
           <a:lstStyle>
-            <a:lvl1pPr algn="r">
-              <a:defRPr>
+            <a:lvl1pPr algn="r" lvl="0">
+              <a:defRPr dirty="0" lang="en-US">
                 <a:solidFill>
                   <a:schemeClr val="tx1">
                     <a:tint val="75000"/>
@@ -461,10 +824,9 @@
             </a:lvl1pPr>
           </a:lstStyle>
           <a:p>
-            <a:fld id="{B6F15528-21DE-4FAA-801E-634DDDAF4B2B}" type="slidenum">
-              <a:t>‹#›</a:t>
-            </a:fld>
-            <a:endParaRPr/>
+            <a:pPr/>
+            <a:fld id="{2FD94C49-9012-4334-A667-462CA5666E7F}" type="slidenum"/>
+            <a:endParaRPr dirty="0" lang="en-US"/>
           </a:p>
         </p:txBody>
       </p:sp>
@@ -477,7 +839,7 @@
 </file>
 
 <file path=ppt/slideLayouts/slideLayout3.xml><?xml version="1.0" encoding="utf-8"?>
-<p:sldLayout xmlns:a="http://schemas.openxmlformats.org/drawingml/2006/main" xmlns:r="http://schemas.openxmlformats.org/officeDocument/2006/relationships" xmlns:p="http://schemas.openxmlformats.org/presentationml/2006/main" type="obj" preserve="1">
+<p:sldLayout xmlns:a="http://schemas.openxmlformats.org/drawingml/2006/main" xmlns:c="http://schemas.openxmlformats.org/drawingml/2006/chart" xmlns:cs="http://schemas.microsoft.com/office/drawing/2012/chartStyle" xmlns:ns1="http://schemas.openxmlformats.org/officeDocument/2006/extended-properties" xmlns:p="http://schemas.openxmlformats.org/presentationml/2006/main" xmlns:r="http://schemas.openxmlformats.org/officeDocument/2006/relationships" xmlns:vt="http://schemas.openxmlformats.org/officeDocument/2006/docPropsVTypes" preserve="1" type="obj">
   <p:cSld name="Two Content">
     <p:spTree>
       <p:nvGrpSpPr>
@@ -497,7 +859,7 @@
         <p:nvSpPr>
           <p:cNvPr id="2" name="Holder 2"/>
           <p:cNvSpPr>
-            <a:spLocks noGrp="1"/>
+            <a:spLocks noGrp="true"/>
           </p:cNvSpPr>
           <p:nvPr>
             <p:ph type="title"/>
@@ -505,35 +867,39 @@
         </p:nvSpPr>
         <p:spPr/>
         <p:txBody>
-          <a:bodyPr lIns="0" tIns="0" rIns="0" bIns="0"/>
+          <a:bodyPr bIns="0" lIns="0" rIns="0" rtlCol="0" tIns="0" vert="horz"/>
           <a:lstStyle>
-            <a:lvl1pPr>
-              <a:defRPr sz="2750" b="1" i="0" u="heavy">
+            <a:lvl1pPr lvl="0">
+              <a:defRPr b="1" dirty="0" i="0" lang="en-US" sz="2750" u="sng">
                 <a:solidFill>
                   <a:schemeClr val="tx1"/>
                 </a:solidFill>
                 <a:latin typeface="Arial"/>
-                <a:cs typeface="Arial"/>
               </a:defRPr>
             </a:lvl1pPr>
           </a:lstStyle>
           <a:p>
-            <a:endParaRPr/>
+            <a:pPr/>
+            <a:r>
+              <a:rPr dirty="0" lang="en-US"/>
+              <a:t/>
+            </a:r>
+            <a:endParaRPr dirty="0" lang="en-US"/>
           </a:p>
         </p:txBody>
       </p:sp>
       <p:sp>
         <p:nvSpPr>
-          <p:cNvPr id="3" name="Holder 3"/>
+          <p:cNvPr id="4" name="Holder 3"/>
           <p:cNvSpPr>
-            <a:spLocks noGrp="1"/>
+            <a:spLocks noGrp="true"/>
           </p:cNvSpPr>
           <p:nvPr>
-            <p:ph sz="half" idx="2"/>
+            <p:ph idx="1"/>
           </p:nvPr>
         </p:nvSpPr>
         <p:spPr>
-          <a:xfrm>
+          <a:xfrm rot="0">
             <a:off x="388620" y="2313432"/>
             <a:ext cx="3380994" cy="6638544"/>
           </a:xfrm>
@@ -542,16 +908,19 @@
           </a:prstGeom>
         </p:spPr>
         <p:txBody>
-          <a:bodyPr wrap="square" lIns="0" tIns="0" rIns="0" bIns="0">
+          <a:bodyPr bIns="0" lIns="0" rIns="0" rtlCol="0" tIns="0" vert="horz" wrap="square">
             <a:spAutoFit/>
           </a:bodyPr>
           <a:lstStyle>
-            <a:lvl1pPr>
-              <a:defRPr/>
-            </a:lvl1pPr>
+            <a:lvl1pPr lvl="0"/>
           </a:lstStyle>
           <a:p>
-            <a:endParaRPr/>
+            <a:pPr/>
+            <a:r>
+              <a:rPr dirty="0" lang="en-US"/>
+              <a:t/>
+            </a:r>
+            <a:endParaRPr dirty="0" lang="en-US"/>
           </a:p>
         </p:txBody>
       </p:sp>
@@ -559,14 +928,14 @@
         <p:nvSpPr>
           <p:cNvPr id="4" name="Holder 4"/>
           <p:cNvSpPr>
-            <a:spLocks noGrp="1"/>
+            <a:spLocks noGrp="true"/>
           </p:cNvSpPr>
           <p:nvPr>
-            <p:ph sz="half" idx="3"/>
+            <p:ph idx="2"/>
           </p:nvPr>
         </p:nvSpPr>
         <p:spPr>
-          <a:xfrm>
+          <a:xfrm rot="0">
             <a:off x="4002786" y="2313432"/>
             <a:ext cx="3380994" cy="6638544"/>
           </a:xfrm>
@@ -575,16 +944,19 @@
           </a:prstGeom>
         </p:spPr>
         <p:txBody>
-          <a:bodyPr wrap="square" lIns="0" tIns="0" rIns="0" bIns="0">
+          <a:bodyPr bIns="0" lIns="0" rIns="0" rtlCol="0" tIns="0" vert="horz" wrap="square">
             <a:spAutoFit/>
           </a:bodyPr>
           <a:lstStyle>
-            <a:lvl1pPr>
-              <a:defRPr/>
-            </a:lvl1pPr>
+            <a:lvl1pPr lvl="0"/>
           </a:lstStyle>
           <a:p>
-            <a:endParaRPr/>
+            <a:pPr/>
+            <a:r>
+              <a:rPr dirty="0" lang="en-US"/>
+              <a:t/>
+            </a:r>
+            <a:endParaRPr dirty="0" lang="en-US"/>
           </a:p>
         </p:txBody>
       </p:sp>
@@ -592,18 +964,18 @@
         <p:nvSpPr>
           <p:cNvPr id="5" name="Holder 5"/>
           <p:cNvSpPr>
-            <a:spLocks noGrp="1"/>
+            <a:spLocks noGrp="true"/>
           </p:cNvSpPr>
           <p:nvPr>
-            <p:ph type="ftr" sz="quarter" idx="5"/>
+            <p:ph idx="11" sz="quarter" type="ftr"/>
           </p:nvPr>
         </p:nvSpPr>
         <p:spPr/>
         <p:txBody>
-          <a:bodyPr lIns="0" tIns="0" rIns="0" bIns="0"/>
+          <a:bodyPr bIns="0" lIns="0" rIns="0" rtlCol="0" tIns="0" vert="horz"/>
           <a:lstStyle>
-            <a:lvl1pPr algn="ctr">
-              <a:defRPr>
+            <a:lvl1pPr algn="ctr" lvl="0">
+              <a:defRPr dirty="0" lang="en-US">
                 <a:solidFill>
                   <a:schemeClr val="tx1">
                     <a:tint val="75000"/>
@@ -613,7 +985,12 @@
             </a:lvl1pPr>
           </a:lstStyle>
           <a:p>
-            <a:endParaRPr/>
+            <a:pPr/>
+            <a:r>
+              <a:rPr dirty="0" lang="en-US"/>
+              <a:t/>
+            </a:r>
+            <a:endParaRPr dirty="0" lang="en-US"/>
           </a:p>
         </p:txBody>
       </p:sp>
@@ -621,18 +998,18 @@
         <p:nvSpPr>
           <p:cNvPr id="6" name="Holder 6"/>
           <p:cNvSpPr>
-            <a:spLocks noGrp="1"/>
+            <a:spLocks noGrp="true"/>
           </p:cNvSpPr>
           <p:nvPr>
-            <p:ph type="dt" sz="half" idx="6"/>
+            <p:ph idx="10" sz="half" type="dt"/>
           </p:nvPr>
         </p:nvSpPr>
         <p:spPr/>
         <p:txBody>
-          <a:bodyPr lIns="0" tIns="0" rIns="0" bIns="0"/>
+          <a:bodyPr bIns="0" lIns="0" rIns="0" rtlCol="0" tIns="0" vert="horz"/>
           <a:lstStyle>
-            <a:lvl1pPr algn="l">
-              <a:defRPr>
+            <a:lvl1pPr algn="l" lvl="0">
+              <a:defRPr dirty="0" lang="en-US">
                 <a:solidFill>
                   <a:schemeClr val="tx1">
                     <a:tint val="75000"/>
@@ -642,11 +1019,11 @@
             </a:lvl1pPr>
           </a:lstStyle>
           <a:p>
-            <a:fld id="{1D8BD707-D9CF-40AE-B4C6-C98DA3205C09}" type="datetimeFigureOut">
-              <a:rPr lang="en-US"/>
-              <a:t>9/15/2019</a:t>
+            <a:pPr/>
+            <a:fld id="{2A8FA23F-EA35-4977-92D8-4BEA0753D7D9}" type="datetime1">
+              <a:t>9/20/2019</a:t>
             </a:fld>
-            <a:endParaRPr lang="en-US"/>
+            <a:endParaRPr dirty="0" lang="en-US"/>
           </a:p>
         </p:txBody>
       </p:sp>
@@ -654,18 +1031,18 @@
         <p:nvSpPr>
           <p:cNvPr id="7" name="Holder 7"/>
           <p:cNvSpPr>
-            <a:spLocks noGrp="1"/>
+            <a:spLocks noGrp="true"/>
           </p:cNvSpPr>
           <p:nvPr>
-            <p:ph type="sldNum" sz="quarter" idx="7"/>
+            <p:ph idx="12" sz="quarter" type="sldNum"/>
           </p:nvPr>
         </p:nvSpPr>
         <p:spPr/>
         <p:txBody>
-          <a:bodyPr lIns="0" tIns="0" rIns="0" bIns="0"/>
+          <a:bodyPr bIns="0" lIns="0" rIns="0" rtlCol="0" tIns="0" vert="horz"/>
           <a:lstStyle>
-            <a:lvl1pPr algn="r">
-              <a:defRPr>
+            <a:lvl1pPr algn="r" lvl="0">
+              <a:defRPr dirty="0" lang="en-US">
                 <a:solidFill>
                   <a:schemeClr val="tx1">
                     <a:tint val="75000"/>
@@ -675,10 +1052,9 @@
             </a:lvl1pPr>
           </a:lstStyle>
           <a:p>
-            <a:fld id="{B6F15528-21DE-4FAA-801E-634DDDAF4B2B}" type="slidenum">
-              <a:t>‹#›</a:t>
-            </a:fld>
-            <a:endParaRPr/>
+            <a:pPr/>
+            <a:fld id="{3C29C557-2A18-4803-B536-606F3669E079}" type="slidenum"/>
+            <a:endParaRPr dirty="0" lang="en-US"/>
           </a:p>
         </p:txBody>
       </p:sp>
@@ -691,7 +1067,7 @@
 </file>
 
 <file path=ppt/slideLayouts/slideLayout4.xml><?xml version="1.0" encoding="utf-8"?>
-<p:sldLayout xmlns:a="http://schemas.openxmlformats.org/drawingml/2006/main" xmlns:r="http://schemas.openxmlformats.org/officeDocument/2006/relationships" xmlns:p="http://schemas.openxmlformats.org/presentationml/2006/main" type="obj" preserve="1">
+<p:sldLayout xmlns:a="http://schemas.openxmlformats.org/drawingml/2006/main" xmlns:c="http://schemas.openxmlformats.org/drawingml/2006/chart" xmlns:cs="http://schemas.microsoft.com/office/drawing/2012/chartStyle" xmlns:ns1="http://schemas.openxmlformats.org/officeDocument/2006/extended-properties" xmlns:p="http://schemas.openxmlformats.org/presentationml/2006/main" xmlns:r="http://schemas.openxmlformats.org/officeDocument/2006/relationships" xmlns:vt="http://schemas.openxmlformats.org/officeDocument/2006/docPropsVTypes" preserve="1" type="obj">
   <p:cSld name="Title Only">
     <p:spTree>
       <p:nvGrpSpPr>
@@ -711,7 +1087,7 @@
         <p:nvSpPr>
           <p:cNvPr id="2" name="Holder 2"/>
           <p:cNvSpPr>
-            <a:spLocks noGrp="1"/>
+            <a:spLocks noGrp="true"/>
           </p:cNvSpPr>
           <p:nvPr>
             <p:ph type="title"/>
@@ -719,20 +1095,24 @@
         </p:nvSpPr>
         <p:spPr/>
         <p:txBody>
-          <a:bodyPr lIns="0" tIns="0" rIns="0" bIns="0"/>
+          <a:bodyPr bIns="0" lIns="0" rIns="0" rtlCol="0" tIns="0" vert="horz"/>
           <a:lstStyle>
-            <a:lvl1pPr>
-              <a:defRPr sz="2750" b="1" i="0" u="heavy">
+            <a:lvl1pPr lvl="0">
+              <a:defRPr b="1" dirty="0" i="0" lang="en-US" sz="2750" u="sng">
                 <a:solidFill>
                   <a:schemeClr val="tx1"/>
                 </a:solidFill>
                 <a:latin typeface="Arial"/>
-                <a:cs typeface="Arial"/>
               </a:defRPr>
             </a:lvl1pPr>
           </a:lstStyle>
           <a:p>
-            <a:endParaRPr/>
+            <a:pPr/>
+            <a:r>
+              <a:rPr dirty="0" lang="en-US"/>
+              <a:t/>
+            </a:r>
+            <a:endParaRPr dirty="0" lang="en-US"/>
           </a:p>
         </p:txBody>
       </p:sp>
@@ -740,18 +1120,18 @@
         <p:nvSpPr>
           <p:cNvPr id="3" name="Holder 3"/>
           <p:cNvSpPr>
-            <a:spLocks noGrp="1"/>
+            <a:spLocks noGrp="true"/>
           </p:cNvSpPr>
           <p:nvPr>
-            <p:ph type="ftr" sz="quarter" idx="5"/>
+            <p:ph idx="11" sz="quarter" type="ftr"/>
           </p:nvPr>
         </p:nvSpPr>
         <p:spPr/>
         <p:txBody>
-          <a:bodyPr lIns="0" tIns="0" rIns="0" bIns="0"/>
+          <a:bodyPr bIns="0" lIns="0" rIns="0" rtlCol="0" tIns="0" vert="horz"/>
           <a:lstStyle>
-            <a:lvl1pPr algn="ctr">
-              <a:defRPr>
+            <a:lvl1pPr algn="ctr" lvl="0">
+              <a:defRPr dirty="0" lang="en-US">
                 <a:solidFill>
                   <a:schemeClr val="tx1">
                     <a:tint val="75000"/>
@@ -761,7 +1141,12 @@
             </a:lvl1pPr>
           </a:lstStyle>
           <a:p>
-            <a:endParaRPr/>
+            <a:pPr/>
+            <a:r>
+              <a:rPr dirty="0" lang="en-US"/>
+              <a:t/>
+            </a:r>
+            <a:endParaRPr dirty="0" lang="en-US"/>
           </a:p>
         </p:txBody>
       </p:sp>
@@ -769,18 +1154,18 @@
         <p:nvSpPr>
           <p:cNvPr id="4" name="Holder 4"/>
           <p:cNvSpPr>
-            <a:spLocks noGrp="1"/>
+            <a:spLocks noGrp="true"/>
           </p:cNvSpPr>
           <p:nvPr>
-            <p:ph type="dt" sz="half" idx="6"/>
+            <p:ph idx="10" sz="half" type="dt"/>
           </p:nvPr>
         </p:nvSpPr>
         <p:spPr/>
         <p:txBody>
-          <a:bodyPr lIns="0" tIns="0" rIns="0" bIns="0"/>
+          <a:bodyPr bIns="0" lIns="0" rIns="0" rtlCol="0" tIns="0" vert="horz"/>
           <a:lstStyle>
-            <a:lvl1pPr algn="l">
-              <a:defRPr>
+            <a:lvl1pPr algn="l" lvl="0">
+              <a:defRPr dirty="0" lang="en-US">
                 <a:solidFill>
                   <a:schemeClr val="tx1">
                     <a:tint val="75000"/>
@@ -790,11 +1175,11 @@
             </a:lvl1pPr>
           </a:lstStyle>
           <a:p>
-            <a:fld id="{1D8BD707-D9CF-40AE-B4C6-C98DA3205C09}" type="datetimeFigureOut">
-              <a:rPr lang="en-US"/>
-              <a:t>9/15/2019</a:t>
+            <a:pPr/>
+            <a:fld id="{654FD06A-C23C-4C83-91EE-E2C361E88F25}" type="datetime1">
+              <a:t>9/20/2019</a:t>
             </a:fld>
-            <a:endParaRPr lang="en-US"/>
+            <a:endParaRPr dirty="0" lang="en-US"/>
           </a:p>
         </p:txBody>
       </p:sp>
@@ -802,18 +1187,18 @@
         <p:nvSpPr>
           <p:cNvPr id="5" name="Holder 5"/>
           <p:cNvSpPr>
-            <a:spLocks noGrp="1"/>
+            <a:spLocks noGrp="true"/>
           </p:cNvSpPr>
           <p:nvPr>
-            <p:ph type="sldNum" sz="quarter" idx="7"/>
+            <p:ph idx="12" sz="quarter" type="sldNum"/>
           </p:nvPr>
         </p:nvSpPr>
         <p:spPr/>
         <p:txBody>
-          <a:bodyPr lIns="0" tIns="0" rIns="0" bIns="0"/>
+          <a:bodyPr bIns="0" lIns="0" rIns="0" rtlCol="0" tIns="0" vert="horz"/>
           <a:lstStyle>
-            <a:lvl1pPr algn="r">
-              <a:defRPr>
+            <a:lvl1pPr algn="r" lvl="0">
+              <a:defRPr dirty="0" lang="en-US">
                 <a:solidFill>
                   <a:schemeClr val="tx1">
                     <a:tint val="75000"/>
@@ -823,10 +1208,9 @@
             </a:lvl1pPr>
           </a:lstStyle>
           <a:p>
-            <a:fld id="{B6F15528-21DE-4FAA-801E-634DDDAF4B2B}" type="slidenum">
-              <a:t>‹#›</a:t>
-            </a:fld>
-            <a:endParaRPr/>
+            <a:pPr/>
+            <a:fld id="{B65F8C9F-6C28-48A7-BD4B-21B51A4168BD}" type="slidenum"/>
+            <a:endParaRPr dirty="0" lang="en-US"/>
           </a:p>
         </p:txBody>
       </p:sp>
@@ -839,7 +1223,7 @@
 </file>
 
 <file path=ppt/slideLayouts/slideLayout5.xml><?xml version="1.0" encoding="utf-8"?>
-<p:sldLayout xmlns:a="http://schemas.openxmlformats.org/drawingml/2006/main" xmlns:r="http://schemas.openxmlformats.org/officeDocument/2006/relationships" xmlns:p="http://schemas.openxmlformats.org/presentationml/2006/main" type="obj" preserve="1">
+<p:sldLayout xmlns:a="http://schemas.openxmlformats.org/drawingml/2006/main" xmlns:c="http://schemas.openxmlformats.org/drawingml/2006/chart" xmlns:cs="http://schemas.microsoft.com/office/drawing/2012/chartStyle" xmlns:ns1="http://schemas.openxmlformats.org/officeDocument/2006/extended-properties" xmlns:p="http://schemas.openxmlformats.org/presentationml/2006/main" xmlns:r="http://schemas.openxmlformats.org/officeDocument/2006/relationships" xmlns:vt="http://schemas.openxmlformats.org/officeDocument/2006/docPropsVTypes" preserve="1" type="obj">
   <p:cSld name="Blank">
     <p:spTree>
       <p:nvGrpSpPr>
@@ -859,18 +1243,18 @@
         <p:nvSpPr>
           <p:cNvPr id="2" name="Holder 2"/>
           <p:cNvSpPr>
-            <a:spLocks noGrp="1"/>
+            <a:spLocks noGrp="true"/>
           </p:cNvSpPr>
           <p:nvPr>
-            <p:ph type="ftr" sz="quarter" idx="5"/>
+            <p:ph idx="11" sz="quarter" type="ftr"/>
           </p:nvPr>
         </p:nvSpPr>
         <p:spPr/>
         <p:txBody>
-          <a:bodyPr lIns="0" tIns="0" rIns="0" bIns="0"/>
+          <a:bodyPr bIns="0" lIns="0" rIns="0" rtlCol="0" tIns="0" vert="horz"/>
           <a:lstStyle>
-            <a:lvl1pPr algn="ctr">
-              <a:defRPr>
+            <a:lvl1pPr algn="ctr" lvl="0">
+              <a:defRPr dirty="0" lang="en-US">
                 <a:solidFill>
                   <a:schemeClr val="tx1">
                     <a:tint val="75000"/>
@@ -880,7 +1264,12 @@
             </a:lvl1pPr>
           </a:lstStyle>
           <a:p>
-            <a:endParaRPr/>
+            <a:pPr/>
+            <a:r>
+              <a:rPr dirty="0" lang="en-US"/>
+              <a:t/>
+            </a:r>
+            <a:endParaRPr dirty="0" lang="en-US"/>
           </a:p>
         </p:txBody>
       </p:sp>
@@ -888,18 +1277,18 @@
         <p:nvSpPr>
           <p:cNvPr id="3" name="Holder 3"/>
           <p:cNvSpPr>
-            <a:spLocks noGrp="1"/>
+            <a:spLocks noGrp="true"/>
           </p:cNvSpPr>
           <p:nvPr>
-            <p:ph type="dt" sz="half" idx="6"/>
+            <p:ph idx="10" sz="half" type="dt"/>
           </p:nvPr>
         </p:nvSpPr>
         <p:spPr/>
         <p:txBody>
-          <a:bodyPr lIns="0" tIns="0" rIns="0" bIns="0"/>
+          <a:bodyPr bIns="0" lIns="0" rIns="0" rtlCol="0" tIns="0" vert="horz"/>
           <a:lstStyle>
-            <a:lvl1pPr algn="l">
-              <a:defRPr>
+            <a:lvl1pPr algn="l" lvl="0">
+              <a:defRPr dirty="0" lang="en-US">
                 <a:solidFill>
                   <a:schemeClr val="tx1">
                     <a:tint val="75000"/>
@@ -909,11 +1298,11 @@
             </a:lvl1pPr>
           </a:lstStyle>
           <a:p>
-            <a:fld id="{1D8BD707-D9CF-40AE-B4C6-C98DA3205C09}" type="datetimeFigureOut">
-              <a:rPr lang="en-US"/>
-              <a:t>9/15/2019</a:t>
+            <a:pPr/>
+            <a:fld id="{EE694EEC-3D24-4C58-81C7-13CC2974D4B7}" type="datetime1">
+              <a:t>9/20/2019</a:t>
             </a:fld>
-            <a:endParaRPr lang="en-US"/>
+            <a:endParaRPr dirty="0" lang="en-US"/>
           </a:p>
         </p:txBody>
       </p:sp>
@@ -921,18 +1310,18 @@
         <p:nvSpPr>
           <p:cNvPr id="4" name="Holder 4"/>
           <p:cNvSpPr>
-            <a:spLocks noGrp="1"/>
+            <a:spLocks noGrp="true"/>
           </p:cNvSpPr>
           <p:nvPr>
-            <p:ph type="sldNum" sz="quarter" idx="7"/>
+            <p:ph idx="12" sz="quarter" type="sldNum"/>
           </p:nvPr>
         </p:nvSpPr>
         <p:spPr/>
         <p:txBody>
-          <a:bodyPr lIns="0" tIns="0" rIns="0" bIns="0"/>
+          <a:bodyPr bIns="0" lIns="0" rIns="0" rtlCol="0" tIns="0" vert="horz"/>
           <a:lstStyle>
-            <a:lvl1pPr algn="r">
-              <a:defRPr>
+            <a:lvl1pPr algn="r" lvl="0">
+              <a:defRPr dirty="0" lang="en-US">
                 <a:solidFill>
                   <a:schemeClr val="tx1">
                     <a:tint val="75000"/>
@@ -942,10 +1331,9 @@
             </a:lvl1pPr>
           </a:lstStyle>
           <a:p>
-            <a:fld id="{B6F15528-21DE-4FAA-801E-634DDDAF4B2B}" type="slidenum">
-              <a:t>‹#›</a:t>
-            </a:fld>
-            <a:endParaRPr/>
+            <a:pPr/>
+            <a:fld id="{4A302404-B740-46F3-B2BA-9EF60F8EF1E6}" type="slidenum"/>
+            <a:endParaRPr dirty="0" lang="en-US"/>
           </a:p>
         </p:txBody>
       </p:sp>
@@ -958,8 +1346,8 @@
 </file>
 
 <file path=ppt/slideMasters/slideMaster1.xml><?xml version="1.0" encoding="utf-8"?>
-<p:sldMaster xmlns:a="http://schemas.openxmlformats.org/drawingml/2006/main" xmlns:r="http://schemas.openxmlformats.org/officeDocument/2006/relationships" xmlns:p="http://schemas.openxmlformats.org/presentationml/2006/main">
-  <p:cSld>
+<p:sldMaster xmlns:a="http://schemas.openxmlformats.org/drawingml/2006/main" xmlns:c="http://schemas.openxmlformats.org/drawingml/2006/chart" xmlns:cs="http://schemas.microsoft.com/office/drawing/2012/chartStyle" xmlns:ns1="http://schemas.openxmlformats.org/officeDocument/2006/extended-properties" xmlns:p="http://schemas.openxmlformats.org/presentationml/2006/main" xmlns:r="http://schemas.openxmlformats.org/officeDocument/2006/relationships" xmlns:vt="http://schemas.openxmlformats.org/officeDocument/2006/docPropsVTypes">
+  <p:cSld name="slideMaster1">
     <p:bg>
       <p:bgPr>
         <a:solidFill>
@@ -986,38 +1374,42 @@
         <p:nvSpPr>
           <p:cNvPr id="2" name="Holder 2"/>
           <p:cNvSpPr>
-            <a:spLocks noGrp="1"/>
+            <a:spLocks noGrp="true"/>
           </p:cNvSpPr>
           <p:nvPr>
             <p:ph type="title"/>
           </p:nvPr>
         </p:nvSpPr>
         <p:spPr>
-          <a:xfrm>
-            <a:off x="1991105" y="1188465"/>
-            <a:ext cx="3790188" cy="444500"/>
+          <a:xfrm rot="0">
+            <a:off x="1991105" y="1188464"/>
+            <a:ext cx="3790188" cy="444499"/>
           </a:xfrm>
           <a:prstGeom prst="rect">
             <a:avLst/>
           </a:prstGeom>
         </p:spPr>
         <p:txBody>
-          <a:bodyPr wrap="square" lIns="0" tIns="0" rIns="0" bIns="0">
+          <a:bodyPr bIns="0" lIns="0" rIns="0" rtlCol="0" tIns="0" vert="horz" wrap="square">
             <a:spAutoFit/>
           </a:bodyPr>
           <a:lstStyle>
-            <a:lvl1pPr>
-              <a:defRPr sz="2750" b="1" i="0" u="heavy">
+            <a:lvl1pPr lvl="0">
+              <a:defRPr b="1" dirty="0" i="0" lang="en-US" sz="2750" u="sng">
                 <a:solidFill>
                   <a:schemeClr val="tx1"/>
                 </a:solidFill>
                 <a:latin typeface="Arial"/>
-                <a:cs typeface="Arial"/>
               </a:defRPr>
             </a:lvl1pPr>
           </a:lstStyle>
           <a:p>
-            <a:endParaRPr/>
+            <a:pPr/>
+            <a:r>
+              <a:rPr dirty="0" lang="en-US"/>
+              <a:t/>
+            </a:r>
+            <a:endParaRPr dirty="0" lang="en-US"/>
           </a:p>
         </p:txBody>
       </p:sp>
@@ -1025,36 +1417,42 @@
         <p:nvSpPr>
           <p:cNvPr id="3" name="Holder 3"/>
           <p:cNvSpPr>
-            <a:spLocks noGrp="1"/>
+            <a:spLocks noGrp="true"/>
           </p:cNvSpPr>
           <p:nvPr>
-            <p:ph type="body" idx="1"/>
+            <p:ph idx="1" type="body"/>
           </p:nvPr>
         </p:nvSpPr>
         <p:spPr>
-          <a:xfrm>
+          <a:xfrm rot="0">
             <a:off x="1127455" y="2745308"/>
-            <a:ext cx="5517489" cy="2061210"/>
+            <a:ext cx="5517488" cy="2061210"/>
           </a:xfrm>
           <a:prstGeom prst="rect">
             <a:avLst/>
           </a:prstGeom>
         </p:spPr>
         <p:txBody>
-          <a:bodyPr wrap="square" lIns="0" tIns="0" rIns="0" bIns="0">
+          <a:bodyPr bIns="0" lIns="0" rIns="0" rtlCol="0" tIns="0" vert="horz" wrap="square">
             <a:spAutoFit/>
           </a:bodyPr>
           <a:lstStyle>
-            <a:lvl1pPr>
-              <a:defRPr b="0" i="0">
+            <a:lvl1pPr lvl="0">
+              <a:defRPr dirty="0" i="0" lang="en-US">
                 <a:solidFill>
                   <a:schemeClr val="tx1"/>
                 </a:solidFill>
+                <a:latin typeface="+mn-lt"/>
               </a:defRPr>
             </a:lvl1pPr>
           </a:lstStyle>
           <a:p>
-            <a:endParaRPr/>
+            <a:pPr/>
+            <a:r>
+              <a:rPr dirty="0" lang="en-US"/>
+              <a:t/>
+            </a:r>
+            <a:endParaRPr dirty="0" lang="en-US"/>
           </a:p>
         </p:txBody>
       </p:sp>
@@ -1062,15 +1460,15 @@
         <p:nvSpPr>
           <p:cNvPr id="4" name="Holder 4"/>
           <p:cNvSpPr>
-            <a:spLocks noGrp="1"/>
+            <a:spLocks noGrp="true"/>
           </p:cNvSpPr>
           <p:nvPr>
-            <p:ph type="ftr" sz="quarter" idx="5"/>
+            <p:ph idx="3" sz="quarter" type="ftr"/>
           </p:nvPr>
         </p:nvSpPr>
         <p:spPr>
-          <a:xfrm>
-            <a:off x="2642616" y="9354312"/>
+          <a:xfrm rot="0">
+            <a:off x="2642616" y="9354311"/>
             <a:ext cx="2487168" cy="502920"/>
           </a:xfrm>
           <a:prstGeom prst="rect">
@@ -1078,12 +1476,12 @@
           </a:prstGeom>
         </p:spPr>
         <p:txBody>
-          <a:bodyPr wrap="square" lIns="0" tIns="0" rIns="0" bIns="0">
+          <a:bodyPr bIns="0" lIns="0" rIns="0" rtlCol="0" tIns="0" vert="horz" wrap="square">
             <a:spAutoFit/>
           </a:bodyPr>
           <a:lstStyle>
-            <a:lvl1pPr algn="ctr">
-              <a:defRPr>
+            <a:lvl1pPr algn="ctr" lvl="0">
+              <a:defRPr dirty="0" lang="en-US">
                 <a:solidFill>
                   <a:schemeClr val="tx1">
                     <a:tint val="75000"/>
@@ -1093,7 +1491,12 @@
             </a:lvl1pPr>
           </a:lstStyle>
           <a:p>
-            <a:endParaRPr/>
+            <a:pPr/>
+            <a:r>
+              <a:rPr dirty="0" lang="en-US"/>
+              <a:t/>
+            </a:r>
+            <a:endParaRPr dirty="0" lang="en-US"/>
           </a:p>
         </p:txBody>
       </p:sp>
@@ -1101,15 +1504,15 @@
         <p:nvSpPr>
           <p:cNvPr id="5" name="Holder 5"/>
           <p:cNvSpPr>
-            <a:spLocks noGrp="1"/>
+            <a:spLocks noGrp="true"/>
           </p:cNvSpPr>
           <p:nvPr>
-            <p:ph type="dt" sz="half" idx="6"/>
+            <p:ph idx="2" sz="half" type="dt"/>
           </p:nvPr>
         </p:nvSpPr>
         <p:spPr>
-          <a:xfrm>
-            <a:off x="388620" y="9354312"/>
+          <a:xfrm rot="0">
+            <a:off x="388620" y="9354311"/>
             <a:ext cx="1787652" cy="502920"/>
           </a:xfrm>
           <a:prstGeom prst="rect">
@@ -1117,12 +1520,12 @@
           </a:prstGeom>
         </p:spPr>
         <p:txBody>
-          <a:bodyPr wrap="square" lIns="0" tIns="0" rIns="0" bIns="0">
+          <a:bodyPr bIns="0" lIns="0" rIns="0" rtlCol="0" tIns="0" vert="horz" wrap="square">
             <a:spAutoFit/>
           </a:bodyPr>
           <a:lstStyle>
-            <a:lvl1pPr algn="l">
-              <a:defRPr>
+            <a:lvl1pPr algn="l" lvl="0">
+              <a:defRPr dirty="0" lang="en-US">
                 <a:solidFill>
                   <a:schemeClr val="tx1">
                     <a:tint val="75000"/>
@@ -1132,11 +1535,11 @@
             </a:lvl1pPr>
           </a:lstStyle>
           <a:p>
-            <a:fld id="{1D8BD707-D9CF-40AE-B4C6-C98DA3205C09}" type="datetimeFigureOut">
-              <a:rPr lang="en-US"/>
-              <a:t>9/15/2019</a:t>
+            <a:pPr/>
+            <a:fld id="{045D8FB4-34BF-4F6C-8B4F-ABCC2AD7D9D9}" type="datetime1">
+              <a:t>9/20/2019</a:t>
             </a:fld>
-            <a:endParaRPr lang="en-US"/>
+            <a:endParaRPr dirty="0" lang="en-US"/>
           </a:p>
         </p:txBody>
       </p:sp>
@@ -1144,15 +1547,15 @@
         <p:nvSpPr>
           <p:cNvPr id="6" name="Holder 6"/>
           <p:cNvSpPr>
-            <a:spLocks noGrp="1"/>
+            <a:spLocks noGrp="true"/>
           </p:cNvSpPr>
           <p:nvPr>
-            <p:ph type="sldNum" sz="quarter" idx="7"/>
+            <p:ph idx="4" sz="quarter" type="sldNum"/>
           </p:nvPr>
         </p:nvSpPr>
         <p:spPr>
-          <a:xfrm>
-            <a:off x="5596128" y="9354312"/>
+          <a:xfrm rot="0">
+            <a:off x="5596128" y="9354311"/>
             <a:ext cx="1787652" cy="502920"/>
           </a:xfrm>
           <a:prstGeom prst="rect">
@@ -1160,12 +1563,12 @@
           </a:prstGeom>
         </p:spPr>
         <p:txBody>
-          <a:bodyPr wrap="square" lIns="0" tIns="0" rIns="0" bIns="0">
+          <a:bodyPr bIns="0" lIns="0" rIns="0" rtlCol="0" tIns="0" vert="horz" wrap="square">
             <a:spAutoFit/>
           </a:bodyPr>
           <a:lstStyle>
-            <a:lvl1pPr algn="r">
-              <a:defRPr>
+            <a:lvl1pPr algn="r" lvl="0">
+              <a:defRPr dirty="0" lang="en-US">
                 <a:solidFill>
                   <a:schemeClr val="tx1">
                     <a:tint val="75000"/>
@@ -1175,160 +1578,121 @@
             </a:lvl1pPr>
           </a:lstStyle>
           <a:p>
-            <a:fld id="{B6F15528-21DE-4FAA-801E-634DDDAF4B2B}" type="slidenum">
-              <a:t>‹#›</a:t>
-            </a:fld>
-            <a:endParaRPr/>
+            <a:pPr/>
+            <a:fld id="{30854AFD-15E4-4673-8622-D4232957EAA2}" type="slidenum"/>
+            <a:endParaRPr dirty="0" lang="en-US"/>
           </a:p>
         </p:txBody>
       </p:sp>
     </p:spTree>
   </p:cSld>
-  <p:clrMap bg1="lt1" tx1="dk1" bg2="lt2" tx2="dk2" accent1="accent1" accent2="accent2" accent3="accent3" accent4="accent4" accent5="accent5" accent6="accent6" hlink="hlink" folHlink="folHlink"/>
+  <p:clrMap accent1="accent1" accent2="accent2" accent3="accent3" accent4="accent4" accent5="accent5" accent6="accent6" bg1="lt1" bg2="lt2" folHlink="folHlink" hlink="hlink" tx1="dk1" tx2="dk2"/>
   <p:sldLayoutIdLst>
-    <p:sldLayoutId id="2147483661" r:id="rId1"/>
-    <p:sldLayoutId id="2147483662" r:id="rId2"/>
-    <p:sldLayoutId id="2147483663" r:id="rId3"/>
-    <p:sldLayoutId id="2147483664" r:id="rId4"/>
-    <p:sldLayoutId id="2147483665" r:id="rId5"/>
+    <p:sldLayoutId id="2147483649" r:id="rId1"/>
+    <p:sldLayoutId id="2147483650" r:id="rId2"/>
+    <p:sldLayoutId id="2147483651" r:id="rId3"/>
+    <p:sldLayoutId id="2147483652" r:id="rId4"/>
+    <p:sldLayoutId id="2147483653" r:id="rId5"/>
   </p:sldLayoutIdLst>
   <p:txStyles>
     <p:titleStyle>
-      <a:lvl1pPr>
-        <a:defRPr>
+      <a:lvl1pPr lvl="0">
+        <a:defRPr dirty="0" lang="en-US">
           <a:latin typeface="+mj-lt"/>
-          <a:ea typeface="+mj-ea"/>
-          <a:cs typeface="+mj-cs"/>
         </a:defRPr>
       </a:lvl1pPr>
     </p:titleStyle>
     <p:bodyStyle>
-      <a:lvl1pPr marL="0">
-        <a:defRPr>
+      <a:lvl1pPr lvl="0" marL="0">
+        <a:defRPr dirty="0" lang="en-US">
           <a:latin typeface="+mn-lt"/>
-          <a:ea typeface="+mn-ea"/>
-          <a:cs typeface="+mn-cs"/>
         </a:defRPr>
       </a:lvl1pPr>
-      <a:lvl2pPr marL="457200">
-        <a:defRPr>
+      <a:lvl2pPr lvl="1" marL="457200">
+        <a:defRPr dirty="0" lang="en-US">
           <a:latin typeface="+mn-lt"/>
-          <a:ea typeface="+mn-ea"/>
-          <a:cs typeface="+mn-cs"/>
         </a:defRPr>
       </a:lvl2pPr>
-      <a:lvl3pPr marL="914400">
-        <a:defRPr>
+      <a:lvl3pPr lvl="2" marL="914400">
+        <a:defRPr dirty="0" lang="en-US">
           <a:latin typeface="+mn-lt"/>
-          <a:ea typeface="+mn-ea"/>
-          <a:cs typeface="+mn-cs"/>
         </a:defRPr>
       </a:lvl3pPr>
-      <a:lvl4pPr marL="1371600">
-        <a:defRPr>
+      <a:lvl4pPr lvl="3" marL="1371600">
+        <a:defRPr dirty="0" lang="en-US">
           <a:latin typeface="+mn-lt"/>
-          <a:ea typeface="+mn-ea"/>
-          <a:cs typeface="+mn-cs"/>
         </a:defRPr>
       </a:lvl4pPr>
-      <a:lvl5pPr marL="1828800">
-        <a:defRPr>
+      <a:lvl5pPr lvl="4" marL="1828800">
+        <a:defRPr dirty="0" lang="en-US">
           <a:latin typeface="+mn-lt"/>
-          <a:ea typeface="+mn-ea"/>
-          <a:cs typeface="+mn-cs"/>
         </a:defRPr>
       </a:lvl5pPr>
-      <a:lvl6pPr marL="2286000">
-        <a:defRPr>
+      <a:lvl6pPr lvl="5" marL="2286000">
+        <a:defRPr dirty="0" lang="en-US">
           <a:latin typeface="+mn-lt"/>
-          <a:ea typeface="+mn-ea"/>
-          <a:cs typeface="+mn-cs"/>
         </a:defRPr>
       </a:lvl6pPr>
-      <a:lvl7pPr marL="2743200">
-        <a:defRPr>
+      <a:lvl7pPr lvl="6" marL="2743200">
+        <a:defRPr dirty="0" lang="en-US">
           <a:latin typeface="+mn-lt"/>
-          <a:ea typeface="+mn-ea"/>
-          <a:cs typeface="+mn-cs"/>
         </a:defRPr>
       </a:lvl7pPr>
-      <a:lvl8pPr marL="3200400">
-        <a:defRPr>
+      <a:lvl8pPr lvl="7" marL="3200400">
+        <a:defRPr dirty="0" lang="en-US">
           <a:latin typeface="+mn-lt"/>
-          <a:ea typeface="+mn-ea"/>
-          <a:cs typeface="+mn-cs"/>
         </a:defRPr>
       </a:lvl8pPr>
-      <a:lvl9pPr marL="3657600">
-        <a:defRPr>
+      <a:lvl9pPr lvl="8" marL="3657600">
+        <a:defRPr dirty="0" lang="en-US">
           <a:latin typeface="+mn-lt"/>
-          <a:ea typeface="+mn-ea"/>
-          <a:cs typeface="+mn-cs"/>
         </a:defRPr>
       </a:lvl9pPr>
     </p:bodyStyle>
     <p:otherStyle>
-      <a:lvl1pPr marL="0">
-        <a:defRPr>
+      <a:lvl1pPr lvl="0" marL="0">
+        <a:defRPr dirty="0" lang="en-US" sz="1800">
           <a:latin typeface="+mn-lt"/>
-          <a:ea typeface="+mn-ea"/>
-          <a:cs typeface="+mn-cs"/>
         </a:defRPr>
       </a:lvl1pPr>
-      <a:lvl2pPr marL="457200">
-        <a:defRPr>
+      <a:lvl2pPr lvl="1" marL="457200">
+        <a:defRPr dirty="0" lang="en-US" sz="1800">
           <a:latin typeface="+mn-lt"/>
-          <a:ea typeface="+mn-ea"/>
-          <a:cs typeface="+mn-cs"/>
         </a:defRPr>
       </a:lvl2pPr>
-      <a:lvl3pPr marL="914400">
-        <a:defRPr>
+      <a:lvl3pPr lvl="2" marL="914400">
+        <a:defRPr dirty="0" lang="en-US" sz="1800">
           <a:latin typeface="+mn-lt"/>
-          <a:ea typeface="+mn-ea"/>
-          <a:cs typeface="+mn-cs"/>
         </a:defRPr>
       </a:lvl3pPr>
-      <a:lvl4pPr marL="1371600">
-        <a:defRPr>
+      <a:lvl4pPr lvl="3" marL="1371600">
+        <a:defRPr dirty="0" lang="en-US" sz="1800">
           <a:latin typeface="+mn-lt"/>
-          <a:ea typeface="+mn-ea"/>
-          <a:cs typeface="+mn-cs"/>
         </a:defRPr>
       </a:lvl4pPr>
-      <a:lvl5pPr marL="1828800">
-        <a:defRPr>
+      <a:lvl5pPr lvl="4" marL="1828800">
+        <a:defRPr dirty="0" lang="en-US" sz="1800">
           <a:latin typeface="+mn-lt"/>
-          <a:ea typeface="+mn-ea"/>
-          <a:cs typeface="+mn-cs"/>
         </a:defRPr>
       </a:lvl5pPr>
-      <a:lvl6pPr marL="2286000">
-        <a:defRPr>
+      <a:lvl6pPr lvl="5" marL="2286000">
+        <a:defRPr dirty="0" lang="en-US" sz="1800">
           <a:latin typeface="+mn-lt"/>
-          <a:ea typeface="+mn-ea"/>
-          <a:cs typeface="+mn-cs"/>
         </a:defRPr>
       </a:lvl6pPr>
-      <a:lvl7pPr marL="2743200">
-        <a:defRPr>
+      <a:lvl7pPr lvl="6" marL="2743200">
+        <a:defRPr dirty="0" lang="en-US" sz="1800">
           <a:latin typeface="+mn-lt"/>
-          <a:ea typeface="+mn-ea"/>
-          <a:cs typeface="+mn-cs"/>
         </a:defRPr>
       </a:lvl7pPr>
-      <a:lvl8pPr marL="3200400">
-        <a:defRPr>
+      <a:lvl8pPr lvl="7" marL="3200400">
+        <a:defRPr dirty="0" lang="en-US" sz="1800">
           <a:latin typeface="+mn-lt"/>
-          <a:ea typeface="+mn-ea"/>
-          <a:cs typeface="+mn-cs"/>
         </a:defRPr>
       </a:lvl8pPr>
-      <a:lvl9pPr marL="3657600">
-        <a:defRPr>
+      <a:lvl9pPr lvl="8" marL="3657600">
+        <a:defRPr dirty="0" lang="en-US" sz="1800">
           <a:latin typeface="+mn-lt"/>
-          <a:ea typeface="+mn-ea"/>
-          <a:cs typeface="+mn-cs"/>
         </a:defRPr>
       </a:lvl9pPr>
     </p:otherStyle>
@@ -1337,8 +1701,8 @@
 </file>
 
 <file path=ppt/slides/slide1.xml><?xml version="1.0" encoding="utf-8"?>
-<p:sld xmlns:a="http://schemas.openxmlformats.org/drawingml/2006/main" xmlns:r="http://schemas.openxmlformats.org/officeDocument/2006/relationships" xmlns:p="http://schemas.openxmlformats.org/presentationml/2006/main" showMasterSp="0">
-  <p:cSld>
+<p:sld xmlns:a="http://schemas.openxmlformats.org/drawingml/2006/main" xmlns:c="http://schemas.openxmlformats.org/drawingml/2006/chart" xmlns:cs="http://schemas.microsoft.com/office/drawing/2012/chartStyle" xmlns:ns1="http://schemas.openxmlformats.org/officeDocument/2006/extended-properties" xmlns:p="http://schemas.openxmlformats.org/presentationml/2006/main" xmlns:r="http://schemas.openxmlformats.org/officeDocument/2006/relationships" xmlns:vt="http://schemas.openxmlformats.org/officeDocument/2006/docPropsVTypes" showMasterSp="false">
+  <p:cSld name="slide1">
     <p:spTree>
       <p:nvGrpSpPr>
         <p:cNvPr id="1" name=""/>
@@ -1360,25 +1724,30 @@
           <p:nvPr/>
         </p:nvSpPr>
         <p:spPr>
-          <a:xfrm>
+          <a:xfrm rot="0">
             <a:off x="294640" y="295275"/>
             <a:ext cx="7181850" cy="9467850"/>
           </a:xfrm>
           <a:prstGeom prst="rect">
             <a:avLst/>
           </a:prstGeom>
-          <a:blipFill>
-            <a:blip r:embed="rId2" cstate="print"/>
+          <a:blipFill dpi="0" rotWithShape="1">
+            <a:blip r:embed="rId2"/>
             <a:stretch>
               <a:fillRect/>
             </a:stretch>
           </a:blipFill>
         </p:spPr>
         <p:txBody>
-          <a:bodyPr wrap="square" lIns="0" tIns="0" rIns="0" bIns="0" rtlCol="0"/>
+          <a:bodyPr bIns="0" lIns="0" rIns="0" rtlCol="0" tIns="0" vert="horz" wrap="square"/>
           <a:lstStyle/>
           <a:p>
-            <a:endParaRPr/>
+            <a:pPr/>
+            <a:r>
+              <a:rPr dirty="0" lang="en-US"/>
+              <a:t/>
+            </a:r>
+            <a:endParaRPr dirty="0" lang="en-US"/>
           </a:p>
         </p:txBody>
       </p:sp>
@@ -1389,16 +1758,16 @@
           <p:nvPr/>
         </p:nvSpPr>
         <p:spPr>
-          <a:xfrm>
+          <a:xfrm rot="0">
             <a:off x="1633473" y="813561"/>
-            <a:ext cx="4443730" cy="6101670"/>
+            <a:ext cx="4443730" cy="6048794"/>
           </a:xfrm>
           <a:prstGeom prst="rect">
             <a:avLst/>
           </a:prstGeom>
         </p:spPr>
         <p:txBody>
-          <a:bodyPr vert="horz" wrap="square" lIns="0" tIns="12700" rIns="0" bIns="0" rtlCol="0">
+          <a:bodyPr bIns="0" lIns="0" rIns="0" rtlCol="0" tIns="12700" vert="horz" wrap="square">
             <a:spAutoFit/>
           </a:bodyPr>
           <a:lstStyle/>
@@ -1412,83 +1781,62 @@
               </a:spcBef>
             </a:pPr>
             <a:r>
-              <a:rPr sz="3200" b="1" dirty="0">
-                <a:latin typeface="Arial"/>
-                <a:cs typeface="Arial"/>
+              <a:rPr b="1" dirty="0" lang="en-US" sz="3200">
+                <a:latin typeface="Arial"/>
               </a:rPr>
               <a:t>“</a:t>
             </a:r>
             <a:r>
-              <a:rPr sz="3200" b="1" u="heavy" dirty="0">
-                <a:uFill>
-                  <a:solidFill>
-                    <a:srgbClr val="000000"/>
-                  </a:solidFill>
-                </a:uFill>
-                <a:latin typeface="Arial"/>
-                <a:cs typeface="Arial"/>
+              <a:rPr b="1" dirty="0" lang="en-US" sz="3200" u="sng">
+                <a:solidFill>
+                  <a:srgbClr val="000000"/>
+                </a:solidFill>
+                <a:latin typeface="Arial"/>
               </a:rPr>
               <a:t>Counter </a:t>
             </a:r>
             <a:r>
-              <a:rPr sz="3200" b="1" u="heavy" spc="-5" dirty="0">
-                <a:uFill>
-                  <a:solidFill>
-                    <a:srgbClr val="000000"/>
-                  </a:solidFill>
-                </a:uFill>
-                <a:latin typeface="Arial"/>
-                <a:cs typeface="Arial"/>
+              <a:rPr b="1" dirty="0" lang="en-US" spc="-5" sz="3200" u="sng">
+                <a:solidFill>
+                  <a:srgbClr val="000000"/>
+                </a:solidFill>
+                <a:latin typeface="Arial"/>
               </a:rPr>
               <a:t>Strike </a:t>
             </a:r>
             <a:r>
-              <a:rPr sz="3200" b="1" u="heavy" dirty="0">
-                <a:uFill>
-                  <a:solidFill>
-                    <a:srgbClr val="000000"/>
-                  </a:solidFill>
-                </a:uFill>
-                <a:latin typeface="Arial"/>
-                <a:cs typeface="Arial"/>
+              <a:rPr b="1" dirty="0" err="1" lang="en-US" sz="3200" u="sng">
+                <a:solidFill>
+                  <a:srgbClr val="000000"/>
+                </a:solidFill>
+                <a:latin typeface="Arial"/>
               </a:rPr>
               <a:t>AutoPlay</a:t>
             </a:r>
             <a:r>
-              <a:rPr sz="3200" b="1" u="heavy" spc="-75" dirty="0">
-                <a:uFill>
-                  <a:solidFill>
-                    <a:srgbClr val="000000"/>
-                  </a:solidFill>
-                </a:uFill>
-                <a:latin typeface="Arial"/>
-                <a:cs typeface="Arial"/>
+              <a:rPr b="1" dirty="0" lang="en-US" spc="-75" sz="3200" u="sng">
+                <a:solidFill>
+                  <a:srgbClr val="000000"/>
+                </a:solidFill>
+                <a:latin typeface="Arial"/>
               </a:rPr>
               <a:t> </a:t>
             </a:r>
             <a:r>
-              <a:rPr sz="3200" b="1" u="heavy" dirty="0">
-                <a:uFill>
-                  <a:solidFill>
-                    <a:srgbClr val="000000"/>
-                  </a:solidFill>
-                </a:uFill>
-                <a:latin typeface="Arial"/>
-                <a:cs typeface="Arial"/>
+              <a:rPr b="1" dirty="0" lang="en-US" sz="3200" u="sng">
+                <a:solidFill>
+                  <a:srgbClr val="000000"/>
+                </a:solidFill>
+                <a:latin typeface="Arial"/>
               </a:rPr>
               <a:t>Simulator</a:t>
             </a:r>
             <a:r>
-              <a:rPr sz="3200" b="1" dirty="0">
-                <a:latin typeface="Arial"/>
-                <a:cs typeface="Arial"/>
+              <a:rPr b="1" dirty="0" lang="en-US" sz="3200">
+                <a:latin typeface="Arial"/>
               </a:rPr>
               <a:t>”</a:t>
             </a:r>
-            <a:endParaRPr sz="3200" dirty="0">
-              <a:latin typeface="Arial"/>
-              <a:cs typeface="Arial"/>
-            </a:endParaRPr>
           </a:p>
           <a:p>
             <a:pPr>
@@ -1496,13 +1844,15 @@
                 <a:spcPct val="100000"/>
               </a:lnSpc>
             </a:pPr>
-            <a:endParaRPr sz="3200" dirty="0">
-              <a:latin typeface="Times New Roman"/>
-              <a:cs typeface="Times New Roman"/>
-            </a:endParaRPr>
-          </a:p>
-          <a:p>
-            <a:pPr marL="13970" algn="ctr">
+            <a:r>
+              <a:rPr dirty="0" lang="en-US" sz="3200">
+                <a:latin typeface="Times New Roman"/>
+              </a:rPr>
+              <a:t/>
+            </a:r>
+          </a:p>
+          <a:p>
+            <a:pPr algn="ctr" marL="13970">
               <a:lnSpc>
                 <a:spcPct val="100000"/>
               </a:lnSpc>
@@ -1511,16 +1861,11 @@
               </a:spcBef>
             </a:pPr>
             <a:r>
-              <a:rPr sz="3200" i="1" dirty="0">
-                <a:latin typeface="Arial"/>
-                <a:cs typeface="Arial"/>
+              <a:rPr dirty="0" i="1" lang="en-US" sz="3200">
+                <a:latin typeface="Arial"/>
               </a:rPr>
               <a:t>BY</a:t>
             </a:r>
-            <a:endParaRPr sz="3200" dirty="0">
-              <a:latin typeface="Arial"/>
-              <a:cs typeface="Arial"/>
-            </a:endParaRPr>
           </a:p>
           <a:p>
             <a:pPr>
@@ -1531,28 +1876,31 @@
                 <a:spcPts val="25"/>
               </a:spcBef>
             </a:pPr>
-            <a:endParaRPr sz="3200" dirty="0">
-              <a:latin typeface="Times New Roman"/>
-              <a:cs typeface="Times New Roman"/>
-            </a:endParaRPr>
-          </a:p>
-          <a:p>
-            <a:pPr marL="61594" algn="ctr">
+            <a:r>
+              <a:rPr dirty="0" lang="en-US" sz="3200">
+                <a:latin typeface="Times New Roman"/>
+              </a:rPr>
+              <a:t/>
+            </a:r>
+          </a:p>
+          <a:p>
+            <a:pPr algn="ctr" marL="61594">
               <a:lnSpc>
                 <a:spcPct val="100000"/>
               </a:lnSpc>
             </a:pPr>
             <a:r>
-              <a:rPr sz="3200" spc="-5" dirty="0">
-                <a:latin typeface="Arial"/>
-                <a:cs typeface="Arial"/>
-              </a:rPr>
-              <a:t>Utkarsh Gupta (LIT2016009)</a:t>
-            </a:r>
-            <a:endParaRPr sz="3200" dirty="0">
-              <a:latin typeface="Arial"/>
-              <a:cs typeface="Arial"/>
-            </a:endParaRPr>
+              <a:rPr dirty="0" err="1" lang="en-US" spc="-5" sz="3200">
+                <a:latin typeface="Arial"/>
+              </a:rPr>
+              <a:t>Utkarsh</a:t>
+            </a:r>
+            <a:r>
+              <a:rPr dirty="0" lang="en-US" spc="-5" sz="3200">
+                <a:latin typeface="Arial"/>
+              </a:rPr>
+              <a:t> Gupta (LIT2016009)</a:t>
+            </a:r>
           </a:p>
           <a:p>
             <a:pPr>
@@ -1563,60 +1911,49 @@
                 <a:spcPts val="5"/>
               </a:spcBef>
             </a:pPr>
-            <a:endParaRPr sz="3200" dirty="0">
-              <a:latin typeface="Times New Roman"/>
-              <a:cs typeface="Times New Roman"/>
-            </a:endParaRPr>
-          </a:p>
-          <a:p>
-            <a:pPr marL="47625" algn="ctr">
+            <a:r>
+              <a:rPr dirty="0" lang="en-US" sz="3200">
+                <a:latin typeface="Times New Roman"/>
+              </a:rPr>
+              <a:t/>
+            </a:r>
+          </a:p>
+          <a:p>
+            <a:pPr algn="ctr" marL="47625">
               <a:lnSpc>
                 <a:spcPct val="100000"/>
               </a:lnSpc>
             </a:pPr>
             <a:r>
-              <a:rPr sz="3200" b="1" i="1" u="heavy" spc="-5" dirty="0">
-                <a:uFill>
-                  <a:solidFill>
-                    <a:srgbClr val="000000"/>
-                  </a:solidFill>
-                </a:uFill>
-                <a:latin typeface="Arial"/>
-                <a:cs typeface="Arial"/>
+              <a:rPr b="1" dirty="0" i="1" lang="en-US" spc="-5" sz="3200" u="sng">
+                <a:solidFill>
+                  <a:srgbClr val="000000"/>
+                </a:solidFill>
+                <a:latin typeface="Arial"/>
               </a:rPr>
               <a:t>UNDER THE SUPERVISION</a:t>
             </a:r>
             <a:r>
-              <a:rPr sz="3200" b="1" i="1" u="heavy" spc="-20" dirty="0">
-                <a:uFill>
-                  <a:solidFill>
-                    <a:srgbClr val="000000"/>
-                  </a:solidFill>
-                </a:uFill>
-                <a:latin typeface="Arial"/>
-                <a:cs typeface="Arial"/>
+              <a:rPr b="1" dirty="0" i="1" lang="en-US" spc="-20" sz="3200" u="sng">
+                <a:solidFill>
+                  <a:srgbClr val="000000"/>
+                </a:solidFill>
+                <a:latin typeface="Arial"/>
               </a:rPr>
               <a:t> </a:t>
             </a:r>
             <a:r>
-              <a:rPr sz="3200" b="1" i="1" u="heavy" spc="-5" dirty="0">
-                <a:uFill>
-                  <a:solidFill>
-                    <a:srgbClr val="000000"/>
-                  </a:solidFill>
-                </a:uFill>
-                <a:latin typeface="Arial"/>
-                <a:cs typeface="Arial"/>
+              <a:rPr b="1" dirty="0" i="1" lang="en-US" spc="-5" sz="3200" u="sng">
+                <a:solidFill>
+                  <a:srgbClr val="000000"/>
+                </a:solidFill>
+                <a:latin typeface="Arial"/>
               </a:rPr>
               <a:t>OF</a:t>
             </a:r>
-            <a:endParaRPr sz="3200" dirty="0">
-              <a:latin typeface="Arial"/>
-              <a:cs typeface="Arial"/>
-            </a:endParaRPr>
-          </a:p>
-          <a:p>
-            <a:pPr marL="46355" algn="ctr">
+          </a:p>
+          <a:p>
+            <a:pPr algn="ctr" marL="46355">
               <a:lnSpc>
                 <a:spcPct val="100000"/>
               </a:lnSpc>
@@ -1625,29 +1962,19 @@
               </a:spcBef>
             </a:pPr>
             <a:r>
-              <a:rPr sz="3200" i="1" spc="-5" dirty="0">
-                <a:latin typeface="Arial"/>
-                <a:cs typeface="Arial"/>
-              </a:rPr>
-              <a:t>DR. VISHAL KRISHNA</a:t>
-            </a:r>
-            <a:r>
-              <a:rPr sz="3200" i="1" spc="-10" dirty="0">
-                <a:latin typeface="Arial"/>
-                <a:cs typeface="Arial"/>
-              </a:rPr>
-              <a:t> </a:t>
-            </a:r>
-            <a:r>
-              <a:rPr sz="3200" i="1" spc="-5" dirty="0">
-                <a:latin typeface="Arial"/>
-                <a:cs typeface="Arial"/>
-              </a:rPr>
-              <a:t>SINGH</a:t>
-            </a:r>
-            <a:endParaRPr sz="3200" dirty="0">
+              <a:rPr dirty="0" i="1" lang="en-US" spc="-5" sz="3200">
+                <a:latin typeface="Arial"/>
+              </a:rPr>
+              <a:t>DR. </a:t>
+            </a:r>
+            <a:r>
+              <a:rPr dirty="0" i="1" lang="en-US" spc="-5" sz="3200">
+                <a:latin typeface="Arial"/>
+              </a:rPr>
+              <a:t>ASHUTOSH MISHRA</a:t>
+            </a:r>
+            <a:endParaRPr dirty="0" i="1" lang="en-US" spc="-5" sz="3200">
               <a:latin typeface="Arial"/>
-              <a:cs typeface="Arial"/>
             </a:endParaRPr>
           </a:p>
         </p:txBody>
@@ -1661,8 +1988,8 @@
 </file>
 
 <file path=ppt/slides/slide10.xml><?xml version="1.0" encoding="utf-8"?>
-<p:sld xmlns:a="http://schemas.openxmlformats.org/drawingml/2006/main" xmlns:r="http://schemas.openxmlformats.org/officeDocument/2006/relationships" xmlns:p="http://schemas.openxmlformats.org/presentationml/2006/main" showMasterSp="0">
-  <p:cSld>
+<p:sld xmlns:a="http://schemas.openxmlformats.org/drawingml/2006/main" xmlns:c="http://schemas.openxmlformats.org/drawingml/2006/chart" xmlns:cs="http://schemas.microsoft.com/office/drawing/2012/chartStyle" xmlns:ns1="http://schemas.openxmlformats.org/officeDocument/2006/extended-properties" xmlns:p="http://schemas.openxmlformats.org/presentationml/2006/main" xmlns:r="http://schemas.openxmlformats.org/officeDocument/2006/relationships" xmlns:vt="http://schemas.openxmlformats.org/officeDocument/2006/docPropsVTypes" showMasterSp="false">
+  <p:cSld name="slide10">
     <p:spTree>
       <p:nvGrpSpPr>
         <p:cNvPr id="1" name=""/>
@@ -1684,7 +2011,7 @@
           <p:nvPr/>
         </p:nvSpPr>
         <p:spPr>
-          <a:xfrm>
+          <a:xfrm rot="0">
             <a:off x="1511553" y="833373"/>
             <a:ext cx="4567555" cy="323850"/>
           </a:xfrm>
@@ -1693,7 +2020,7 @@
           </a:prstGeom>
         </p:spPr>
         <p:txBody>
-          <a:bodyPr vert="horz" wrap="square" lIns="0" tIns="13335" rIns="0" bIns="0" rtlCol="0">
+          <a:bodyPr bIns="0" lIns="0" rIns="0" rtlCol="0" tIns="13335" vert="horz" wrap="square">
             <a:spAutoFit/>
           </a:bodyPr>
           <a:lstStyle/>
@@ -1707,68 +2034,55 @@
               </a:spcBef>
             </a:pPr>
             <a:r>
-              <a:rPr sz="1950" b="1" u="heavy" spc="-5" dirty="0">
-                <a:uFill>
-                  <a:solidFill>
-                    <a:srgbClr val="000000"/>
-                  </a:solidFill>
-                </a:uFill>
-                <a:latin typeface="Arial"/>
-                <a:cs typeface="Arial"/>
+              <a:rPr b="1" dirty="0" lang="en-US" spc="-5" sz="1950" u="sng">
+                <a:solidFill>
+                  <a:srgbClr val="000000"/>
+                </a:solidFill>
+                <a:latin typeface="Arial"/>
               </a:rPr>
               <a:t>SUGGESTIONS </a:t>
             </a:r>
             <a:r>
-              <a:rPr sz="1950" b="1" u="heavy" dirty="0">
-                <a:uFill>
-                  <a:solidFill>
-                    <a:srgbClr val="000000"/>
-                  </a:solidFill>
-                </a:uFill>
-                <a:latin typeface="Arial"/>
-                <a:cs typeface="Arial"/>
+              <a:rPr b="1" dirty="0" lang="en-US" sz="1950" u="sng">
+                <a:solidFill>
+                  <a:srgbClr val="000000"/>
+                </a:solidFill>
+                <a:latin typeface="Arial"/>
               </a:rPr>
               <a:t>OF </a:t>
             </a:r>
             <a:r>
-              <a:rPr sz="1950" b="1" u="heavy" spc="-5" dirty="0">
-                <a:uFill>
-                  <a:solidFill>
-                    <a:srgbClr val="000000"/>
-                  </a:solidFill>
-                </a:uFill>
-                <a:latin typeface="Arial"/>
-                <a:cs typeface="Arial"/>
+              <a:rPr b="1" dirty="0" lang="en-US" spc="-5" sz="1950" u="sng">
+                <a:solidFill>
+                  <a:srgbClr val="000000"/>
+                </a:solidFill>
+                <a:latin typeface="Arial"/>
               </a:rPr>
               <a:t>BOARD</a:t>
             </a:r>
             <a:r>
-              <a:rPr sz="1950" b="1" u="heavy" spc="-40" dirty="0">
-                <a:uFill>
-                  <a:solidFill>
-                    <a:srgbClr val="000000"/>
-                  </a:solidFill>
-                </a:uFill>
-                <a:latin typeface="Arial"/>
-                <a:cs typeface="Arial"/>
+              <a:rPr b="1" dirty="0" lang="en-US" spc="-40" sz="1950" u="sng">
+                <a:solidFill>
+                  <a:srgbClr val="000000"/>
+                </a:solidFill>
+                <a:latin typeface="Arial"/>
               </a:rPr>
               <a:t> </a:t>
             </a:r>
             <a:r>
-              <a:rPr sz="1950" b="1" u="heavy" dirty="0">
-                <a:uFill>
-                  <a:solidFill>
-                    <a:srgbClr val="000000"/>
-                  </a:solidFill>
-                </a:uFill>
-                <a:latin typeface="Arial"/>
-                <a:cs typeface="Arial"/>
+              <a:rPr b="1" dirty="0" lang="en-US" sz="1950" u="sng">
+                <a:solidFill>
+                  <a:srgbClr val="000000"/>
+                </a:solidFill>
+                <a:latin typeface="Arial"/>
               </a:rPr>
               <a:t>MEMBERS</a:t>
             </a:r>
-            <a:endParaRPr sz="1950">
+            <a:endParaRPr b="1" dirty="0" lang="en-US" sz="1950" u="sng">
+              <a:solidFill>
+                <a:srgbClr val="000000"/>
+              </a:solidFill>
               <a:latin typeface="Arial"/>
-              <a:cs typeface="Arial"/>
             </a:endParaRPr>
           </a:p>
         </p:txBody>
@@ -1782,8 +2096,8 @@
 </file>
 
 <file path=ppt/slides/slide2.xml><?xml version="1.0" encoding="utf-8"?>
-<p:sld xmlns:a="http://schemas.openxmlformats.org/drawingml/2006/main" xmlns:r="http://schemas.openxmlformats.org/officeDocument/2006/relationships" xmlns:p="http://schemas.openxmlformats.org/presentationml/2006/main" showMasterSp="0">
-  <p:cSld>
+<p:sld xmlns:a="http://schemas.openxmlformats.org/drawingml/2006/main" xmlns:c="http://schemas.openxmlformats.org/drawingml/2006/chart" xmlns:cs="http://schemas.microsoft.com/office/drawing/2012/chartStyle" xmlns:ns1="http://schemas.openxmlformats.org/officeDocument/2006/extended-properties" xmlns:p="http://schemas.openxmlformats.org/presentationml/2006/main" xmlns:r="http://schemas.openxmlformats.org/officeDocument/2006/relationships" xmlns:vt="http://schemas.openxmlformats.org/officeDocument/2006/docPropsVTypes" showMasterSp="false">
+  <p:cSld name="slide2">
     <p:spTree>
       <p:nvGrpSpPr>
         <p:cNvPr id="1" name=""/>
@@ -1801,8 +2115,8 @@
       <p:sp>
         <p:nvSpPr>
           <p:cNvPr id="2" name="object 2"/>
-          <p:cNvSpPr txBox="1">
-            <a:spLocks noGrp="1"/>
+          <p:cNvSpPr>
+            <a:spLocks noGrp="true"/>
           </p:cNvSpPr>
           <p:nvPr>
             <p:ph type="title"/>
@@ -1814,7 +2128,7 @@
           </a:prstGeom>
         </p:spPr>
         <p:txBody>
-          <a:bodyPr vert="horz" wrap="square" lIns="0" tIns="12065" rIns="0" bIns="0" rtlCol="0">
+          <a:bodyPr bIns="0" lIns="0" rIns="0" rtlCol="0" tIns="12065" vert="horz" wrap="square">
             <a:spAutoFit/>
           </a:bodyPr>
           <a:lstStyle/>
@@ -1828,21 +2142,22 @@
               </a:spcBef>
             </a:pPr>
             <a:r>
-              <a:rPr dirty="0"/>
+              <a:rPr dirty="0" lang="en-US"/>
               <a:t>TABLE </a:t>
             </a:r>
             <a:r>
-              <a:rPr spc="-5" dirty="0"/>
+              <a:rPr dirty="0" lang="en-US" spc="-5"/>
               <a:t>OF</a:t>
             </a:r>
             <a:r>
-              <a:rPr spc="-60" dirty="0"/>
+              <a:rPr dirty="0" lang="en-US" spc="-60"/>
               <a:t> </a:t>
             </a:r>
             <a:r>
-              <a:rPr spc="-5" dirty="0"/>
+              <a:rPr dirty="0" lang="en-US" spc="-5"/>
               <a:t>CONTENTS</a:t>
             </a:r>
+            <a:endParaRPr dirty="0" lang="en-US" spc="-5"/>
           </a:p>
         </p:txBody>
       </p:sp>
@@ -1853,7 +2168,7 @@
           <p:nvPr/>
         </p:nvSpPr>
         <p:spPr>
-          <a:xfrm>
+          <a:xfrm rot="0">
             <a:off x="1360677" y="2776473"/>
             <a:ext cx="2906395" cy="2557780"/>
           </a:xfrm>
@@ -1862,12 +2177,12 @@
           </a:prstGeom>
         </p:spPr>
         <p:txBody>
-          <a:bodyPr vert="horz" wrap="square" lIns="0" tIns="12700" rIns="0" bIns="0" rtlCol="0">
+          <a:bodyPr bIns="0" lIns="0" rIns="0" rtlCol="0" tIns="12700" vert="horz" wrap="square">
             <a:spAutoFit/>
           </a:bodyPr>
           <a:lstStyle/>
           <a:p>
-            <a:pPr marL="467995" indent="-455295">
+            <a:pPr indent="-455295" marL="467995">
               <a:lnSpc>
                 <a:spcPct val="100000"/>
               </a:lnSpc>
@@ -1876,36 +2191,25 @@
               </a:spcBef>
               <a:buFont typeface="DejaVu Sans"/>
               <a:buChar char="➢"/>
-              <a:tabLst>
-                <a:tab pos="467995" algn="l"/>
-                <a:tab pos="468630" algn="l"/>
-              </a:tabLst>
             </a:pPr>
             <a:r>
-              <a:rPr sz="1800" b="1" dirty="0">
-                <a:latin typeface="Arial"/>
-                <a:cs typeface="Arial"/>
+              <a:rPr b="1" dirty="0" lang="en-US" sz="1800">
+                <a:latin typeface="Arial"/>
               </a:rPr>
               <a:t>Problem</a:t>
             </a:r>
             <a:r>
-              <a:rPr sz="1800" b="1" spc="-25" dirty="0">
-                <a:latin typeface="Arial"/>
-                <a:cs typeface="Arial"/>
+              <a:rPr b="1" dirty="0" lang="en-US" spc="-25" sz="1800">
+                <a:latin typeface="Arial"/>
               </a:rPr>
               <a:t> </a:t>
             </a:r>
             <a:r>
-              <a:rPr sz="1800" b="1" dirty="0">
-                <a:latin typeface="Arial"/>
-                <a:cs typeface="Arial"/>
+              <a:rPr b="1" dirty="0" lang="en-US" sz="1800">
+                <a:latin typeface="Arial"/>
               </a:rPr>
               <a:t>Definition</a:t>
             </a:r>
-            <a:endParaRPr sz="1800">
-              <a:latin typeface="Arial"/>
-              <a:cs typeface="Arial"/>
-            </a:endParaRPr>
           </a:p>
           <a:p>
             <a:pPr>
@@ -1918,13 +2222,15 @@
               <a:buFont typeface="DejaVu Sans"/>
               <a:buChar char="➢"/>
             </a:pPr>
-            <a:endParaRPr sz="2050">
-              <a:latin typeface="Times New Roman"/>
-              <a:cs typeface="Times New Roman"/>
-            </a:endParaRPr>
-          </a:p>
-          <a:p>
-            <a:pPr marL="467995" indent="-455295">
+            <a:r>
+              <a:rPr dirty="0" lang="en-US" sz="2050">
+                <a:latin typeface="Times New Roman"/>
+              </a:rPr>
+              <a:t/>
+            </a:r>
+          </a:p>
+          <a:p>
+            <a:pPr indent="-455295" marL="467995">
               <a:lnSpc>
                 <a:spcPct val="100000"/>
               </a:lnSpc>
@@ -1933,22 +2239,13 @@
               </a:spcBef>
               <a:buFont typeface="DejaVu Sans"/>
               <a:buChar char="➢"/>
-              <a:tabLst>
-                <a:tab pos="467995" algn="l"/>
-                <a:tab pos="468630" algn="l"/>
-              </a:tabLst>
             </a:pPr>
             <a:r>
-              <a:rPr sz="1800" b="1" dirty="0">
-                <a:latin typeface="Arial"/>
-                <a:cs typeface="Arial"/>
+              <a:rPr b="1" dirty="0" lang="en-US" sz="1800">
+                <a:latin typeface="Arial"/>
               </a:rPr>
               <a:t>Objectives</a:t>
             </a:r>
-            <a:endParaRPr sz="1800">
-              <a:latin typeface="Arial"/>
-              <a:cs typeface="Arial"/>
-            </a:endParaRPr>
           </a:p>
           <a:p>
             <a:pPr>
@@ -1961,34 +2258,27 @@
               <a:buFont typeface="DejaVu Sans"/>
               <a:buChar char="➢"/>
             </a:pPr>
-            <a:endParaRPr sz="1900">
-              <a:latin typeface="Times New Roman"/>
-              <a:cs typeface="Times New Roman"/>
-            </a:endParaRPr>
-          </a:p>
-          <a:p>
-            <a:pPr marL="467995" indent="-455295">
+            <a:r>
+              <a:rPr dirty="0" lang="en-US" sz="1900">
+                <a:latin typeface="Times New Roman"/>
+              </a:rPr>
+              <a:t/>
+            </a:r>
+          </a:p>
+          <a:p>
+            <a:pPr indent="-455295" marL="467995">
               <a:lnSpc>
                 <a:spcPct val="100000"/>
               </a:lnSpc>
               <a:buFont typeface="DejaVu Sans"/>
               <a:buChar char="➢"/>
-              <a:tabLst>
-                <a:tab pos="467995" algn="l"/>
-                <a:tab pos="468630" algn="l"/>
-              </a:tabLst>
             </a:pPr>
             <a:r>
-              <a:rPr sz="1800" b="1" spc="-5" dirty="0">
-                <a:latin typeface="Arial"/>
-                <a:cs typeface="Arial"/>
+              <a:rPr b="1" dirty="0" lang="en-US" spc="-5" sz="1800">
+                <a:latin typeface="Arial"/>
               </a:rPr>
               <a:t>Proposed Approach</a:t>
             </a:r>
-            <a:endParaRPr sz="1800">
-              <a:latin typeface="Arial"/>
-              <a:cs typeface="Arial"/>
-            </a:endParaRPr>
           </a:p>
           <a:p>
             <a:pPr>
@@ -2001,48 +2291,39 @@
               <a:buFont typeface="DejaVu Sans"/>
               <a:buChar char="➢"/>
             </a:pPr>
-            <a:endParaRPr sz="1900">
-              <a:latin typeface="Times New Roman"/>
-              <a:cs typeface="Times New Roman"/>
-            </a:endParaRPr>
-          </a:p>
-          <a:p>
-            <a:pPr marL="467995" indent="-455295">
+            <a:r>
+              <a:rPr dirty="0" lang="en-US" sz="1900">
+                <a:latin typeface="Times New Roman"/>
+              </a:rPr>
+              <a:t/>
+            </a:r>
+          </a:p>
+          <a:p>
+            <a:pPr indent="-455295" marL="467995">
               <a:lnSpc>
                 <a:spcPct val="100000"/>
               </a:lnSpc>
               <a:buFont typeface="DejaVu Sans"/>
               <a:buChar char="➢"/>
-              <a:tabLst>
-                <a:tab pos="467995" algn="l"/>
-                <a:tab pos="468630" algn="l"/>
-              </a:tabLst>
             </a:pPr>
             <a:r>
-              <a:rPr sz="1800" b="1" spc="-5" dirty="0">
-                <a:latin typeface="Arial"/>
-                <a:cs typeface="Arial"/>
+              <a:rPr b="1" dirty="0" lang="en-US" spc="-5" sz="1800">
+                <a:latin typeface="Arial"/>
               </a:rPr>
               <a:t>Class</a:t>
             </a:r>
             <a:r>
-              <a:rPr sz="1800" b="1" spc="-10" dirty="0">
-                <a:latin typeface="Arial"/>
-                <a:cs typeface="Arial"/>
+              <a:rPr b="1" dirty="0" lang="en-US" spc="-10" sz="1800">
+                <a:latin typeface="Arial"/>
               </a:rPr>
               <a:t> </a:t>
             </a:r>
             <a:r>
-              <a:rPr sz="1800" b="1" dirty="0">
-                <a:latin typeface="Arial"/>
-                <a:cs typeface="Arial"/>
+              <a:rPr b="1" dirty="0" lang="en-US" sz="1800">
+                <a:latin typeface="Arial"/>
               </a:rPr>
               <a:t>Diagram</a:t>
             </a:r>
-            <a:endParaRPr sz="1800">
-              <a:latin typeface="Arial"/>
-              <a:cs typeface="Arial"/>
-            </a:endParaRPr>
           </a:p>
           <a:p>
             <a:pPr>
@@ -2055,47 +2336,41 @@
               <a:buFont typeface="DejaVu Sans"/>
               <a:buChar char="➢"/>
             </a:pPr>
-            <a:endParaRPr sz="2050">
-              <a:latin typeface="Times New Roman"/>
-              <a:cs typeface="Times New Roman"/>
-            </a:endParaRPr>
-          </a:p>
-          <a:p>
-            <a:pPr marL="467995" indent="-455295">
+            <a:r>
+              <a:rPr dirty="0" lang="en-US" sz="2050">
+                <a:latin typeface="Times New Roman"/>
+              </a:rPr>
+              <a:t/>
+            </a:r>
+          </a:p>
+          <a:p>
+            <a:pPr indent="-455295" marL="467995">
               <a:lnSpc>
                 <a:spcPct val="100000"/>
               </a:lnSpc>
               <a:buFont typeface="DejaVu Sans"/>
               <a:buChar char="➢"/>
-              <a:tabLst>
-                <a:tab pos="467995" algn="l"/>
-                <a:tab pos="468630" algn="l"/>
-              </a:tabLst>
             </a:pPr>
             <a:r>
-              <a:rPr sz="1800" b="1" spc="-5" dirty="0">
-                <a:latin typeface="Arial"/>
-                <a:cs typeface="Arial"/>
+              <a:rPr b="1" dirty="0" lang="en-US" spc="-5" sz="1800">
+                <a:latin typeface="Arial"/>
               </a:rPr>
               <a:t>Software</a:t>
             </a:r>
             <a:r>
-              <a:rPr sz="1800" b="1" spc="-25" dirty="0">
-                <a:latin typeface="Arial"/>
-                <a:cs typeface="Arial"/>
+              <a:rPr b="1" dirty="0" lang="en-US" spc="-25" sz="1800">
+                <a:latin typeface="Arial"/>
               </a:rPr>
               <a:t> </a:t>
             </a:r>
             <a:r>
-              <a:rPr sz="1800" b="1" spc="-5" dirty="0">
-                <a:latin typeface="Arial"/>
-                <a:cs typeface="Arial"/>
+              <a:rPr b="1" dirty="0" lang="en-US" spc="-5" sz="1800">
+                <a:latin typeface="Arial"/>
               </a:rPr>
               <a:t>Requirement</a:t>
             </a:r>
-            <a:endParaRPr sz="1800">
+            <a:endParaRPr b="1" dirty="0" lang="en-US" spc="-5" sz="1800">
               <a:latin typeface="Arial"/>
-              <a:cs typeface="Arial"/>
             </a:endParaRPr>
           </a:p>
         </p:txBody>
@@ -2109,8 +2384,8 @@
 </file>
 
 <file path=ppt/slides/slide3.xml><?xml version="1.0" encoding="utf-8"?>
-<p:sld xmlns:a="http://schemas.openxmlformats.org/drawingml/2006/main" xmlns:r="http://schemas.openxmlformats.org/officeDocument/2006/relationships" xmlns:p="http://schemas.openxmlformats.org/presentationml/2006/main" showMasterSp="0">
-  <p:cSld>
+<p:sld xmlns:a="http://schemas.openxmlformats.org/drawingml/2006/main" xmlns:c="http://schemas.openxmlformats.org/drawingml/2006/chart" xmlns:cs="http://schemas.microsoft.com/office/drawing/2012/chartStyle" xmlns:ns1="http://schemas.openxmlformats.org/officeDocument/2006/extended-properties" xmlns:p="http://schemas.openxmlformats.org/presentationml/2006/main" xmlns:r="http://schemas.openxmlformats.org/officeDocument/2006/relationships" xmlns:vt="http://schemas.openxmlformats.org/officeDocument/2006/docPropsVTypes" showMasterSp="false">
+  <p:cSld name="slide3">
     <p:spTree>
       <p:nvGrpSpPr>
         <p:cNvPr id="1" name=""/>
@@ -2128,15 +2403,15 @@
       <p:sp>
         <p:nvSpPr>
           <p:cNvPr id="2" name="object 2"/>
-          <p:cNvSpPr txBox="1">
-            <a:spLocks noGrp="1"/>
+          <p:cNvSpPr>
+            <a:spLocks noGrp="true"/>
           </p:cNvSpPr>
           <p:nvPr>
             <p:ph type="title"/>
           </p:nvPr>
         </p:nvSpPr>
         <p:spPr>
-          <a:xfrm>
+          <a:xfrm rot="0">
             <a:off x="2044954" y="1462786"/>
             <a:ext cx="3916045" cy="452120"/>
           </a:xfrm>
@@ -2145,7 +2420,7 @@
           </a:prstGeom>
         </p:spPr>
         <p:txBody>
-          <a:bodyPr vert="horz" wrap="square" lIns="0" tIns="12065" rIns="0" bIns="0" rtlCol="0">
+          <a:bodyPr bIns="0" lIns="0" rIns="0" rtlCol="0" tIns="12065" vert="horz" wrap="square">
             <a:spAutoFit/>
           </a:bodyPr>
           <a:lstStyle/>
@@ -2159,18 +2434,18 @@
               </a:spcBef>
             </a:pPr>
             <a:r>
-              <a:rPr sz="2800" spc="-5" dirty="0"/>
+              <a:rPr dirty="0" lang="en-US" spc="-5" sz="2800"/>
               <a:t>PROBLEM</a:t>
             </a:r>
             <a:r>
-              <a:rPr sz="2800" spc="-40" dirty="0"/>
+              <a:rPr dirty="0" lang="en-US" spc="-40" sz="2800"/>
               <a:t> </a:t>
             </a:r>
             <a:r>
-              <a:rPr sz="2800" spc="-5" dirty="0"/>
+              <a:rPr dirty="0" lang="en-US" spc="-5" sz="2800"/>
               <a:t>DEFINITION</a:t>
             </a:r>
-            <a:endParaRPr sz="2800"/>
+            <a:endParaRPr dirty="0" lang="en-US" spc="-5" sz="2800"/>
           </a:p>
         </p:txBody>
       </p:sp>
@@ -2181,7 +2456,7 @@
           <p:nvPr/>
         </p:nvSpPr>
         <p:spPr>
-          <a:xfrm>
+          <a:xfrm rot="0">
             <a:off x="902004" y="3029839"/>
             <a:ext cx="5957570" cy="4277360"/>
           </a:xfrm>
@@ -2190,549 +2465,537 @@
           </a:prstGeom>
         </p:spPr>
         <p:txBody>
-          <a:bodyPr vert="horz" wrap="square" lIns="0" tIns="22225" rIns="0" bIns="0" rtlCol="0">
+          <a:bodyPr bIns="0" lIns="0" rIns="0" rtlCol="0" tIns="22225" vert="horz" wrap="square">
             <a:spAutoFit/>
           </a:bodyPr>
           <a:lstStyle/>
           <a:p>
             <a:pPr marL="12700" marR="5080">
               <a:lnSpc>
-                <a:spcPct val="95800"/>
+                <a:spcPct val="95000"/>
               </a:lnSpc>
               <a:spcBef>
                 <a:spcPts val="175"/>
               </a:spcBef>
             </a:pPr>
             <a:r>
-              <a:rPr sz="1600" spc="-5" dirty="0">
-                <a:solidFill>
-                  <a:srgbClr val="23292D"/>
-                </a:solidFill>
-                <a:latin typeface="Arial"/>
-                <a:cs typeface="Arial"/>
+              <a:rPr dirty="0" lang="en-US" spc="-5" sz="1600">
+                <a:solidFill>
+                  <a:srgbClr val="23292d"/>
+                </a:solidFill>
+                <a:latin typeface="Arial"/>
               </a:rPr>
               <a:t>There </a:t>
             </a:r>
             <a:r>
-              <a:rPr sz="1600" spc="-10" dirty="0">
-                <a:solidFill>
-                  <a:srgbClr val="23292D"/>
-                </a:solidFill>
-                <a:latin typeface="Arial"/>
-                <a:cs typeface="Arial"/>
+              <a:rPr dirty="0" lang="en-US" spc="-10" sz="1600">
+                <a:solidFill>
+                  <a:srgbClr val="23292d"/>
+                </a:solidFill>
+                <a:latin typeface="Arial"/>
               </a:rPr>
               <a:t>are </a:t>
             </a:r>
             <a:r>
-              <a:rPr sz="1600" spc="-5" dirty="0">
-                <a:solidFill>
-                  <a:srgbClr val="23292D"/>
-                </a:solidFill>
-                <a:latin typeface="Arial"/>
-                <a:cs typeface="Arial"/>
+              <a:rPr dirty="0" lang="en-US" spc="-5" sz="1600">
+                <a:solidFill>
+                  <a:srgbClr val="23292d"/>
+                </a:solidFill>
+                <a:latin typeface="Arial"/>
               </a:rPr>
               <a:t>two teams: “Terrorists” </a:t>
             </a:r>
             <a:r>
-              <a:rPr sz="1600" spc="-10" dirty="0">
-                <a:solidFill>
-                  <a:srgbClr val="23292D"/>
-                </a:solidFill>
-                <a:latin typeface="Arial"/>
-                <a:cs typeface="Arial"/>
+              <a:rPr dirty="0" lang="en-US" spc="-10" sz="1600">
+                <a:solidFill>
+                  <a:srgbClr val="23292d"/>
+                </a:solidFill>
+                <a:latin typeface="Arial"/>
               </a:rPr>
               <a:t>and </a:t>
             </a:r>
             <a:r>
-              <a:rPr sz="1600" spc="-5" dirty="0">
-                <a:solidFill>
-                  <a:srgbClr val="23292D"/>
-                </a:solidFill>
-                <a:latin typeface="Arial"/>
-                <a:cs typeface="Arial"/>
+              <a:rPr dirty="0" lang="en-US" spc="-5" sz="1600">
+                <a:solidFill>
+                  <a:srgbClr val="23292d"/>
+                </a:solidFill>
+                <a:latin typeface="Arial"/>
               </a:rPr>
               <a:t>“Counter-Terrorists”. </a:t>
             </a:r>
             <a:r>
-              <a:rPr sz="1600" spc="-10" dirty="0">
-                <a:solidFill>
-                  <a:srgbClr val="23292D"/>
-                </a:solidFill>
-                <a:latin typeface="Arial"/>
-                <a:cs typeface="Arial"/>
+              <a:rPr dirty="0" lang="en-US" spc="-10" sz="1600">
+                <a:solidFill>
+                  <a:srgbClr val="23292d"/>
+                </a:solidFill>
+                <a:latin typeface="Arial"/>
               </a:rPr>
               <a:t>The  </a:t>
             </a:r>
             <a:r>
-              <a:rPr sz="1600" spc="-5" dirty="0">
-                <a:solidFill>
-                  <a:srgbClr val="23292D"/>
-                </a:solidFill>
-                <a:latin typeface="Arial"/>
-                <a:cs typeface="Arial"/>
+              <a:rPr dirty="0" lang="en-US" spc="-5" sz="1600">
+                <a:solidFill>
+                  <a:srgbClr val="23292d"/>
+                </a:solidFill>
+                <a:latin typeface="Arial"/>
               </a:rPr>
               <a:t>aim of the terrorists is to go to a special </a:t>
             </a:r>
             <a:r>
-              <a:rPr sz="1600" dirty="0">
-                <a:solidFill>
-                  <a:srgbClr val="23292D"/>
-                </a:solidFill>
-                <a:latin typeface="Arial"/>
-                <a:cs typeface="Arial"/>
-              </a:rPr>
-              <a:t>pre-determined </a:t>
-            </a:r>
-            <a:r>
-              <a:rPr sz="1600" spc="-5" dirty="0">
-                <a:solidFill>
-                  <a:srgbClr val="23292D"/>
-                </a:solidFill>
-                <a:latin typeface="Arial"/>
-                <a:cs typeface="Arial"/>
-              </a:rPr>
-              <a:t>site called  as “Bomb”. The aim of the counter-terrorists is to ensure that  none of the terrorists can go to the site called “Bomb”. Because  playing this game manually is </a:t>
-            </a:r>
-            <a:r>
-              <a:rPr sz="1600" spc="-10" dirty="0">
-                <a:solidFill>
-                  <a:srgbClr val="23292D"/>
-                </a:solidFill>
-                <a:latin typeface="Arial"/>
-                <a:cs typeface="Arial"/>
+              <a:rPr dirty="0" err="1" lang="en-US" sz="1600">
+                <a:solidFill>
+                  <a:srgbClr val="23292d"/>
+                </a:solidFill>
+                <a:latin typeface="Arial"/>
+              </a:rPr>
+              <a:t>pre-determined</a:t>
+            </a:r>
+            <a:r>
+              <a:rPr dirty="0" lang="en-US" sz="1600">
+                <a:solidFill>
+                  <a:srgbClr val="23292d"/>
+                </a:solidFill>
+                <a:latin typeface="Arial"/>
+              </a:rPr>
+              <a:t> </a:t>
+            </a:r>
+            <a:r>
+              <a:rPr dirty="0" lang="en-US" spc="-5" sz="1600">
+                <a:solidFill>
+                  <a:srgbClr val="23292d"/>
+                </a:solidFill>
+                <a:latin typeface="Arial"/>
+              </a:rPr>
+              <a:t>site called  as “Bomb”. The aim of the </a:t>
+            </a:r>
+            <a:r>
+              <a:rPr dirty="0" err="1" lang="en-US" spc="-5" sz="1600">
+                <a:solidFill>
+                  <a:srgbClr val="23292d"/>
+                </a:solidFill>
+                <a:latin typeface="Arial"/>
+              </a:rPr>
+              <a:t>counter-terrorists</a:t>
+            </a:r>
+            <a:r>
+              <a:rPr dirty="0" lang="en-US" spc="-5" sz="1600">
+                <a:solidFill>
+                  <a:srgbClr val="23292d"/>
+                </a:solidFill>
+                <a:latin typeface="Arial"/>
+              </a:rPr>
+              <a:t> is to ensure that  none of the terrorists can go to the site called “Bomb”. Because  playing this game manually is </a:t>
+            </a:r>
+            <a:r>
+              <a:rPr dirty="0" lang="en-US" spc="-10" sz="1600">
+                <a:solidFill>
+                  <a:srgbClr val="23292d"/>
+                </a:solidFill>
+                <a:latin typeface="Arial"/>
               </a:rPr>
               <a:t>very </a:t>
             </a:r>
             <a:r>
-              <a:rPr sz="1600" spc="-5" dirty="0">
-                <a:solidFill>
-                  <a:srgbClr val="23292D"/>
-                </a:solidFill>
-                <a:latin typeface="Arial"/>
-                <a:cs typeface="Arial"/>
+              <a:rPr dirty="0" lang="en-US" spc="-5" sz="1600">
+                <a:solidFill>
+                  <a:srgbClr val="23292d"/>
+                </a:solidFill>
+                <a:latin typeface="Arial"/>
               </a:rPr>
               <a:t>boring, you </a:t>
             </a:r>
             <a:r>
-              <a:rPr sz="1600" dirty="0">
-                <a:solidFill>
-                  <a:srgbClr val="23292D"/>
-                </a:solidFill>
-                <a:latin typeface="Arial"/>
-                <a:cs typeface="Arial"/>
+              <a:rPr dirty="0" lang="en-US" sz="1600">
+                <a:solidFill>
+                  <a:srgbClr val="23292d"/>
+                </a:solidFill>
+                <a:latin typeface="Arial"/>
               </a:rPr>
               <a:t>have </a:t>
             </a:r>
             <a:r>
-              <a:rPr sz="1600" spc="-5" dirty="0">
-                <a:solidFill>
-                  <a:srgbClr val="23292D"/>
-                </a:solidFill>
-                <a:latin typeface="Arial"/>
-                <a:cs typeface="Arial"/>
+              <a:rPr dirty="0" lang="en-US" spc="-5" sz="1600">
+                <a:solidFill>
+                  <a:srgbClr val="23292d"/>
+                </a:solidFill>
+                <a:latin typeface="Arial"/>
               </a:rPr>
               <a:t>an AI Engine  that automatically </a:t>
             </a:r>
             <a:r>
-              <a:rPr sz="1600" dirty="0">
-                <a:solidFill>
-                  <a:srgbClr val="23292D"/>
-                </a:solidFill>
-                <a:latin typeface="Arial"/>
-                <a:cs typeface="Arial"/>
+              <a:rPr dirty="0" lang="en-US" sz="1600">
+                <a:solidFill>
+                  <a:srgbClr val="23292d"/>
+                </a:solidFill>
+                <a:latin typeface="Arial"/>
               </a:rPr>
               <a:t>plays </a:t>
             </a:r>
             <a:r>
-              <a:rPr sz="1600" spc="-5" dirty="0">
-                <a:solidFill>
-                  <a:srgbClr val="23292D"/>
-                </a:solidFill>
-                <a:latin typeface="Arial"/>
-                <a:cs typeface="Arial"/>
+              <a:rPr dirty="0" lang="en-US" spc="-5" sz="1600">
+                <a:solidFill>
+                  <a:srgbClr val="23292d"/>
+                </a:solidFill>
+                <a:latin typeface="Arial"/>
               </a:rPr>
               <a:t>this </a:t>
             </a:r>
             <a:r>
-              <a:rPr sz="1600" spc="-10" dirty="0">
-                <a:solidFill>
-                  <a:srgbClr val="23292D"/>
-                </a:solidFill>
-                <a:latin typeface="Arial"/>
-                <a:cs typeface="Arial"/>
+              <a:rPr dirty="0" lang="en-US" spc="-10" sz="1600">
+                <a:solidFill>
+                  <a:srgbClr val="23292d"/>
+                </a:solidFill>
+                <a:latin typeface="Arial"/>
               </a:rPr>
               <a:t>game </a:t>
             </a:r>
             <a:r>
-              <a:rPr sz="1600" spc="-5" dirty="0">
-                <a:solidFill>
-                  <a:srgbClr val="23292D"/>
-                </a:solidFill>
-                <a:latin typeface="Arial"/>
-                <a:cs typeface="Arial"/>
+              <a:rPr dirty="0" lang="en-US" spc="-5" sz="1600">
+                <a:solidFill>
+                  <a:srgbClr val="23292d"/>
+                </a:solidFill>
+                <a:latin typeface="Arial"/>
               </a:rPr>
               <a:t>for you. There are three kinds  of players </a:t>
             </a:r>
             <a:r>
-              <a:rPr sz="1600" dirty="0">
-                <a:solidFill>
-                  <a:srgbClr val="23292D"/>
-                </a:solidFill>
-                <a:latin typeface="Arial"/>
-                <a:cs typeface="Arial"/>
+              <a:rPr dirty="0" lang="en-US" sz="1600">
+                <a:solidFill>
+                  <a:srgbClr val="23292d"/>
+                </a:solidFill>
+                <a:latin typeface="Arial"/>
               </a:rPr>
               <a:t>in </a:t>
             </a:r>
             <a:r>
-              <a:rPr sz="1600" spc="-5" dirty="0">
-                <a:solidFill>
-                  <a:srgbClr val="23292D"/>
-                </a:solidFill>
-                <a:latin typeface="Arial"/>
-                <a:cs typeface="Arial"/>
+              <a:rPr dirty="0" lang="en-US" spc="-5" sz="1600">
+                <a:solidFill>
+                  <a:srgbClr val="23292d"/>
+                </a:solidFill>
+                <a:latin typeface="Arial"/>
               </a:rPr>
               <a:t>both teams</a:t>
             </a:r>
             <a:r>
-              <a:rPr sz="1600" spc="10" dirty="0">
-                <a:solidFill>
-                  <a:srgbClr val="23292D"/>
-                </a:solidFill>
-                <a:latin typeface="Arial"/>
-                <a:cs typeface="Arial"/>
+              <a:rPr dirty="0" lang="en-US" spc="10" sz="1600">
+                <a:solidFill>
+                  <a:srgbClr val="23292d"/>
+                </a:solidFill>
+                <a:latin typeface="Arial"/>
               </a:rPr>
               <a:t> </a:t>
             </a:r>
             <a:r>
-              <a:rPr sz="1600" dirty="0">
-                <a:solidFill>
-                  <a:srgbClr val="23292D"/>
-                </a:solidFill>
-                <a:latin typeface="Arial"/>
-                <a:cs typeface="Arial"/>
+              <a:rPr dirty="0" lang="en-US" sz="1600">
+                <a:solidFill>
+                  <a:srgbClr val="23292d"/>
+                </a:solidFill>
+                <a:latin typeface="Arial"/>
               </a:rPr>
               <a:t>possible:</a:t>
             </a:r>
-            <a:endParaRPr sz="1600">
-              <a:latin typeface="Arial"/>
-              <a:cs typeface="Arial"/>
-            </a:endParaRPr>
           </a:p>
           <a:p>
             <a:pPr marL="12700" marR="179070">
               <a:lnSpc>
-                <a:spcPct val="96300"/>
+                <a:spcPct val="96000"/>
               </a:lnSpc>
               <a:spcBef>
                 <a:spcPts val="1295"/>
               </a:spcBef>
               <a:buFont typeface="Symbol"/>
               <a:buChar char=""/>
-              <a:tabLst>
-                <a:tab pos="162560" algn="l"/>
-              </a:tabLst>
             </a:pPr>
             <a:r>
-              <a:rPr sz="1600" spc="-5" dirty="0">
-                <a:solidFill>
-                  <a:srgbClr val="23292D"/>
-                </a:solidFill>
-                <a:latin typeface="Arial"/>
-                <a:cs typeface="Arial"/>
-              </a:rPr>
-              <a:t>AggressivePlayers, who </a:t>
-            </a:r>
-            <a:r>
-              <a:rPr sz="1600" dirty="0">
-                <a:solidFill>
-                  <a:srgbClr val="23292D"/>
-                </a:solidFill>
-                <a:latin typeface="Arial"/>
-                <a:cs typeface="Arial"/>
+              <a:rPr dirty="0" err="1" lang="en-US" spc="-5" sz="1600">
+                <a:solidFill>
+                  <a:srgbClr val="23292d"/>
+                </a:solidFill>
+                <a:latin typeface="Arial"/>
+              </a:rPr>
+              <a:t>AggressivePlayers</a:t>
+            </a:r>
+            <a:r>
+              <a:rPr dirty="0" lang="en-US" spc="-5" sz="1600">
+                <a:solidFill>
+                  <a:srgbClr val="23292d"/>
+                </a:solidFill>
+                <a:latin typeface="Arial"/>
+              </a:rPr>
+              <a:t>, who </a:t>
+            </a:r>
+            <a:r>
+              <a:rPr dirty="0" lang="en-US" sz="1600">
+                <a:solidFill>
+                  <a:srgbClr val="23292d"/>
+                </a:solidFill>
+                <a:latin typeface="Arial"/>
               </a:rPr>
               <a:t>tend </a:t>
             </a:r>
             <a:r>
-              <a:rPr sz="1600" spc="-5" dirty="0">
-                <a:solidFill>
-                  <a:srgbClr val="23292D"/>
-                </a:solidFill>
-                <a:latin typeface="Arial"/>
-                <a:cs typeface="Arial"/>
+              <a:rPr dirty="0" lang="en-US" spc="-5" sz="1600">
+                <a:solidFill>
+                  <a:srgbClr val="23292d"/>
+                </a:solidFill>
+                <a:latin typeface="Arial"/>
               </a:rPr>
               <a:t>to run fast. Their energy level  reduces by 2 at every step of move. They need </a:t>
             </a:r>
             <a:r>
-              <a:rPr sz="1600" dirty="0">
-                <a:solidFill>
-                  <a:srgbClr val="23292D"/>
-                </a:solidFill>
-                <a:latin typeface="Arial"/>
-                <a:cs typeface="Arial"/>
+              <a:rPr dirty="0" lang="en-US" sz="1600">
+                <a:solidFill>
+                  <a:srgbClr val="23292d"/>
+                </a:solidFill>
+                <a:latin typeface="Arial"/>
               </a:rPr>
               <a:t>to </a:t>
             </a:r>
             <a:r>
-              <a:rPr sz="1600" spc="-5" dirty="0">
-                <a:solidFill>
-                  <a:srgbClr val="23292D"/>
-                </a:solidFill>
-                <a:latin typeface="Arial"/>
-                <a:cs typeface="Arial"/>
+              <a:rPr dirty="0" lang="en-US" spc="-5" sz="1600">
+                <a:solidFill>
+                  <a:srgbClr val="23292d"/>
+                </a:solidFill>
+                <a:latin typeface="Arial"/>
               </a:rPr>
               <a:t>be </a:t>
             </a:r>
             <a:r>
-              <a:rPr sz="1600" dirty="0">
-                <a:solidFill>
-                  <a:srgbClr val="23292D"/>
-                </a:solidFill>
-                <a:latin typeface="Arial"/>
-                <a:cs typeface="Arial"/>
+              <a:rPr dirty="0" lang="en-US" sz="1600">
+                <a:solidFill>
+                  <a:srgbClr val="23292d"/>
+                </a:solidFill>
+                <a:latin typeface="Arial"/>
               </a:rPr>
               <a:t>hit </a:t>
             </a:r>
             <a:r>
-              <a:rPr sz="1600" spc="-5" dirty="0">
-                <a:solidFill>
-                  <a:srgbClr val="23292D"/>
-                </a:solidFill>
-                <a:latin typeface="Arial"/>
-                <a:cs typeface="Arial"/>
+              <a:rPr dirty="0" lang="en-US" spc="-5" sz="1600">
+                <a:solidFill>
+                  <a:srgbClr val="23292d"/>
+                </a:solidFill>
+                <a:latin typeface="Arial"/>
               </a:rPr>
               <a:t>twice to  be dead.</a:t>
             </a:r>
-            <a:endParaRPr sz="1600">
-              <a:latin typeface="Arial"/>
-              <a:cs typeface="Arial"/>
-            </a:endParaRPr>
-          </a:p>
-          <a:p>
-            <a:pPr marL="12700" marR="198120" algn="just">
+          </a:p>
+          <a:p>
+            <a:pPr algn="l" marL="12700" marR="198120">
               <a:lnSpc>
-                <a:spcPct val="96200"/>
+                <a:spcPct val="96000"/>
               </a:lnSpc>
               <a:spcBef>
                 <a:spcPts val="1295"/>
               </a:spcBef>
               <a:buFont typeface="Symbol"/>
               <a:buChar char=""/>
-              <a:tabLst>
-                <a:tab pos="162560" algn="l"/>
-              </a:tabLst>
             </a:pPr>
             <a:r>
-              <a:rPr sz="1600" spc="-5" dirty="0">
-                <a:solidFill>
-                  <a:srgbClr val="23292D"/>
-                </a:solidFill>
-                <a:latin typeface="Arial"/>
-                <a:cs typeface="Arial"/>
-              </a:rPr>
-              <a:t>CautiousPlayers, who tend to </a:t>
-            </a:r>
-            <a:r>
-              <a:rPr sz="1600" dirty="0">
-                <a:solidFill>
-                  <a:srgbClr val="23292D"/>
-                </a:solidFill>
-                <a:latin typeface="Arial"/>
-                <a:cs typeface="Arial"/>
+              <a:rPr dirty="0" err="1" lang="en-US" spc="-5" sz="1600">
+                <a:solidFill>
+                  <a:srgbClr val="23292d"/>
+                </a:solidFill>
+                <a:latin typeface="Arial"/>
+              </a:rPr>
+              <a:t>CautiousPlayers</a:t>
+            </a:r>
+            <a:r>
+              <a:rPr dirty="0" lang="en-US" spc="-5" sz="1600">
+                <a:solidFill>
+                  <a:srgbClr val="23292d"/>
+                </a:solidFill>
+                <a:latin typeface="Arial"/>
+              </a:rPr>
+              <a:t>, who tend to </a:t>
+            </a:r>
+            <a:r>
+              <a:rPr dirty="0" lang="en-US" sz="1600">
+                <a:solidFill>
+                  <a:srgbClr val="23292d"/>
+                </a:solidFill>
+                <a:latin typeface="Arial"/>
               </a:rPr>
               <a:t>go </a:t>
             </a:r>
             <a:r>
-              <a:rPr sz="1600" spc="-5" dirty="0">
-                <a:solidFill>
-                  <a:srgbClr val="23292D"/>
-                </a:solidFill>
-                <a:latin typeface="Arial"/>
-                <a:cs typeface="Arial"/>
+              <a:rPr dirty="0" lang="en-US" spc="-5" sz="1600">
+                <a:solidFill>
+                  <a:srgbClr val="23292d"/>
+                </a:solidFill>
+                <a:latin typeface="Arial"/>
               </a:rPr>
               <a:t>very slow. Their energy level  reduces by 1 at every step of move. They need </a:t>
             </a:r>
             <a:r>
-              <a:rPr sz="1600" dirty="0">
-                <a:solidFill>
-                  <a:srgbClr val="23292D"/>
-                </a:solidFill>
-                <a:latin typeface="Arial"/>
-                <a:cs typeface="Arial"/>
+              <a:rPr dirty="0" lang="en-US" sz="1600">
+                <a:solidFill>
+                  <a:srgbClr val="23292d"/>
+                </a:solidFill>
+                <a:latin typeface="Arial"/>
               </a:rPr>
               <a:t>to </a:t>
             </a:r>
             <a:r>
-              <a:rPr sz="1600" spc="-5" dirty="0">
-                <a:solidFill>
-                  <a:srgbClr val="23292D"/>
-                </a:solidFill>
-                <a:latin typeface="Arial"/>
-                <a:cs typeface="Arial"/>
+              <a:rPr dirty="0" lang="en-US" spc="-5" sz="1600">
+                <a:solidFill>
+                  <a:srgbClr val="23292d"/>
+                </a:solidFill>
+                <a:latin typeface="Arial"/>
               </a:rPr>
               <a:t>be </a:t>
             </a:r>
             <a:r>
-              <a:rPr sz="1600" spc="5" dirty="0">
-                <a:solidFill>
-                  <a:srgbClr val="23292D"/>
-                </a:solidFill>
-                <a:latin typeface="Arial"/>
-                <a:cs typeface="Arial"/>
+              <a:rPr dirty="0" lang="en-US" spc="5" sz="1600">
+                <a:solidFill>
+                  <a:srgbClr val="23292d"/>
+                </a:solidFill>
+                <a:latin typeface="Arial"/>
               </a:rPr>
               <a:t>hit </a:t>
             </a:r>
             <a:r>
-              <a:rPr sz="1600" spc="-5" dirty="0">
-                <a:solidFill>
-                  <a:srgbClr val="23292D"/>
-                </a:solidFill>
-                <a:latin typeface="Arial"/>
-                <a:cs typeface="Arial"/>
+              <a:rPr dirty="0" lang="en-US" spc="-5" sz="1600">
+                <a:solidFill>
+                  <a:srgbClr val="23292d"/>
+                </a:solidFill>
+                <a:latin typeface="Arial"/>
               </a:rPr>
               <a:t>once to  be dead.</a:t>
             </a:r>
-            <a:endParaRPr sz="1600">
-              <a:latin typeface="Arial"/>
-              <a:cs typeface="Arial"/>
-            </a:endParaRPr>
-          </a:p>
-          <a:p>
-            <a:pPr marL="12700" marR="18415" algn="just">
+          </a:p>
+          <a:p>
+            <a:pPr algn="l" marL="12700" marR="18415">
               <a:lnSpc>
-                <a:spcPct val="96200"/>
+                <a:spcPct val="96000"/>
               </a:lnSpc>
               <a:spcBef>
                 <a:spcPts val="1300"/>
               </a:spcBef>
               <a:buFont typeface="Symbol"/>
               <a:buChar char=""/>
-              <a:tabLst>
-                <a:tab pos="162560" algn="l"/>
-              </a:tabLst>
             </a:pPr>
             <a:r>
-              <a:rPr sz="1600" spc="-5" dirty="0">
-                <a:solidFill>
-                  <a:srgbClr val="23292D"/>
-                </a:solidFill>
-                <a:latin typeface="Arial"/>
-                <a:cs typeface="Arial"/>
-              </a:rPr>
-              <a:t>BlindPlayer, who run very fast, </a:t>
-            </a:r>
-            <a:r>
-              <a:rPr sz="1600" dirty="0">
-                <a:solidFill>
-                  <a:srgbClr val="23292D"/>
-                </a:solidFill>
-                <a:latin typeface="Arial"/>
-                <a:cs typeface="Arial"/>
+              <a:rPr dirty="0" err="1" lang="en-US" spc="-5" sz="1600">
+                <a:solidFill>
+                  <a:srgbClr val="23292d"/>
+                </a:solidFill>
+                <a:latin typeface="Arial"/>
+              </a:rPr>
+              <a:t>BlindPlayer</a:t>
+            </a:r>
+            <a:r>
+              <a:rPr dirty="0" lang="en-US" spc="-5" sz="1600">
+                <a:solidFill>
+                  <a:srgbClr val="23292d"/>
+                </a:solidFill>
+                <a:latin typeface="Arial"/>
+              </a:rPr>
+              <a:t>, who run very fast, </a:t>
+            </a:r>
+            <a:r>
+              <a:rPr dirty="0" lang="en-US" sz="1600">
+                <a:solidFill>
+                  <a:srgbClr val="23292d"/>
+                </a:solidFill>
+                <a:latin typeface="Arial"/>
               </a:rPr>
               <a:t>and </a:t>
             </a:r>
             <a:r>
-              <a:rPr sz="1600" spc="-5" dirty="0">
-                <a:solidFill>
-                  <a:srgbClr val="23292D"/>
-                </a:solidFill>
-                <a:latin typeface="Arial"/>
-                <a:cs typeface="Arial"/>
+              <a:rPr dirty="0" lang="en-US" spc="-5" sz="1600">
+                <a:solidFill>
+                  <a:srgbClr val="23292d"/>
+                </a:solidFill>
+                <a:latin typeface="Arial"/>
               </a:rPr>
               <a:t>do not </a:t>
             </a:r>
             <a:r>
-              <a:rPr sz="1600" dirty="0">
-                <a:solidFill>
-                  <a:srgbClr val="23292D"/>
-                </a:solidFill>
-                <a:latin typeface="Arial"/>
-                <a:cs typeface="Arial"/>
+              <a:rPr dirty="0" lang="en-US" sz="1600">
+                <a:solidFill>
+                  <a:srgbClr val="23292d"/>
+                </a:solidFill>
+                <a:latin typeface="Arial"/>
               </a:rPr>
               <a:t>observe </a:t>
             </a:r>
             <a:r>
-              <a:rPr sz="1600" spc="-5" dirty="0">
-                <a:solidFill>
-                  <a:srgbClr val="23292D"/>
-                </a:solidFill>
-                <a:latin typeface="Arial"/>
-                <a:cs typeface="Arial"/>
+              <a:rPr dirty="0" lang="en-US" spc="-5" sz="1600">
+                <a:solidFill>
+                  <a:srgbClr val="23292d"/>
+                </a:solidFill>
+                <a:latin typeface="Arial"/>
               </a:rPr>
               <a:t>around at all.  Their energy level reduces by 3 </a:t>
             </a:r>
             <a:r>
-              <a:rPr sz="1600" dirty="0">
-                <a:solidFill>
-                  <a:srgbClr val="23292D"/>
-                </a:solidFill>
-                <a:latin typeface="Arial"/>
-                <a:cs typeface="Arial"/>
+              <a:rPr dirty="0" lang="en-US" sz="1600">
+                <a:solidFill>
+                  <a:srgbClr val="23292d"/>
+                </a:solidFill>
+                <a:latin typeface="Arial"/>
               </a:rPr>
               <a:t>at </a:t>
             </a:r>
             <a:r>
-              <a:rPr sz="1600" spc="-5" dirty="0">
-                <a:solidFill>
-                  <a:srgbClr val="23292D"/>
-                </a:solidFill>
-                <a:latin typeface="Arial"/>
-                <a:cs typeface="Arial"/>
+              <a:rPr dirty="0" lang="en-US" spc="-5" sz="1600">
+                <a:solidFill>
+                  <a:srgbClr val="23292d"/>
+                </a:solidFill>
+                <a:latin typeface="Arial"/>
               </a:rPr>
               <a:t>every step. </a:t>
             </a:r>
             <a:r>
-              <a:rPr sz="1600" dirty="0">
-                <a:solidFill>
-                  <a:srgbClr val="23292D"/>
-                </a:solidFill>
-                <a:latin typeface="Arial"/>
-                <a:cs typeface="Arial"/>
+              <a:rPr dirty="0" lang="en-US" sz="1600">
+                <a:solidFill>
+                  <a:srgbClr val="23292d"/>
+                </a:solidFill>
+                <a:latin typeface="Arial"/>
               </a:rPr>
               <a:t>They </a:t>
             </a:r>
             <a:r>
-              <a:rPr sz="1600" spc="-5" dirty="0">
-                <a:solidFill>
-                  <a:srgbClr val="23292D"/>
-                </a:solidFill>
-                <a:latin typeface="Arial"/>
-                <a:cs typeface="Arial"/>
+              <a:rPr dirty="0" lang="en-US" spc="-5" sz="1600">
+                <a:solidFill>
+                  <a:srgbClr val="23292d"/>
+                </a:solidFill>
+                <a:latin typeface="Arial"/>
               </a:rPr>
               <a:t>need to be </a:t>
             </a:r>
             <a:r>
-              <a:rPr sz="1600" dirty="0">
-                <a:solidFill>
-                  <a:srgbClr val="23292D"/>
-                </a:solidFill>
-                <a:latin typeface="Arial"/>
-                <a:cs typeface="Arial"/>
+              <a:rPr dirty="0" lang="en-US" sz="1600">
+                <a:solidFill>
+                  <a:srgbClr val="23292d"/>
+                </a:solidFill>
+                <a:latin typeface="Arial"/>
               </a:rPr>
               <a:t>hit  </a:t>
             </a:r>
             <a:r>
-              <a:rPr sz="1600" spc="-5" dirty="0">
-                <a:solidFill>
-                  <a:srgbClr val="23292D"/>
-                </a:solidFill>
-                <a:latin typeface="Arial"/>
-                <a:cs typeface="Arial"/>
+              <a:rPr dirty="0" lang="en-US" spc="-5" sz="1600">
+                <a:solidFill>
+                  <a:srgbClr val="23292d"/>
+                </a:solidFill>
+                <a:latin typeface="Arial"/>
               </a:rPr>
               <a:t>5 times to be</a:t>
             </a:r>
             <a:r>
-              <a:rPr sz="1600" dirty="0">
-                <a:solidFill>
-                  <a:srgbClr val="23292D"/>
-                </a:solidFill>
-                <a:latin typeface="Arial"/>
-                <a:cs typeface="Arial"/>
+              <a:rPr dirty="0" lang="en-US" sz="1600">
+                <a:solidFill>
+                  <a:srgbClr val="23292d"/>
+                </a:solidFill>
+                <a:latin typeface="Arial"/>
               </a:rPr>
               <a:t> dead.</a:t>
             </a:r>
-            <a:endParaRPr sz="1600">
+            <a:endParaRPr dirty="0" lang="en-US" sz="1600">
+              <a:solidFill>
+                <a:srgbClr val="23292d"/>
+              </a:solidFill>
               <a:latin typeface="Arial"/>
-              <a:cs typeface="Arial"/>
             </a:endParaRPr>
           </a:p>
         </p:txBody>
@@ -2746,8 +3009,8 @@
 </file>
 
 <file path=ppt/slides/slide4.xml><?xml version="1.0" encoding="utf-8"?>
-<p:sld xmlns:a="http://schemas.openxmlformats.org/drawingml/2006/main" xmlns:r="http://schemas.openxmlformats.org/officeDocument/2006/relationships" xmlns:p="http://schemas.openxmlformats.org/presentationml/2006/main" showMasterSp="0">
-  <p:cSld>
+<p:sld xmlns:a="http://schemas.openxmlformats.org/drawingml/2006/main" xmlns:c="http://schemas.openxmlformats.org/drawingml/2006/chart" xmlns:cs="http://schemas.microsoft.com/office/drawing/2012/chartStyle" xmlns:ns1="http://schemas.openxmlformats.org/officeDocument/2006/extended-properties" xmlns:p="http://schemas.openxmlformats.org/presentationml/2006/main" xmlns:r="http://schemas.openxmlformats.org/officeDocument/2006/relationships" xmlns:vt="http://schemas.openxmlformats.org/officeDocument/2006/docPropsVTypes" showMasterSp="false">
+  <p:cSld name="slide4">
     <p:spTree>
       <p:nvGrpSpPr>
         <p:cNvPr id="1" name=""/>
@@ -2769,7 +3032,7 @@
           <p:nvPr/>
         </p:nvSpPr>
         <p:spPr>
-          <a:xfrm>
+          <a:xfrm rot="0">
             <a:off x="902004" y="889762"/>
             <a:ext cx="5965190" cy="6838315"/>
           </a:xfrm>
@@ -2778,126 +3041,130 @@
           </a:prstGeom>
         </p:spPr>
         <p:txBody>
-          <a:bodyPr vert="horz" wrap="square" lIns="0" tIns="22225" rIns="0" bIns="0" rtlCol="0">
+          <a:bodyPr bIns="0" lIns="0" rIns="0" rtlCol="0" tIns="22225" vert="horz" wrap="square">
             <a:spAutoFit/>
           </a:bodyPr>
           <a:lstStyle/>
           <a:p>
             <a:pPr marL="12700" marR="62230">
               <a:lnSpc>
-                <a:spcPct val="95900"/>
+                <a:spcPct val="95000"/>
               </a:lnSpc>
               <a:spcBef>
                 <a:spcPts val="175"/>
               </a:spcBef>
             </a:pPr>
             <a:r>
-              <a:rPr sz="1600" spc="-5" dirty="0">
-                <a:solidFill>
-                  <a:srgbClr val="23292D"/>
-                </a:solidFill>
-                <a:latin typeface="Arial"/>
-                <a:cs typeface="Arial"/>
-              </a:rPr>
-              <a:t>Each player of counter-terrorists selects an opponent player and  goes to kill the same. A player </a:t>
-            </a:r>
-            <a:r>
-              <a:rPr sz="1600" dirty="0">
-                <a:solidFill>
-                  <a:srgbClr val="23292D"/>
-                </a:solidFill>
-                <a:latin typeface="Arial"/>
-                <a:cs typeface="Arial"/>
+              <a:rPr dirty="0" lang="en-US" spc="-5" sz="1600">
+                <a:solidFill>
+                  <a:srgbClr val="23292d"/>
+                </a:solidFill>
+                <a:latin typeface="Arial"/>
+              </a:rPr>
+              <a:t>Each player of </a:t>
+            </a:r>
+            <a:r>
+              <a:rPr dirty="0" err="1" lang="en-US" spc="-5" sz="1600">
+                <a:solidFill>
+                  <a:srgbClr val="23292d"/>
+                </a:solidFill>
+                <a:latin typeface="Arial"/>
+              </a:rPr>
+              <a:t>counter-terrorists</a:t>
+            </a:r>
+            <a:r>
+              <a:rPr dirty="0" lang="en-US" spc="-5" sz="1600">
+                <a:solidFill>
+                  <a:srgbClr val="23292d"/>
+                </a:solidFill>
+                <a:latin typeface="Arial"/>
+              </a:rPr>
+              <a:t> selects an opponent player and  goes to kill the same. A player </a:t>
+            </a:r>
+            <a:r>
+              <a:rPr dirty="0" lang="en-US" sz="1600">
+                <a:solidFill>
+                  <a:srgbClr val="23292d"/>
+                </a:solidFill>
+                <a:latin typeface="Arial"/>
               </a:rPr>
               <a:t>can </a:t>
             </a:r>
             <a:r>
-              <a:rPr sz="1600" spc="-5" dirty="0">
-                <a:solidFill>
-                  <a:srgbClr val="23292D"/>
-                </a:solidFill>
-                <a:latin typeface="Arial"/>
-                <a:cs typeface="Arial"/>
+              <a:rPr dirty="0" lang="en-US" spc="-5" sz="1600">
+                <a:solidFill>
+                  <a:srgbClr val="23292d"/>
+                </a:solidFill>
+                <a:latin typeface="Arial"/>
               </a:rPr>
               <a:t>have any of three strategies. It  is </a:t>
             </a:r>
             <a:r>
-              <a:rPr sz="1600" spc="-10" dirty="0">
-                <a:solidFill>
-                  <a:srgbClr val="23292D"/>
-                </a:solidFill>
-                <a:latin typeface="Arial"/>
-                <a:cs typeface="Arial"/>
+              <a:rPr dirty="0" lang="en-US" spc="-10" sz="1600">
+                <a:solidFill>
+                  <a:srgbClr val="23292d"/>
+                </a:solidFill>
+                <a:latin typeface="Arial"/>
               </a:rPr>
               <a:t>assumed </a:t>
             </a:r>
             <a:r>
-              <a:rPr sz="1600" spc="-5" dirty="0">
-                <a:solidFill>
-                  <a:srgbClr val="23292D"/>
-                </a:solidFill>
-                <a:latin typeface="Arial"/>
-                <a:cs typeface="Arial"/>
+              <a:rPr dirty="0" lang="en-US" spc="-5" sz="1600">
+                <a:solidFill>
+                  <a:srgbClr val="23292d"/>
+                </a:solidFill>
+                <a:latin typeface="Arial"/>
               </a:rPr>
               <a:t>that </a:t>
             </a:r>
             <a:r>
-              <a:rPr sz="1600" spc="-10" dirty="0">
-                <a:solidFill>
-                  <a:srgbClr val="23292D"/>
-                </a:solidFill>
-                <a:latin typeface="Arial"/>
-                <a:cs typeface="Arial"/>
+              <a:rPr dirty="0" lang="en-US" spc="-10" sz="1600">
+                <a:solidFill>
+                  <a:srgbClr val="23292d"/>
+                </a:solidFill>
+                <a:latin typeface="Arial"/>
               </a:rPr>
               <a:t>everyone knows </a:t>
             </a:r>
             <a:r>
-              <a:rPr sz="1600" spc="-5" dirty="0">
-                <a:solidFill>
-                  <a:srgbClr val="23292D"/>
-                </a:solidFill>
-                <a:latin typeface="Arial"/>
-                <a:cs typeface="Arial"/>
+              <a:rPr dirty="0" lang="en-US" spc="-5" sz="1600">
+                <a:solidFill>
+                  <a:srgbClr val="23292d"/>
+                </a:solidFill>
+                <a:latin typeface="Arial"/>
               </a:rPr>
               <a:t>each </a:t>
             </a:r>
             <a:r>
-              <a:rPr sz="1600" spc="-10" dirty="0">
-                <a:solidFill>
-                  <a:srgbClr val="23292D"/>
-                </a:solidFill>
-                <a:latin typeface="Arial"/>
-                <a:cs typeface="Arial"/>
+              <a:rPr dirty="0" lang="en-US" spc="-10" sz="1600">
+                <a:solidFill>
+                  <a:srgbClr val="23292d"/>
+                </a:solidFill>
+                <a:latin typeface="Arial"/>
               </a:rPr>
               <a:t>other’s</a:t>
             </a:r>
             <a:r>
-              <a:rPr sz="1600" spc="55" dirty="0">
-                <a:solidFill>
-                  <a:srgbClr val="23292D"/>
-                </a:solidFill>
-                <a:latin typeface="Arial"/>
-                <a:cs typeface="Arial"/>
+              <a:rPr dirty="0" lang="en-US" spc="55" sz="1600">
+                <a:solidFill>
+                  <a:srgbClr val="23292d"/>
+                </a:solidFill>
+                <a:latin typeface="Arial"/>
               </a:rPr>
               <a:t> </a:t>
             </a:r>
             <a:r>
-              <a:rPr sz="1600" spc="-5" dirty="0">
-                <a:solidFill>
-                  <a:srgbClr val="23292D"/>
-                </a:solidFill>
-                <a:latin typeface="Arial"/>
-                <a:cs typeface="Arial"/>
+              <a:rPr dirty="0" lang="en-US" spc="-5" sz="1600">
+                <a:solidFill>
+                  <a:srgbClr val="23292d"/>
+                </a:solidFill>
+                <a:latin typeface="Arial"/>
               </a:rPr>
               <a:t>position.</a:t>
             </a:r>
-            <a:endParaRPr sz="1600">
-              <a:latin typeface="Arial"/>
-              <a:cs typeface="Arial"/>
-            </a:endParaRPr>
-          </a:p>
-          <a:p>
-            <a:pPr marL="161925" indent="-149225">
+          </a:p>
+          <a:p>
+            <a:pPr indent="-149225" marL="161925">
               <a:lnSpc>
                 <a:spcPct val="100000"/>
               </a:lnSpc>
@@ -2906,67 +3173,55 @@
               </a:spcBef>
               <a:buFont typeface="Symbol"/>
               <a:buChar char=""/>
-              <a:tabLst>
-                <a:tab pos="162560" algn="l"/>
-              </a:tabLst>
             </a:pPr>
             <a:r>
-              <a:rPr sz="1600" spc="-10" dirty="0">
-                <a:solidFill>
-                  <a:srgbClr val="23292D"/>
-                </a:solidFill>
-                <a:latin typeface="Arial"/>
-                <a:cs typeface="Arial"/>
+              <a:rPr dirty="0" lang="en-US" spc="-10" sz="1600">
+                <a:solidFill>
+                  <a:srgbClr val="23292d"/>
+                </a:solidFill>
+                <a:latin typeface="Arial"/>
               </a:rPr>
               <a:t>Go </a:t>
             </a:r>
             <a:r>
-              <a:rPr sz="1600" dirty="0">
-                <a:solidFill>
-                  <a:srgbClr val="23292D"/>
-                </a:solidFill>
-                <a:latin typeface="Arial"/>
-                <a:cs typeface="Arial"/>
+              <a:rPr dirty="0" lang="en-US" sz="1600">
+                <a:solidFill>
+                  <a:srgbClr val="23292d"/>
+                </a:solidFill>
+                <a:latin typeface="Arial"/>
               </a:rPr>
               <a:t>to </a:t>
             </a:r>
             <a:r>
-              <a:rPr sz="1600" spc="-5" dirty="0">
-                <a:solidFill>
-                  <a:srgbClr val="23292D"/>
-                </a:solidFill>
-                <a:latin typeface="Arial"/>
-                <a:cs typeface="Arial"/>
+              <a:rPr dirty="0" lang="en-US" spc="-5" sz="1600">
+                <a:solidFill>
+                  <a:srgbClr val="23292d"/>
+                </a:solidFill>
+                <a:latin typeface="Arial"/>
               </a:rPr>
               <a:t>nearest</a:t>
             </a:r>
             <a:r>
-              <a:rPr sz="1600" spc="-10" dirty="0">
-                <a:solidFill>
-                  <a:srgbClr val="23292D"/>
-                </a:solidFill>
-                <a:latin typeface="Arial"/>
-                <a:cs typeface="Arial"/>
+              <a:rPr dirty="0" lang="en-US" spc="-10" sz="1600">
+                <a:solidFill>
+                  <a:srgbClr val="23292d"/>
+                </a:solidFill>
+                <a:latin typeface="Arial"/>
               </a:rPr>
               <a:t> </a:t>
             </a:r>
             <a:r>
-              <a:rPr sz="1600" spc="-5" dirty="0">
-                <a:solidFill>
-                  <a:srgbClr val="23292D"/>
-                </a:solidFill>
-                <a:latin typeface="Arial"/>
-                <a:cs typeface="Arial"/>
+              <a:rPr dirty="0" lang="en-US" spc="-5" sz="1600">
+                <a:solidFill>
+                  <a:srgbClr val="23292d"/>
+                </a:solidFill>
+                <a:latin typeface="Arial"/>
               </a:rPr>
               <a:t>terrorist</a:t>
             </a:r>
-            <a:endParaRPr sz="1600">
-              <a:latin typeface="Arial"/>
-              <a:cs typeface="Arial"/>
-            </a:endParaRPr>
-          </a:p>
-          <a:p>
-            <a:pPr marL="161925" indent="-149225">
+          </a:p>
+          <a:p>
+            <a:pPr indent="-149225" marL="161925">
               <a:lnSpc>
                 <a:spcPct val="100000"/>
               </a:lnSpc>
@@ -2975,77 +3230,64 @@
               </a:spcBef>
               <a:buFont typeface="Symbol"/>
               <a:buChar char=""/>
-              <a:tabLst>
-                <a:tab pos="162560" algn="l"/>
-              </a:tabLst>
             </a:pPr>
             <a:r>
-              <a:rPr sz="1600" spc="-10" dirty="0">
-                <a:solidFill>
-                  <a:srgbClr val="23292D"/>
-                </a:solidFill>
-                <a:latin typeface="Arial"/>
-                <a:cs typeface="Arial"/>
+              <a:rPr dirty="0" lang="en-US" spc="-10" sz="1600">
+                <a:solidFill>
+                  <a:srgbClr val="23292d"/>
+                </a:solidFill>
+                <a:latin typeface="Arial"/>
               </a:rPr>
               <a:t>Go </a:t>
             </a:r>
             <a:r>
-              <a:rPr sz="1600" dirty="0">
-                <a:solidFill>
-                  <a:srgbClr val="23292D"/>
-                </a:solidFill>
-                <a:latin typeface="Arial"/>
-                <a:cs typeface="Arial"/>
+              <a:rPr dirty="0" lang="en-US" sz="1600">
+                <a:solidFill>
+                  <a:srgbClr val="23292d"/>
+                </a:solidFill>
+                <a:latin typeface="Arial"/>
               </a:rPr>
               <a:t>to </a:t>
             </a:r>
             <a:r>
-              <a:rPr sz="1600" spc="-5" dirty="0">
-                <a:solidFill>
-                  <a:srgbClr val="23292D"/>
-                </a:solidFill>
-                <a:latin typeface="Arial"/>
-                <a:cs typeface="Arial"/>
+              <a:rPr dirty="0" lang="en-US" spc="-5" sz="1600">
+                <a:solidFill>
+                  <a:srgbClr val="23292d"/>
+                </a:solidFill>
+                <a:latin typeface="Arial"/>
               </a:rPr>
               <a:t>a </a:t>
             </a:r>
             <a:r>
-              <a:rPr sz="1600" dirty="0">
-                <a:solidFill>
-                  <a:srgbClr val="23292D"/>
-                </a:solidFill>
-                <a:latin typeface="Arial"/>
-                <a:cs typeface="Arial"/>
+              <a:rPr dirty="0" lang="en-US" sz="1600">
+                <a:solidFill>
+                  <a:srgbClr val="23292d"/>
+                </a:solidFill>
+                <a:latin typeface="Arial"/>
               </a:rPr>
               <a:t>random</a:t>
             </a:r>
             <a:r>
-              <a:rPr sz="1600" spc="-10" dirty="0">
-                <a:solidFill>
-                  <a:srgbClr val="23292D"/>
-                </a:solidFill>
-                <a:latin typeface="Arial"/>
-                <a:cs typeface="Arial"/>
+              <a:rPr dirty="0" lang="en-US" spc="-10" sz="1600">
+                <a:solidFill>
+                  <a:srgbClr val="23292d"/>
+                </a:solidFill>
+                <a:latin typeface="Arial"/>
               </a:rPr>
               <a:t> </a:t>
             </a:r>
             <a:r>
-              <a:rPr sz="1600" spc="-5" dirty="0">
-                <a:solidFill>
-                  <a:srgbClr val="23292D"/>
-                </a:solidFill>
-                <a:latin typeface="Arial"/>
-                <a:cs typeface="Arial"/>
+              <a:rPr dirty="0" lang="en-US" spc="-5" sz="1600">
+                <a:solidFill>
+                  <a:srgbClr val="23292d"/>
+                </a:solidFill>
+                <a:latin typeface="Arial"/>
               </a:rPr>
               <a:t>terrorist</a:t>
             </a:r>
-            <a:endParaRPr sz="1600">
-              <a:latin typeface="Arial"/>
-              <a:cs typeface="Arial"/>
-            </a:endParaRPr>
-          </a:p>
-          <a:p>
-            <a:pPr marL="161925" indent="-149225">
+          </a:p>
+          <a:p>
+            <a:pPr indent="-149225" marL="161925">
               <a:lnSpc>
                 <a:spcPct val="100000"/>
               </a:lnSpc>
@@ -3054,84 +3296,70 @@
               </a:spcBef>
               <a:buFont typeface="Symbol"/>
               <a:buChar char=""/>
-              <a:tabLst>
-                <a:tab pos="162560" algn="l"/>
-              </a:tabLst>
             </a:pPr>
             <a:r>
-              <a:rPr sz="1600" spc="-10" dirty="0">
-                <a:solidFill>
-                  <a:srgbClr val="23292D"/>
-                </a:solidFill>
-                <a:latin typeface="Arial"/>
-                <a:cs typeface="Arial"/>
+              <a:rPr dirty="0" lang="en-US" spc="-10" sz="1600">
+                <a:solidFill>
+                  <a:srgbClr val="23292d"/>
+                </a:solidFill>
+                <a:latin typeface="Arial"/>
               </a:rPr>
               <a:t>Go </a:t>
             </a:r>
             <a:r>
-              <a:rPr sz="1600" dirty="0">
-                <a:solidFill>
-                  <a:srgbClr val="23292D"/>
-                </a:solidFill>
-                <a:latin typeface="Arial"/>
-                <a:cs typeface="Arial"/>
+              <a:rPr dirty="0" lang="en-US" sz="1600">
+                <a:solidFill>
+                  <a:srgbClr val="23292d"/>
+                </a:solidFill>
+                <a:latin typeface="Arial"/>
               </a:rPr>
               <a:t>to </a:t>
             </a:r>
             <a:r>
-              <a:rPr sz="1600" spc="-5" dirty="0">
-                <a:solidFill>
-                  <a:srgbClr val="23292D"/>
-                </a:solidFill>
-                <a:latin typeface="Arial"/>
-                <a:cs typeface="Arial"/>
+              <a:rPr dirty="0" lang="en-US" spc="-5" sz="1600">
+                <a:solidFill>
+                  <a:srgbClr val="23292d"/>
+                </a:solidFill>
+                <a:latin typeface="Arial"/>
               </a:rPr>
               <a:t>a terrorist </a:t>
             </a:r>
             <a:r>
-              <a:rPr sz="1600" spc="-10" dirty="0">
-                <a:solidFill>
-                  <a:srgbClr val="23292D"/>
-                </a:solidFill>
-                <a:latin typeface="Arial"/>
-                <a:cs typeface="Arial"/>
+              <a:rPr dirty="0" lang="en-US" spc="-10" sz="1600">
+                <a:solidFill>
+                  <a:srgbClr val="23292d"/>
+                </a:solidFill>
+                <a:latin typeface="Arial"/>
               </a:rPr>
               <a:t>‘ahead’ </a:t>
             </a:r>
             <a:r>
-              <a:rPr sz="1600" spc="-5" dirty="0">
-                <a:solidFill>
-                  <a:srgbClr val="23292D"/>
-                </a:solidFill>
-                <a:latin typeface="Arial"/>
-                <a:cs typeface="Arial"/>
+              <a:rPr dirty="0" lang="en-US" spc="-5" sz="1600">
+                <a:solidFill>
+                  <a:srgbClr val="23292d"/>
+                </a:solidFill>
+                <a:latin typeface="Arial"/>
               </a:rPr>
               <a:t>in the</a:t>
             </a:r>
             <a:r>
-              <a:rPr sz="1600" spc="25" dirty="0">
-                <a:solidFill>
-                  <a:srgbClr val="23292D"/>
-                </a:solidFill>
-                <a:latin typeface="Arial"/>
-                <a:cs typeface="Arial"/>
+              <a:rPr dirty="0" lang="en-US" spc="25" sz="1600">
+                <a:solidFill>
+                  <a:srgbClr val="23292d"/>
+                </a:solidFill>
+                <a:latin typeface="Arial"/>
               </a:rPr>
               <a:t> </a:t>
             </a:r>
             <a:r>
-              <a:rPr sz="1600" spc="-5" dirty="0">
-                <a:solidFill>
-                  <a:srgbClr val="23292D"/>
-                </a:solidFill>
-                <a:latin typeface="Arial"/>
-                <a:cs typeface="Arial"/>
+              <a:rPr dirty="0" lang="en-US" spc="-5" sz="1600">
+                <a:solidFill>
+                  <a:srgbClr val="23292d"/>
+                </a:solidFill>
+                <a:latin typeface="Arial"/>
               </a:rPr>
               <a:t>map</a:t>
             </a:r>
-            <a:endParaRPr sz="1600">
-              <a:latin typeface="Arial"/>
-              <a:cs typeface="Arial"/>
-            </a:endParaRPr>
           </a:p>
           <a:p>
             <a:pPr>
@@ -3139,10 +3367,12 @@
                 <a:spcPct val="100000"/>
               </a:lnSpc>
             </a:pPr>
-            <a:endParaRPr sz="1900">
-              <a:latin typeface="Times New Roman"/>
-              <a:cs typeface="Times New Roman"/>
-            </a:endParaRPr>
+            <a:r>
+              <a:rPr dirty="0" lang="en-US" sz="1900">
+                <a:latin typeface="Times New Roman"/>
+              </a:rPr>
+              <a:t/>
+            </a:r>
           </a:p>
           <a:p>
             <a:pPr>
@@ -3153,394 +3383,385 @@
                 <a:spcPts val="50"/>
               </a:spcBef>
             </a:pPr>
-            <a:endParaRPr sz="1750">
-              <a:latin typeface="Times New Roman"/>
-              <a:cs typeface="Times New Roman"/>
-            </a:endParaRPr>
+            <a:r>
+              <a:rPr dirty="0" lang="en-US" sz="1750">
+                <a:latin typeface="Times New Roman"/>
+              </a:rPr>
+              <a:t/>
+            </a:r>
           </a:p>
           <a:p>
             <a:pPr marL="12700" marR="117475">
               <a:lnSpc>
-                <a:spcPct val="95900"/>
+                <a:spcPct val="95000"/>
               </a:lnSpc>
             </a:pPr>
             <a:r>
-              <a:rPr sz="1600" spc="-5" dirty="0">
-                <a:solidFill>
-                  <a:srgbClr val="23292D"/>
-                </a:solidFill>
-                <a:latin typeface="Arial"/>
-                <a:cs typeface="Arial"/>
+              <a:rPr dirty="0" lang="en-US" spc="-5" sz="1600">
+                <a:solidFill>
+                  <a:srgbClr val="23292d"/>
+                </a:solidFill>
+                <a:latin typeface="Arial"/>
               </a:rPr>
               <a:t>A terrorist has all the strategies of the </a:t>
             </a:r>
             <a:r>
-              <a:rPr sz="1600" dirty="0">
-                <a:solidFill>
-                  <a:srgbClr val="23292D"/>
-                </a:solidFill>
-                <a:latin typeface="Arial"/>
-                <a:cs typeface="Arial"/>
+              <a:rPr dirty="0" lang="en-US" sz="1600">
+                <a:solidFill>
+                  <a:srgbClr val="23292d"/>
+                </a:solidFill>
+                <a:latin typeface="Arial"/>
               </a:rPr>
               <a:t>counter-terrorists, </a:t>
             </a:r>
             <a:r>
-              <a:rPr sz="1600" spc="-5" dirty="0">
-                <a:solidFill>
-                  <a:srgbClr val="23292D"/>
-                </a:solidFill>
-                <a:latin typeface="Arial"/>
-                <a:cs typeface="Arial"/>
+              <a:rPr dirty="0" lang="en-US" spc="-5" sz="1600">
+                <a:solidFill>
+                  <a:srgbClr val="23292d"/>
+                </a:solidFill>
+                <a:latin typeface="Arial"/>
               </a:rPr>
               <a:t>with one  additional strategy: </a:t>
             </a:r>
             <a:r>
-              <a:rPr sz="1600" spc="-10" dirty="0">
-                <a:solidFill>
-                  <a:srgbClr val="23292D"/>
-                </a:solidFill>
-                <a:latin typeface="Arial"/>
-                <a:cs typeface="Arial"/>
+              <a:rPr dirty="0" lang="en-US" spc="-10" sz="1600">
+                <a:solidFill>
+                  <a:srgbClr val="23292d"/>
+                </a:solidFill>
+                <a:latin typeface="Arial"/>
               </a:rPr>
               <a:t>Go </a:t>
             </a:r>
             <a:r>
-              <a:rPr sz="1600" spc="-5" dirty="0">
-                <a:solidFill>
-                  <a:srgbClr val="23292D"/>
-                </a:solidFill>
-                <a:latin typeface="Arial"/>
-                <a:cs typeface="Arial"/>
+              <a:rPr dirty="0" lang="en-US" spc="-5" sz="1600">
+                <a:solidFill>
+                  <a:srgbClr val="23292d"/>
+                </a:solidFill>
+                <a:latin typeface="Arial"/>
               </a:rPr>
               <a:t>to </a:t>
             </a:r>
             <a:r>
-              <a:rPr sz="1600" dirty="0">
-                <a:solidFill>
-                  <a:srgbClr val="23292D"/>
-                </a:solidFill>
-                <a:latin typeface="Arial"/>
-                <a:cs typeface="Arial"/>
+              <a:rPr dirty="0" lang="en-US" sz="1600">
+                <a:solidFill>
+                  <a:srgbClr val="23292d"/>
+                </a:solidFill>
+                <a:latin typeface="Arial"/>
               </a:rPr>
               <a:t>bomb. Any </a:t>
             </a:r>
             <a:r>
-              <a:rPr sz="1600" spc="-5" dirty="0">
-                <a:solidFill>
-                  <a:srgbClr val="23292D"/>
-                </a:solidFill>
-                <a:latin typeface="Arial"/>
-                <a:cs typeface="Arial"/>
-              </a:rPr>
-              <a:t>number of terrorists can  select any counter-terrorist and vice versa. A terrorist can be the  target of </a:t>
-            </a:r>
-            <a:r>
-              <a:rPr sz="1600" dirty="0">
-                <a:solidFill>
-                  <a:srgbClr val="23292D"/>
-                </a:solidFill>
-                <a:latin typeface="Arial"/>
-                <a:cs typeface="Arial"/>
+              <a:rPr dirty="0" lang="en-US" spc="-5" sz="1600">
+                <a:solidFill>
+                  <a:srgbClr val="23292d"/>
+                </a:solidFill>
+                <a:latin typeface="Arial"/>
+              </a:rPr>
+              <a:t>number of terrorists can  select any </a:t>
+            </a:r>
+            <a:r>
+              <a:rPr dirty="0" err="1" lang="en-US" spc="-5" sz="1600">
+                <a:solidFill>
+                  <a:srgbClr val="23292d"/>
+                </a:solidFill>
+                <a:latin typeface="Arial"/>
+              </a:rPr>
+              <a:t>counter-terrorist</a:t>
+            </a:r>
+            <a:r>
+              <a:rPr dirty="0" lang="en-US" spc="-5" sz="1600">
+                <a:solidFill>
+                  <a:srgbClr val="23292d"/>
+                </a:solidFill>
+                <a:latin typeface="Arial"/>
+              </a:rPr>
+              <a:t> and vice versa. A terrorist can be the  target of </a:t>
+            </a:r>
+            <a:r>
+              <a:rPr dirty="0" lang="en-US" sz="1600">
+                <a:solidFill>
+                  <a:srgbClr val="23292d"/>
+                </a:solidFill>
+                <a:latin typeface="Arial"/>
               </a:rPr>
               <a:t>any </a:t>
             </a:r>
             <a:r>
-              <a:rPr sz="1600" spc="-5" dirty="0">
-                <a:solidFill>
-                  <a:srgbClr val="23292D"/>
-                </a:solidFill>
-                <a:latin typeface="Arial"/>
-                <a:cs typeface="Arial"/>
+              <a:rPr dirty="0" lang="en-US" spc="-5" sz="1600">
+                <a:solidFill>
+                  <a:srgbClr val="23292d"/>
+                </a:solidFill>
+                <a:latin typeface="Arial"/>
               </a:rPr>
               <a:t>number of </a:t>
             </a:r>
             <a:r>
-              <a:rPr sz="1600" dirty="0">
-                <a:solidFill>
-                  <a:srgbClr val="23292D"/>
-                </a:solidFill>
-                <a:latin typeface="Arial"/>
-                <a:cs typeface="Arial"/>
-              </a:rPr>
-              <a:t>counter-terrorist </a:t>
-            </a:r>
-            <a:r>
-              <a:rPr sz="1600" spc="-5" dirty="0">
-                <a:solidFill>
-                  <a:srgbClr val="23292D"/>
-                </a:solidFill>
-                <a:latin typeface="Arial"/>
-                <a:cs typeface="Arial"/>
+              <a:rPr dirty="0" err="1" lang="en-US" sz="1600">
+                <a:solidFill>
+                  <a:srgbClr val="23292d"/>
+                </a:solidFill>
+                <a:latin typeface="Arial"/>
+              </a:rPr>
+              <a:t>counter-terrorist</a:t>
+            </a:r>
+            <a:r>
+              <a:rPr dirty="0" lang="en-US" sz="1600">
+                <a:solidFill>
+                  <a:srgbClr val="23292d"/>
+                </a:solidFill>
+                <a:latin typeface="Arial"/>
+              </a:rPr>
+              <a:t> </a:t>
+            </a:r>
+            <a:r>
+              <a:rPr dirty="0" lang="en-US" spc="-5" sz="1600">
+                <a:solidFill>
+                  <a:srgbClr val="23292d"/>
+                </a:solidFill>
+                <a:latin typeface="Arial"/>
               </a:rPr>
               <a:t>and vice versa. A bomb  may be aimed by any number of terrorists. </a:t>
             </a:r>
             <a:r>
-              <a:rPr sz="1600" dirty="0">
-                <a:solidFill>
-                  <a:srgbClr val="23292D"/>
-                </a:solidFill>
-                <a:latin typeface="Arial"/>
-                <a:cs typeface="Arial"/>
+              <a:rPr dirty="0" lang="en-US" sz="1600">
+                <a:solidFill>
+                  <a:srgbClr val="23292d"/>
+                </a:solidFill>
+                <a:latin typeface="Arial"/>
               </a:rPr>
               <a:t>The </a:t>
             </a:r>
             <a:r>
-              <a:rPr sz="1600" spc="-5" dirty="0">
-                <a:solidFill>
-                  <a:srgbClr val="23292D"/>
-                </a:solidFill>
-                <a:latin typeface="Arial"/>
-                <a:cs typeface="Arial"/>
+              <a:rPr dirty="0" lang="en-US" spc="-5" sz="1600">
+                <a:solidFill>
+                  <a:srgbClr val="23292d"/>
+                </a:solidFill>
+                <a:latin typeface="Arial"/>
               </a:rPr>
               <a:t>strategies are  constant, </a:t>
             </a:r>
             <a:r>
-              <a:rPr sz="1600" dirty="0">
-                <a:solidFill>
-                  <a:srgbClr val="23292D"/>
-                </a:solidFill>
-                <a:latin typeface="Arial"/>
-                <a:cs typeface="Arial"/>
+              <a:rPr dirty="0" lang="en-US" sz="1600">
+                <a:solidFill>
+                  <a:srgbClr val="23292d"/>
+                </a:solidFill>
+                <a:latin typeface="Arial"/>
               </a:rPr>
               <a:t>however </a:t>
             </a:r>
             <a:r>
-              <a:rPr sz="1600" spc="-5" dirty="0">
-                <a:solidFill>
-                  <a:srgbClr val="23292D"/>
-                </a:solidFill>
-                <a:latin typeface="Arial"/>
-                <a:cs typeface="Arial"/>
+              <a:rPr dirty="0" lang="en-US" spc="-5" sz="1600">
+                <a:solidFill>
+                  <a:srgbClr val="23292d"/>
+                </a:solidFill>
+                <a:latin typeface="Arial"/>
               </a:rPr>
               <a:t>the selected opponent will change as the  players move. So the nearest terrorist strategy followed by a  player will remain as it is, however the specific terrorist will  change as the terrorists move</a:t>
             </a:r>
             <a:r>
-              <a:rPr sz="1600" spc="10" dirty="0">
-                <a:solidFill>
-                  <a:srgbClr val="23292D"/>
-                </a:solidFill>
-                <a:latin typeface="Arial"/>
-                <a:cs typeface="Arial"/>
+              <a:rPr dirty="0" lang="en-US" spc="10" sz="1600">
+                <a:solidFill>
+                  <a:srgbClr val="23292d"/>
+                </a:solidFill>
+                <a:latin typeface="Arial"/>
               </a:rPr>
               <a:t> </a:t>
             </a:r>
             <a:r>
-              <a:rPr sz="1600" spc="-5" dirty="0">
-                <a:solidFill>
-                  <a:srgbClr val="23292D"/>
-                </a:solidFill>
-                <a:latin typeface="Arial"/>
-                <a:cs typeface="Arial"/>
+              <a:rPr dirty="0" lang="en-US" spc="-5" sz="1600">
+                <a:solidFill>
+                  <a:srgbClr val="23292d"/>
+                </a:solidFill>
+                <a:latin typeface="Arial"/>
               </a:rPr>
               <a:t>around.</a:t>
             </a:r>
-            <a:endParaRPr sz="1600">
-              <a:latin typeface="Arial"/>
-              <a:cs typeface="Arial"/>
-            </a:endParaRPr>
           </a:p>
           <a:p>
             <a:pPr marL="12700" marR="5080">
               <a:lnSpc>
-                <a:spcPct val="95900"/>
+                <a:spcPct val="95000"/>
               </a:lnSpc>
               <a:spcBef>
                 <a:spcPts val="1195"/>
               </a:spcBef>
             </a:pPr>
             <a:r>
-              <a:rPr sz="1600" spc="-5" dirty="0">
-                <a:solidFill>
-                  <a:srgbClr val="23292D"/>
-                </a:solidFill>
-                <a:latin typeface="Arial"/>
-                <a:cs typeface="Arial"/>
+              <a:rPr dirty="0" lang="en-US" spc="-5" sz="1600">
+                <a:solidFill>
+                  <a:srgbClr val="23292d"/>
+                </a:solidFill>
+                <a:latin typeface="Arial"/>
               </a:rPr>
               <a:t>The game </a:t>
             </a:r>
             <a:r>
-              <a:rPr sz="1600" dirty="0">
-                <a:solidFill>
-                  <a:srgbClr val="23292D"/>
-                </a:solidFill>
-                <a:latin typeface="Arial"/>
-                <a:cs typeface="Arial"/>
+              <a:rPr dirty="0" lang="en-US" sz="1600">
+                <a:solidFill>
+                  <a:srgbClr val="23292d"/>
+                </a:solidFill>
+                <a:latin typeface="Arial"/>
               </a:rPr>
               <a:t>is </a:t>
             </a:r>
             <a:r>
-              <a:rPr sz="1600" spc="-5" dirty="0">
-                <a:solidFill>
-                  <a:srgbClr val="23292D"/>
-                </a:solidFill>
-                <a:latin typeface="Arial"/>
-                <a:cs typeface="Arial"/>
+              <a:rPr dirty="0" lang="en-US" spc="-5" sz="1600">
+                <a:solidFill>
+                  <a:srgbClr val="23292d"/>
+                </a:solidFill>
+                <a:latin typeface="Arial"/>
               </a:rPr>
               <a:t>sequential in nature. </a:t>
             </a:r>
             <a:r>
-              <a:rPr sz="1600" dirty="0">
-                <a:solidFill>
-                  <a:srgbClr val="23292D"/>
-                </a:solidFill>
-                <a:latin typeface="Arial"/>
-                <a:cs typeface="Arial"/>
+              <a:rPr dirty="0" lang="en-US" sz="1600">
+                <a:solidFill>
+                  <a:srgbClr val="23292d"/>
+                </a:solidFill>
+                <a:latin typeface="Arial"/>
               </a:rPr>
               <a:t>All </a:t>
             </a:r>
             <a:r>
-              <a:rPr sz="1600" spc="-5" dirty="0">
-                <a:solidFill>
-                  <a:srgbClr val="23292D"/>
-                </a:solidFill>
-                <a:latin typeface="Arial"/>
-                <a:cs typeface="Arial"/>
+              <a:rPr dirty="0" lang="en-US" spc="-5" sz="1600">
+                <a:solidFill>
+                  <a:srgbClr val="23292d"/>
+                </a:solidFill>
+                <a:latin typeface="Arial"/>
               </a:rPr>
               <a:t>players make a move one  after the other. Hence the </a:t>
             </a:r>
             <a:r>
-              <a:rPr sz="1600" dirty="0">
-                <a:solidFill>
-                  <a:srgbClr val="23292D"/>
-                </a:solidFill>
-                <a:latin typeface="Arial"/>
-                <a:cs typeface="Arial"/>
+              <a:rPr dirty="0" lang="en-US" sz="1600">
+                <a:solidFill>
+                  <a:srgbClr val="23292d"/>
+                </a:solidFill>
+                <a:latin typeface="Arial"/>
               </a:rPr>
               <a:t>order </a:t>
             </a:r>
             <a:r>
-              <a:rPr sz="1600" spc="-5" dirty="0">
-                <a:solidFill>
-                  <a:srgbClr val="23292D"/>
-                </a:solidFill>
-                <a:latin typeface="Arial"/>
-                <a:cs typeface="Arial"/>
+              <a:rPr dirty="0" lang="en-US" spc="-5" sz="1600">
+                <a:solidFill>
+                  <a:srgbClr val="23292d"/>
+                </a:solidFill>
+                <a:latin typeface="Arial"/>
               </a:rPr>
               <a:t>in which the players move can be  critical to the game. The order </a:t>
             </a:r>
             <a:r>
-              <a:rPr sz="1600" dirty="0">
-                <a:solidFill>
-                  <a:srgbClr val="23292D"/>
-                </a:solidFill>
-                <a:latin typeface="Arial"/>
-                <a:cs typeface="Arial"/>
+              <a:rPr dirty="0" lang="en-US" sz="1600">
+                <a:solidFill>
+                  <a:srgbClr val="23292d"/>
+                </a:solidFill>
+                <a:latin typeface="Arial"/>
               </a:rPr>
               <a:t>may </a:t>
             </a:r>
             <a:r>
-              <a:rPr sz="1600" spc="-5" dirty="0">
-                <a:solidFill>
-                  <a:srgbClr val="23292D"/>
-                </a:solidFill>
-                <a:latin typeface="Arial"/>
-                <a:cs typeface="Arial"/>
+              <a:rPr dirty="0" lang="en-US" spc="-5" sz="1600">
+                <a:solidFill>
+                  <a:srgbClr val="23292d"/>
+                </a:solidFill>
+                <a:latin typeface="Arial"/>
               </a:rPr>
               <a:t>be circular (one chance to  every player in the same </a:t>
             </a:r>
             <a:r>
-              <a:rPr sz="1600" dirty="0">
-                <a:solidFill>
-                  <a:srgbClr val="23292D"/>
-                </a:solidFill>
-                <a:latin typeface="Arial"/>
-                <a:cs typeface="Arial"/>
+              <a:rPr dirty="0" lang="en-US" sz="1600">
+                <a:solidFill>
+                  <a:srgbClr val="23292d"/>
+                </a:solidFill>
+                <a:latin typeface="Arial"/>
               </a:rPr>
               <a:t>order </a:t>
             </a:r>
             <a:r>
-              <a:rPr sz="1600" spc="-5" dirty="0">
-                <a:solidFill>
-                  <a:srgbClr val="23292D"/>
-                </a:solidFill>
-                <a:latin typeface="Arial"/>
-                <a:cs typeface="Arial"/>
+              <a:rPr dirty="0" lang="en-US" spc="-5" sz="1600">
+                <a:solidFill>
+                  <a:srgbClr val="23292d"/>
+                </a:solidFill>
+                <a:latin typeface="Arial"/>
               </a:rPr>
               <a:t>by which they entered the arena),  by energy level (most fit player moves first), by success (the  player who killed the maximum opponents moves first). However,  first a terrorist moves, then a </a:t>
             </a:r>
             <a:r>
-              <a:rPr sz="1600" dirty="0">
-                <a:solidFill>
-                  <a:srgbClr val="23292D"/>
-                </a:solidFill>
-                <a:latin typeface="Arial"/>
-                <a:cs typeface="Arial"/>
+              <a:rPr dirty="0" lang="en-US" sz="1600">
+                <a:solidFill>
+                  <a:srgbClr val="23292d"/>
+                </a:solidFill>
+                <a:latin typeface="Arial"/>
               </a:rPr>
               <a:t>counter- terrorist, then </a:t>
             </a:r>
             <a:r>
-              <a:rPr sz="1600" spc="-5" dirty="0">
-                <a:solidFill>
-                  <a:srgbClr val="23292D"/>
-                </a:solidFill>
-                <a:latin typeface="Arial"/>
-                <a:cs typeface="Arial"/>
+              <a:rPr dirty="0" lang="en-US" spc="-5" sz="1600">
+                <a:solidFill>
+                  <a:srgbClr val="23292d"/>
+                </a:solidFill>
+                <a:latin typeface="Arial"/>
               </a:rPr>
               <a:t>a terrorist and  so on, </a:t>
             </a:r>
             <a:r>
-              <a:rPr sz="1600" dirty="0">
-                <a:solidFill>
-                  <a:srgbClr val="23292D"/>
-                </a:solidFill>
-                <a:latin typeface="Arial"/>
-                <a:cs typeface="Arial"/>
+              <a:rPr dirty="0" lang="en-US" sz="1600">
+                <a:solidFill>
+                  <a:srgbClr val="23292d"/>
+                </a:solidFill>
+                <a:latin typeface="Arial"/>
               </a:rPr>
               <a:t>till </a:t>
             </a:r>
             <a:r>
-              <a:rPr sz="1600" spc="-5" dirty="0">
-                <a:solidFill>
-                  <a:srgbClr val="23292D"/>
-                </a:solidFill>
-                <a:latin typeface="Arial"/>
-                <a:cs typeface="Arial"/>
+              <a:rPr dirty="0" lang="en-US" spc="-5" sz="1600">
+                <a:solidFill>
+                  <a:srgbClr val="23292d"/>
+                </a:solidFill>
+                <a:latin typeface="Arial"/>
               </a:rPr>
               <a:t>both the sets expire, and a new </a:t>
             </a:r>
             <a:r>
-              <a:rPr sz="1600" dirty="0">
-                <a:solidFill>
-                  <a:srgbClr val="23292D"/>
-                </a:solidFill>
-                <a:latin typeface="Arial"/>
-                <a:cs typeface="Arial"/>
+              <a:rPr dirty="0" lang="en-US" sz="1600">
+                <a:solidFill>
+                  <a:srgbClr val="23292d"/>
+                </a:solidFill>
+                <a:latin typeface="Arial"/>
               </a:rPr>
               <a:t>turn </a:t>
             </a:r>
             <a:r>
-              <a:rPr sz="1600" spc="-5" dirty="0">
-                <a:solidFill>
-                  <a:srgbClr val="23292D"/>
-                </a:solidFill>
-                <a:latin typeface="Arial"/>
-                <a:cs typeface="Arial"/>
+              <a:rPr dirty="0" lang="en-US" spc="-5" sz="1600">
+                <a:solidFill>
+                  <a:srgbClr val="23292d"/>
+                </a:solidFill>
+                <a:latin typeface="Arial"/>
               </a:rPr>
               <a:t>starts. There is a  single</a:t>
             </a:r>
             <a:r>
-              <a:rPr sz="1600" spc="-10" dirty="0">
-                <a:solidFill>
-                  <a:srgbClr val="23292D"/>
-                </a:solidFill>
-                <a:latin typeface="Arial"/>
-                <a:cs typeface="Arial"/>
+              <a:rPr dirty="0" lang="en-US" spc="-10" sz="1600">
+                <a:solidFill>
+                  <a:srgbClr val="23292d"/>
+                </a:solidFill>
+                <a:latin typeface="Arial"/>
               </a:rPr>
               <a:t> </a:t>
             </a:r>
             <a:r>
-              <a:rPr sz="1600" spc="-5" dirty="0">
-                <a:solidFill>
-                  <a:srgbClr val="23292D"/>
-                </a:solidFill>
-                <a:latin typeface="Arial"/>
-                <a:cs typeface="Arial"/>
+              <a:rPr dirty="0" lang="en-US" spc="-5" sz="1600">
+                <a:solidFill>
+                  <a:srgbClr val="23292d"/>
+                </a:solidFill>
+                <a:latin typeface="Arial"/>
               </a:rPr>
               <a:t>order.</a:t>
             </a:r>
-            <a:endParaRPr sz="1600">
+            <a:endParaRPr dirty="0" lang="en-US" spc="-5" sz="1600">
+              <a:solidFill>
+                <a:srgbClr val="23292d"/>
+              </a:solidFill>
               <a:latin typeface="Arial"/>
-              <a:cs typeface="Arial"/>
             </a:endParaRPr>
           </a:p>
         </p:txBody>
@@ -3554,8 +3775,8 @@
 </file>
 
 <file path=ppt/slides/slide5.xml><?xml version="1.0" encoding="utf-8"?>
-<p:sld xmlns:a="http://schemas.openxmlformats.org/drawingml/2006/main" xmlns:r="http://schemas.openxmlformats.org/officeDocument/2006/relationships" xmlns:p="http://schemas.openxmlformats.org/presentationml/2006/main" showMasterSp="0">
-  <p:cSld>
+<p:sld xmlns:a="http://schemas.openxmlformats.org/drawingml/2006/main" xmlns:c="http://schemas.openxmlformats.org/drawingml/2006/chart" xmlns:cs="http://schemas.microsoft.com/office/drawing/2012/chartStyle" xmlns:ns1="http://schemas.openxmlformats.org/officeDocument/2006/extended-properties" xmlns:p="http://schemas.openxmlformats.org/presentationml/2006/main" xmlns:r="http://schemas.openxmlformats.org/officeDocument/2006/relationships" xmlns:vt="http://schemas.openxmlformats.org/officeDocument/2006/docPropsVTypes" showMasterSp="false">
+  <p:cSld name="slide5">
     <p:spTree>
       <p:nvGrpSpPr>
         <p:cNvPr id="1" name=""/>
@@ -3573,15 +3794,15 @@
       <p:sp>
         <p:nvSpPr>
           <p:cNvPr id="2" name="object 2"/>
-          <p:cNvSpPr txBox="1">
-            <a:spLocks noGrp="1"/>
+          <p:cNvSpPr>
+            <a:spLocks noGrp="true"/>
           </p:cNvSpPr>
           <p:nvPr>
             <p:ph type="title"/>
           </p:nvPr>
         </p:nvSpPr>
         <p:spPr>
-          <a:xfrm>
+          <a:xfrm rot="0">
             <a:off x="2731135" y="1546605"/>
             <a:ext cx="2039620" cy="452120"/>
           </a:xfrm>
@@ -3590,7 +3811,7 @@
           </a:prstGeom>
         </p:spPr>
         <p:txBody>
-          <a:bodyPr vert="horz" wrap="square" lIns="0" tIns="12065" rIns="0" bIns="0" rtlCol="0">
+          <a:bodyPr bIns="0" lIns="0" rIns="0" rtlCol="0" tIns="12065" vert="horz" wrap="square">
             <a:spAutoFit/>
           </a:bodyPr>
           <a:lstStyle/>
@@ -3604,18 +3825,18 @@
               </a:spcBef>
             </a:pPr>
             <a:r>
-              <a:rPr sz="2800" spc="-5" dirty="0"/>
+              <a:rPr dirty="0" lang="en-US" spc="-5" sz="2800"/>
               <a:t>OBJEC</a:t>
             </a:r>
             <a:r>
-              <a:rPr sz="2800" dirty="0"/>
+              <a:rPr dirty="0" lang="en-US" sz="2800"/>
               <a:t>T</a:t>
             </a:r>
             <a:r>
-              <a:rPr sz="2800" spc="-5" dirty="0"/>
+              <a:rPr dirty="0" lang="en-US" spc="-5" sz="2800"/>
               <a:t>IVE</a:t>
             </a:r>
-            <a:endParaRPr sz="2800"/>
+            <a:endParaRPr dirty="0" lang="en-US" spc="-5" sz="2800"/>
           </a:p>
         </p:txBody>
       </p:sp>
@@ -3626,8 +3847,8 @@
           <p:nvPr/>
         </p:nvSpPr>
         <p:spPr>
-          <a:xfrm>
-            <a:off x="1130604" y="2745308"/>
+          <a:xfrm rot="0">
+            <a:off x="1130603" y="2745308"/>
             <a:ext cx="5514340" cy="2061210"/>
           </a:xfrm>
           <a:prstGeom prst="rect">
@@ -3635,78 +3856,69 @@
           </a:prstGeom>
         </p:spPr>
         <p:txBody>
-          <a:bodyPr vert="horz" wrap="square" lIns="0" tIns="12065" rIns="0" bIns="0" rtlCol="0">
+          <a:bodyPr bIns="0" lIns="0" rIns="0" rtlCol="0" tIns="12065" vert="horz" wrap="square">
             <a:spAutoFit/>
           </a:bodyPr>
           <a:lstStyle/>
           <a:p>
-            <a:pPr marL="12700" marR="5080" algn="just">
+            <a:pPr algn="l" marL="12700" marR="5080">
               <a:lnSpc>
-                <a:spcPct val="143600"/>
+                <a:spcPct val="143000"/>
               </a:lnSpc>
               <a:spcBef>
                 <a:spcPts val="95"/>
               </a:spcBef>
             </a:pPr>
             <a:r>
-              <a:rPr sz="1400" dirty="0">
-                <a:latin typeface="Arial"/>
-                <a:cs typeface="Arial"/>
+              <a:rPr dirty="0" lang="en-US" sz="1400">
+                <a:latin typeface="Arial"/>
               </a:rPr>
               <a:t>To </a:t>
             </a:r>
             <a:r>
-              <a:rPr sz="1400" spc="-5" dirty="0">
-                <a:latin typeface="Arial"/>
-                <a:cs typeface="Arial"/>
+              <a:rPr dirty="0" lang="en-US" spc="-5" sz="1400">
+                <a:latin typeface="Arial"/>
               </a:rPr>
               <a:t>develop </a:t>
             </a:r>
             <a:r>
-              <a:rPr sz="1400" dirty="0">
-                <a:latin typeface="Arial"/>
-                <a:cs typeface="Arial"/>
+              <a:rPr dirty="0" lang="en-US" sz="1400">
+                <a:latin typeface="Arial"/>
               </a:rPr>
               <a:t>a </a:t>
             </a:r>
             <a:r>
-              <a:rPr sz="1550" spc="-5" dirty="0">
-                <a:latin typeface="Arial"/>
-                <a:cs typeface="Arial"/>
+              <a:rPr dirty="0" lang="en-US" spc="-5" sz="1550">
+                <a:latin typeface="Arial"/>
               </a:rPr>
               <a:t>simulator </a:t>
             </a:r>
             <a:r>
-              <a:rPr sz="1550" spc="-10" dirty="0">
-                <a:latin typeface="Arial"/>
-                <a:cs typeface="Arial"/>
+              <a:rPr dirty="0" lang="en-US" spc="-10" sz="1550">
+                <a:latin typeface="Arial"/>
               </a:rPr>
               <a:t>of </a:t>
             </a:r>
             <a:r>
-              <a:rPr sz="1550" spc="-5" dirty="0">
-                <a:latin typeface="Arial"/>
-                <a:cs typeface="Arial"/>
+              <a:rPr dirty="0" lang="en-US" spc="-5" sz="1550">
+                <a:latin typeface="Arial"/>
               </a:rPr>
               <a:t>the computer game named Counter  Strike - Global Offensive using Object – Oriented –  Methodology ( O.O.M. ), to model the players, their strategies  as JAVA classes, encapsulating features and actions </a:t>
             </a:r>
             <a:r>
-              <a:rPr sz="1550" spc="20" dirty="0">
-                <a:latin typeface="Arial"/>
-                <a:cs typeface="Arial"/>
+              <a:rPr dirty="0" lang="en-US" spc="20" sz="1550">
+                <a:latin typeface="Arial"/>
               </a:rPr>
               <a:t>of  </a:t>
             </a:r>
             <a:r>
-              <a:rPr sz="1550" spc="-5" dirty="0">
-                <a:latin typeface="Arial"/>
-                <a:cs typeface="Arial"/>
+              <a:rPr dirty="0" lang="en-US" spc="-5" sz="1550">
+                <a:latin typeface="Arial"/>
               </a:rPr>
               <a:t>players as member attributes and member functions of JAVA  class respectively.</a:t>
             </a:r>
-            <a:endParaRPr sz="1550">
+            <a:endParaRPr dirty="0" lang="en-US" spc="-5" sz="1550">
               <a:latin typeface="Arial"/>
-              <a:cs typeface="Arial"/>
             </a:endParaRPr>
           </a:p>
         </p:txBody>
@@ -3720,8 +3932,8 @@
 </file>
 
 <file path=ppt/slides/slide6.xml><?xml version="1.0" encoding="utf-8"?>
-<p:sld xmlns:a="http://schemas.openxmlformats.org/drawingml/2006/main" xmlns:r="http://schemas.openxmlformats.org/officeDocument/2006/relationships" xmlns:p="http://schemas.openxmlformats.org/presentationml/2006/main" showMasterSp="0">
-  <p:cSld>
+<p:sld xmlns:a="http://schemas.openxmlformats.org/drawingml/2006/main" xmlns:c="http://schemas.openxmlformats.org/drawingml/2006/chart" xmlns:cs="http://schemas.microsoft.com/office/drawing/2012/chartStyle" xmlns:ns1="http://schemas.openxmlformats.org/officeDocument/2006/extended-properties" xmlns:p="http://schemas.openxmlformats.org/presentationml/2006/main" xmlns:r="http://schemas.openxmlformats.org/officeDocument/2006/relationships" xmlns:vt="http://schemas.openxmlformats.org/officeDocument/2006/docPropsVTypes" showMasterSp="false">
+  <p:cSld name="slide6">
     <p:spTree>
       <p:nvGrpSpPr>
         <p:cNvPr id="1" name=""/>
@@ -3743,49 +3955,54 @@
           <p:nvPr/>
         </p:nvSpPr>
         <p:spPr>
-          <a:xfrm>
+          <a:xfrm rot="0">
             <a:off x="4751707" y="4789194"/>
             <a:ext cx="2510150" cy="1440130"/>
           </a:xfrm>
           <a:prstGeom prst="rect">
             <a:avLst/>
           </a:prstGeom>
-          <a:blipFill>
-            <a:blip r:embed="rId2" cstate="print"/>
+          <a:blipFill dpi="0" rotWithShape="1">
+            <a:blip r:embed="rId2"/>
             <a:stretch>
               <a:fillRect/>
             </a:stretch>
           </a:blipFill>
         </p:spPr>
         <p:txBody>
-          <a:bodyPr wrap="square" lIns="0" tIns="0" rIns="0" bIns="0" rtlCol="0"/>
+          <a:bodyPr bIns="0" lIns="0" rIns="0" rtlCol="0" tIns="0" vert="horz" wrap="square"/>
           <a:lstStyle/>
           <a:p>
-            <a:endParaRPr/>
+            <a:pPr/>
+            <a:r>
+              <a:rPr dirty="0" lang="en-US"/>
+              <a:t/>
+            </a:r>
+            <a:endParaRPr dirty="0" lang="en-US"/>
           </a:p>
         </p:txBody>
       </p:sp>
       <p:sp>
         <p:nvSpPr>
           <p:cNvPr id="3" name="object 3"/>
-          <p:cNvSpPr txBox="1">
-            <a:spLocks noGrp="1"/>
+          <p:cNvSpPr>
+            <a:spLocks noGrp="true"/>
           </p:cNvSpPr>
           <p:nvPr>
             <p:ph type="title"/>
           </p:nvPr>
         </p:nvSpPr>
         <p:spPr>
-          <a:xfrm>
+          <a:xfrm rot="0">
             <a:off x="2121154" y="880618"/>
-            <a:ext cx="4100829" cy="444500"/>
+            <a:ext cx="4100829" cy="444499"/>
           </a:xfrm>
           <a:prstGeom prst="rect">
             <a:avLst/>
           </a:prstGeom>
         </p:spPr>
         <p:txBody>
-          <a:bodyPr vert="horz" wrap="square" lIns="0" tIns="12065" rIns="0" bIns="0" rtlCol="0">
+          <a:bodyPr bIns="0" lIns="0" rIns="0" rtlCol="0" tIns="12065" vert="horz" wrap="square">
             <a:spAutoFit/>
           </a:bodyPr>
           <a:lstStyle/>
@@ -3799,17 +4016,18 @@
               </a:spcBef>
             </a:pPr>
             <a:r>
-              <a:rPr spc="-5" dirty="0"/>
+              <a:rPr dirty="0" lang="en-US" spc="-5"/>
               <a:t>PROPOSED</a:t>
             </a:r>
             <a:r>
-              <a:rPr spc="-30" dirty="0"/>
+              <a:rPr dirty="0" lang="en-US" spc="-30"/>
               <a:t> </a:t>
             </a:r>
             <a:r>
-              <a:rPr spc="-5" dirty="0"/>
+              <a:rPr dirty="0" lang="en-US" spc="-5"/>
               <a:t>APPROACH</a:t>
             </a:r>
+            <a:endParaRPr dirty="0" lang="en-US" spc="-5"/>
           </a:p>
         </p:txBody>
       </p:sp>
@@ -3820,95 +4038,82 @@
           <p:nvPr/>
         </p:nvSpPr>
         <p:spPr>
-          <a:xfrm>
+          <a:xfrm rot="0">
             <a:off x="902004" y="1948636"/>
-            <a:ext cx="5803265" cy="1891030"/>
+            <a:ext cx="5803264" cy="1891030"/>
           </a:xfrm>
           <a:prstGeom prst="rect">
             <a:avLst/>
           </a:prstGeom>
         </p:spPr>
         <p:txBody>
-          <a:bodyPr vert="horz" wrap="square" lIns="0" tIns="12700" rIns="0" bIns="0" rtlCol="0">
+          <a:bodyPr bIns="0" lIns="0" rIns="0" rtlCol="0" tIns="12700" vert="horz" wrap="square">
             <a:spAutoFit/>
           </a:bodyPr>
           <a:lstStyle/>
           <a:p>
-            <a:pPr marL="12700" marR="5080" algn="just">
+            <a:pPr algn="l" marL="12700" marR="5080">
               <a:lnSpc>
-                <a:spcPct val="143900"/>
+                <a:spcPct val="143000"/>
               </a:lnSpc>
               <a:spcBef>
                 <a:spcPts val="100"/>
               </a:spcBef>
             </a:pPr>
             <a:r>
-              <a:rPr sz="1550" spc="-5" dirty="0">
-                <a:latin typeface="Arial"/>
-                <a:cs typeface="Arial"/>
+              <a:rPr dirty="0" lang="en-US" spc="-5" sz="1550">
+                <a:latin typeface="Arial"/>
               </a:rPr>
               <a:t>Use Object – Oriented – Methodology ( O.O.M. ), to model </a:t>
             </a:r>
             <a:r>
-              <a:rPr sz="1550" spc="-10" dirty="0">
-                <a:latin typeface="Arial"/>
-                <a:cs typeface="Arial"/>
+              <a:rPr dirty="0" lang="en-US" spc="-10" sz="1550">
+                <a:latin typeface="Arial"/>
               </a:rPr>
               <a:t>the  </a:t>
             </a:r>
             <a:r>
-              <a:rPr sz="1550" spc="-5" dirty="0">
-                <a:latin typeface="Arial"/>
-                <a:cs typeface="Arial"/>
+              <a:rPr dirty="0" lang="en-US" spc="-5" sz="1550">
+                <a:latin typeface="Arial"/>
               </a:rPr>
               <a:t>players, </a:t>
             </a:r>
             <a:r>
-              <a:rPr sz="1550" dirty="0">
-                <a:latin typeface="Arial"/>
-                <a:cs typeface="Arial"/>
+              <a:rPr dirty="0" lang="en-US" sz="1550">
+                <a:latin typeface="Arial"/>
               </a:rPr>
               <a:t>their </a:t>
             </a:r>
             <a:r>
-              <a:rPr sz="1550" spc="-5" dirty="0">
-                <a:latin typeface="Arial"/>
-                <a:cs typeface="Arial"/>
+              <a:rPr dirty="0" lang="en-US" spc="-5" sz="1550">
+                <a:latin typeface="Arial"/>
               </a:rPr>
               <a:t>strategies as JAVA classes, encapsulating features  and actions of </a:t>
             </a:r>
             <a:r>
-              <a:rPr sz="1550" dirty="0">
-                <a:latin typeface="Arial"/>
-                <a:cs typeface="Arial"/>
+              <a:rPr dirty="0" lang="en-US" sz="1550">
+                <a:latin typeface="Arial"/>
               </a:rPr>
               <a:t>players </a:t>
             </a:r>
             <a:r>
-              <a:rPr sz="1550" spc="-5" dirty="0">
-                <a:latin typeface="Arial"/>
-                <a:cs typeface="Arial"/>
+              <a:rPr dirty="0" lang="en-US" spc="-5" sz="1550">
+                <a:latin typeface="Arial"/>
               </a:rPr>
               <a:t>as member attributes and member  functions of JAVA class</a:t>
             </a:r>
             <a:r>
-              <a:rPr sz="1550" spc="5" dirty="0">
-                <a:latin typeface="Arial"/>
-                <a:cs typeface="Arial"/>
+              <a:rPr dirty="0" lang="en-US" spc="5" sz="1550">
+                <a:latin typeface="Arial"/>
               </a:rPr>
               <a:t> </a:t>
             </a:r>
             <a:r>
-              <a:rPr sz="1550" spc="-5" dirty="0">
-                <a:latin typeface="Arial"/>
-                <a:cs typeface="Arial"/>
+              <a:rPr dirty="0" lang="en-US" spc="-5" sz="1550">
+                <a:latin typeface="Arial"/>
               </a:rPr>
               <a:t>respectively.</a:t>
             </a:r>
-            <a:endParaRPr sz="1550">
-              <a:latin typeface="Arial"/>
-              <a:cs typeface="Arial"/>
-            </a:endParaRPr>
           </a:p>
           <a:p>
             <a:pPr>
@@ -3919,13 +4124,15 @@
                 <a:spcPts val="45"/>
               </a:spcBef>
             </a:pPr>
-            <a:endParaRPr sz="1750">
-              <a:latin typeface="Times New Roman"/>
-              <a:cs typeface="Times New Roman"/>
-            </a:endParaRPr>
-          </a:p>
-          <a:p>
-            <a:pPr marL="12700" algn="just">
+            <a:r>
+              <a:rPr dirty="0" lang="en-US" sz="1750">
+                <a:latin typeface="Times New Roman"/>
+              </a:rPr>
+              <a:t/>
+            </a:r>
+          </a:p>
+          <a:p>
+            <a:pPr algn="l" marL="12700">
               <a:lnSpc>
                 <a:spcPct val="100000"/>
               </a:lnSpc>
@@ -3934,15 +4141,13 @@
               </a:spcBef>
             </a:pPr>
             <a:r>
-              <a:rPr sz="1600" b="1" spc="-5" dirty="0">
-                <a:latin typeface="Arial"/>
-                <a:cs typeface="Arial"/>
+              <a:rPr b="1" dirty="0" err="1" lang="en-US" spc="-5" sz="1600">
+                <a:latin typeface="Arial"/>
               </a:rPr>
               <a:t>AIMove</a:t>
             </a:r>
-            <a:endParaRPr sz="1600">
+            <a:endParaRPr b="1" dirty="0" err="1" lang="en-US" spc="-5" sz="1600">
               <a:latin typeface="Arial"/>
-              <a:cs typeface="Arial"/>
             </a:endParaRPr>
           </a:p>
         </p:txBody>
@@ -3954,7 +4159,7 @@
           <p:nvPr/>
         </p:nvSpPr>
         <p:spPr>
-          <a:xfrm>
+          <a:xfrm rot="0">
             <a:off x="902004" y="4035679"/>
             <a:ext cx="5772150" cy="1354455"/>
           </a:xfrm>
@@ -3963,241 +4168,211 @@
           </a:prstGeom>
         </p:spPr>
         <p:txBody>
-          <a:bodyPr vert="horz" wrap="square" lIns="0" tIns="29844" rIns="0" bIns="0" rtlCol="0">
+          <a:bodyPr bIns="0" lIns="0" rIns="0" rtlCol="0" tIns="29844" vert="horz" wrap="square">
             <a:spAutoFit/>
           </a:bodyPr>
           <a:lstStyle/>
           <a:p>
             <a:pPr marL="12700" marR="5080">
               <a:lnSpc>
-                <a:spcPct val="92800"/>
+                <a:spcPct val="92000"/>
               </a:lnSpc>
               <a:spcBef>
-                <a:spcPts val="234"/>
+                <a:spcPts val="233"/>
               </a:spcBef>
             </a:pPr>
             <a:r>
-              <a:rPr sz="1600" spc="-5" dirty="0">
-                <a:latin typeface="Arial"/>
-                <a:cs typeface="Arial"/>
+              <a:rPr dirty="0" lang="en-US" spc="-5" sz="1600">
+                <a:latin typeface="Arial"/>
               </a:rPr>
               <a:t>Every player has a position </a:t>
             </a:r>
             <a:r>
-              <a:rPr sz="1600" dirty="0">
-                <a:latin typeface="Arial"/>
-                <a:cs typeface="Arial"/>
+              <a:rPr dirty="0" lang="en-US" sz="1600">
+                <a:latin typeface="Arial"/>
               </a:rPr>
               <a:t>in </a:t>
             </a:r>
             <a:r>
-              <a:rPr sz="1600" spc="-5" dirty="0">
-                <a:latin typeface="Arial"/>
-                <a:cs typeface="Arial"/>
+              <a:rPr dirty="0" lang="en-US" spc="-5" sz="1600">
+                <a:latin typeface="Arial"/>
               </a:rPr>
               <a:t>X axis, a position </a:t>
             </a:r>
             <a:r>
-              <a:rPr sz="1600" dirty="0">
-                <a:latin typeface="Arial"/>
-                <a:cs typeface="Arial"/>
+              <a:rPr dirty="0" lang="en-US" sz="1600">
+                <a:latin typeface="Arial"/>
               </a:rPr>
               <a:t>in </a:t>
             </a:r>
             <a:r>
-              <a:rPr sz="1600" spc="-5" dirty="0">
-                <a:latin typeface="Arial"/>
-                <a:cs typeface="Arial"/>
+              <a:rPr dirty="0" lang="en-US" spc="-5" sz="1600">
+                <a:latin typeface="Arial"/>
               </a:rPr>
               <a:t>Y axis and an  orientation. The orientation </a:t>
             </a:r>
             <a:r>
-              <a:rPr sz="1600" dirty="0">
-                <a:latin typeface="Arial"/>
-                <a:cs typeface="Arial"/>
+              <a:rPr dirty="0" lang="en-US" sz="1600">
+                <a:latin typeface="Arial"/>
               </a:rPr>
               <a:t>is </a:t>
             </a:r>
             <a:r>
-              <a:rPr sz="1600" spc="-5" dirty="0">
-                <a:latin typeface="Arial"/>
-                <a:cs typeface="Arial"/>
+              <a:rPr dirty="0" lang="en-US" spc="-5" sz="1600">
+                <a:latin typeface="Arial"/>
               </a:rPr>
               <a:t>an angle state governs where the  </a:t>
             </a:r>
             <a:r>
-              <a:rPr sz="1600" spc="-10" dirty="0">
-                <a:latin typeface="Arial"/>
-                <a:cs typeface="Arial"/>
+              <a:rPr dirty="0" lang="en-US" spc="-10" sz="1600">
+                <a:latin typeface="Arial"/>
               </a:rPr>
               <a:t>person </a:t>
             </a:r>
             <a:r>
-              <a:rPr sz="1600" spc="-5" dirty="0">
-                <a:latin typeface="Arial"/>
-                <a:cs typeface="Arial"/>
+              <a:rPr dirty="0" lang="en-US" spc="-5" sz="1600">
+                <a:latin typeface="Arial"/>
               </a:rPr>
               <a:t>is looking at</a:t>
             </a:r>
             <a:r>
-              <a:rPr sz="1600" spc="5" dirty="0">
-                <a:latin typeface="Arial"/>
-                <a:cs typeface="Arial"/>
+              <a:rPr dirty="0" lang="en-US" spc="5" sz="1600">
+                <a:latin typeface="Arial"/>
               </a:rPr>
               <a:t> </a:t>
             </a:r>
             <a:r>
-              <a:rPr sz="1600" spc="-5" dirty="0">
-                <a:latin typeface="Arial"/>
-                <a:cs typeface="Arial"/>
-              </a:rPr>
-              <a:t>(θ).</a:t>
-            </a:r>
-            <a:endParaRPr sz="1600">
-              <a:latin typeface="Arial"/>
-              <a:cs typeface="Arial"/>
-            </a:endParaRPr>
-          </a:p>
-          <a:p>
-            <a:pPr marL="12700" marR="2159635">
+              <a:rPr dirty="0" lang="en-US" spc="-5" sz="1600">
+                <a:latin typeface="Arial"/>
+              </a:rPr>
+              <a:t>(</a:t>
+            </a:r>
+            <a:r>
+              <a:rPr dirty="0" err="1" lang="en-US" spc="-5" sz="1600">
+                <a:latin typeface="Arial"/>
+              </a:rPr>
+              <a:t>θ</a:t>
+            </a:r>
+            <a:r>
+              <a:rPr dirty="0" lang="en-US" spc="-5" sz="1600">
+                <a:latin typeface="Arial"/>
+              </a:rPr>
+              <a:t>).</a:t>
+            </a:r>
+          </a:p>
+          <a:p>
+            <a:pPr marL="12700" marR="2159634">
               <a:lnSpc>
                 <a:spcPts val="1780"/>
               </a:lnSpc>
               <a:spcBef>
                 <a:spcPts val="1460"/>
               </a:spcBef>
-              <a:tabLst>
-                <a:tab pos="496570" algn="l"/>
-                <a:tab pos="1184910" algn="l"/>
-                <a:tab pos="1469390" algn="l"/>
-                <a:tab pos="2259965" algn="l"/>
-                <a:tab pos="2564765" algn="l"/>
-                <a:tab pos="2813050" algn="l"/>
-                <a:tab pos="3501390" algn="l"/>
-              </a:tabLst>
             </a:pPr>
             <a:r>
-              <a:rPr sz="1600" spc="-5" dirty="0">
-                <a:latin typeface="Arial"/>
-                <a:cs typeface="Arial"/>
+              <a:rPr dirty="0" lang="en-US" spc="-5" sz="1600">
+                <a:latin typeface="Arial"/>
               </a:rPr>
               <a:t>Suppose the current position is S(x,y).  The</a:t>
             </a:r>
             <a:r>
-              <a:rPr sz="1600" dirty="0">
-                <a:latin typeface="Arial"/>
-                <a:cs typeface="Arial"/>
-              </a:rPr>
-              <a:t>	</a:t>
-            </a:r>
-            <a:r>
-              <a:rPr sz="1600" spc="-5" dirty="0">
-                <a:latin typeface="Arial"/>
-                <a:cs typeface="Arial"/>
+              <a:rPr dirty="0" lang="en-US" sz="1600">
+                <a:latin typeface="Arial"/>
+              </a:rPr>
+              <a:t/>
+            </a:r>
+            <a:r>
+              <a:rPr dirty="0" lang="en-US" spc="-5" sz="1600">
+                <a:latin typeface="Arial"/>
               </a:rPr>
               <a:t>player</a:t>
             </a:r>
             <a:r>
-              <a:rPr sz="1600" dirty="0">
-                <a:latin typeface="Arial"/>
-                <a:cs typeface="Arial"/>
-              </a:rPr>
-              <a:t>	</a:t>
-            </a:r>
-            <a:r>
-              <a:rPr sz="1600" spc="-5" dirty="0">
-                <a:latin typeface="Arial"/>
-                <a:cs typeface="Arial"/>
+              <a:rPr dirty="0" lang="en-US" sz="1600">
+                <a:latin typeface="Arial"/>
+              </a:rPr>
+              <a:t/>
+            </a:r>
+            <a:r>
+              <a:rPr dirty="0" lang="en-US" spc="-5" sz="1600">
+                <a:latin typeface="Arial"/>
               </a:rPr>
               <a:t>is</a:t>
             </a:r>
             <a:r>
-              <a:rPr sz="1600" dirty="0">
-                <a:latin typeface="Arial"/>
-                <a:cs typeface="Arial"/>
-              </a:rPr>
-              <a:t>	</a:t>
-            </a:r>
-            <a:r>
-              <a:rPr sz="1600" spc="-5" dirty="0">
-                <a:latin typeface="Arial"/>
-                <a:cs typeface="Arial"/>
+              <a:rPr dirty="0" lang="en-US" sz="1600">
+                <a:latin typeface="Arial"/>
+              </a:rPr>
+              <a:t/>
+            </a:r>
+            <a:r>
+              <a:rPr dirty="0" lang="en-US" spc="-5" sz="1600">
+                <a:latin typeface="Arial"/>
               </a:rPr>
               <a:t>mo</a:t>
             </a:r>
             <a:r>
-              <a:rPr sz="1600" dirty="0">
-                <a:latin typeface="Arial"/>
-                <a:cs typeface="Arial"/>
+              <a:rPr dirty="0" lang="en-US" sz="1600">
+                <a:latin typeface="Arial"/>
               </a:rPr>
               <a:t>v</a:t>
             </a:r>
             <a:r>
-              <a:rPr sz="1600" spc="-5" dirty="0">
-                <a:latin typeface="Arial"/>
-                <a:cs typeface="Arial"/>
+              <a:rPr dirty="0" lang="en-US" spc="-5" sz="1600">
+                <a:latin typeface="Arial"/>
               </a:rPr>
               <a:t>ing</a:t>
             </a:r>
             <a:r>
-              <a:rPr sz="1600" dirty="0">
-                <a:latin typeface="Arial"/>
-                <a:cs typeface="Arial"/>
-              </a:rPr>
-              <a:t>	</a:t>
-            </a:r>
-            <a:r>
-              <a:rPr sz="1600" spc="-5" dirty="0">
-                <a:latin typeface="Arial"/>
-                <a:cs typeface="Arial"/>
+              <a:rPr dirty="0" lang="en-US" sz="1600">
+                <a:latin typeface="Arial"/>
+              </a:rPr>
+              <a:t/>
+            </a:r>
+            <a:r>
+              <a:rPr dirty="0" lang="en-US" spc="-5" sz="1600">
+                <a:latin typeface="Arial"/>
               </a:rPr>
               <a:t>at</a:t>
             </a:r>
             <a:r>
-              <a:rPr sz="1600" dirty="0">
-                <a:latin typeface="Arial"/>
-                <a:cs typeface="Arial"/>
-              </a:rPr>
-              <a:t>	</a:t>
-            </a:r>
-            <a:r>
-              <a:rPr sz="1600" spc="-5" dirty="0">
-                <a:latin typeface="Arial"/>
-                <a:cs typeface="Arial"/>
+              <a:rPr dirty="0" lang="en-US" sz="1600">
+                <a:latin typeface="Arial"/>
+              </a:rPr>
+              <a:t/>
+            </a:r>
+            <a:r>
+              <a:rPr dirty="0" lang="en-US" spc="-5" sz="1600">
+                <a:latin typeface="Arial"/>
               </a:rPr>
               <a:t>a</a:t>
             </a:r>
             <a:r>
-              <a:rPr sz="1600" dirty="0">
-                <a:latin typeface="Arial"/>
-                <a:cs typeface="Arial"/>
-              </a:rPr>
-              <a:t>	</a:t>
-            </a:r>
-            <a:r>
-              <a:rPr sz="1600" spc="-5" dirty="0">
-                <a:latin typeface="Arial"/>
-                <a:cs typeface="Arial"/>
+              <a:rPr dirty="0" lang="en-US" sz="1600">
+                <a:latin typeface="Arial"/>
+              </a:rPr>
+              <a:t/>
+            </a:r>
+            <a:r>
+              <a:rPr dirty="0" lang="en-US" spc="-5" sz="1600">
+                <a:latin typeface="Arial"/>
               </a:rPr>
               <a:t>speed</a:t>
             </a:r>
             <a:r>
-              <a:rPr sz="1600" dirty="0">
-                <a:latin typeface="Arial"/>
-                <a:cs typeface="Arial"/>
-              </a:rPr>
-              <a:t>	</a:t>
-            </a:r>
-            <a:r>
-              <a:rPr sz="1600" spc="-5" dirty="0">
-                <a:latin typeface="Arial"/>
-                <a:cs typeface="Arial"/>
+              <a:rPr dirty="0" lang="en-US" sz="1600">
+                <a:latin typeface="Arial"/>
+              </a:rPr>
+              <a:t/>
+            </a:r>
+            <a:r>
+              <a:rPr dirty="0" lang="en-US" spc="-5" sz="1600">
+                <a:latin typeface="Arial"/>
               </a:rPr>
               <a:t>s</a:t>
             </a:r>
-            <a:endParaRPr sz="1600">
+            <a:endParaRPr dirty="0" lang="en-US" spc="-5" sz="1600">
               <a:latin typeface="Arial"/>
-              <a:cs typeface="Arial"/>
             </a:endParaRPr>
           </a:p>
         </p:txBody>
@@ -4209,7 +4384,7 @@
           <p:nvPr/>
         </p:nvSpPr>
         <p:spPr>
-          <a:xfrm>
+          <a:xfrm rot="0">
             <a:off x="902004" y="5572125"/>
             <a:ext cx="3617595" cy="2773045"/>
           </a:xfrm>
@@ -4218,7 +4393,7 @@
           </a:prstGeom>
         </p:spPr>
         <p:txBody>
-          <a:bodyPr vert="horz" wrap="square" lIns="0" tIns="34290" rIns="0" bIns="0" rtlCol="0">
+          <a:bodyPr bIns="0" lIns="0" rIns="0" rtlCol="0" tIns="34290" vert="horz" wrap="square">
             <a:spAutoFit/>
           </a:bodyPr>
           <a:lstStyle/>
@@ -4232,30 +4407,23 @@
               </a:spcBef>
             </a:pPr>
             <a:r>
-              <a:rPr sz="1600" spc="-5" dirty="0">
-                <a:latin typeface="Arial"/>
-                <a:cs typeface="Arial"/>
+              <a:rPr dirty="0" lang="en-US" spc="-5" sz="1600">
+                <a:latin typeface="Arial"/>
               </a:rPr>
               <a:t>position at the </a:t>
             </a:r>
             <a:r>
-              <a:rPr sz="1600" spc="-10" dirty="0">
-                <a:latin typeface="Arial"/>
-                <a:cs typeface="Arial"/>
+              <a:rPr dirty="0" lang="en-US" spc="-10" sz="1600">
+                <a:latin typeface="Arial"/>
               </a:rPr>
               <a:t>next </a:t>
             </a:r>
             <a:r>
-              <a:rPr sz="1600" spc="-5" dirty="0">
-                <a:latin typeface="Arial"/>
-                <a:cs typeface="Arial"/>
+              <a:rPr dirty="0" lang="en-US" spc="-5" sz="1600">
+                <a:latin typeface="Arial"/>
               </a:rPr>
               <a:t>time step is given  by:</a:t>
             </a:r>
-            <a:endParaRPr sz="1600">
-              <a:latin typeface="Arial"/>
-              <a:cs typeface="Arial"/>
-            </a:endParaRPr>
           </a:p>
           <a:p>
             <a:pPr marL="12700" marR="605790">
@@ -4267,135 +4435,231 @@
               </a:spcBef>
             </a:pPr>
             <a:r>
-              <a:rPr sz="1600" spc="-5" dirty="0">
-                <a:latin typeface="Arial"/>
-                <a:cs typeface="Arial"/>
-              </a:rPr>
-              <a:t>(x’,y’)=(x,y)+s(gx-x,gy-y)/sqrt((gx-  x)</a:t>
-            </a:r>
-            <a:r>
-              <a:rPr sz="1575" spc="-7" baseline="29100" dirty="0">
-                <a:latin typeface="Arial"/>
-                <a:cs typeface="Arial"/>
+              <a:rPr dirty="0" lang="en-US" spc="-5" sz="1600">
+                <a:latin typeface="Arial"/>
+              </a:rPr>
+              <a:t>(x’,y’)=(x,y)+s(</a:t>
+            </a:r>
+            <a:r>
+              <a:rPr dirty="0" err="1" lang="en-US" spc="-5" sz="1600">
+                <a:latin typeface="Arial"/>
+              </a:rPr>
+              <a:t>gx</a:t>
+            </a:r>
+            <a:r>
+              <a:rPr dirty="0" lang="en-US" spc="-5" sz="1600">
+                <a:latin typeface="Arial"/>
+              </a:rPr>
+              <a:t>-x,</a:t>
+            </a:r>
+            <a:r>
+              <a:rPr dirty="0" err="1" lang="en-US" spc="-5" sz="1600">
+                <a:latin typeface="Arial"/>
+              </a:rPr>
+              <a:t>gy</a:t>
+            </a:r>
+            <a:r>
+              <a:rPr dirty="0" lang="en-US" spc="-5" sz="1600">
+                <a:latin typeface="Arial"/>
+              </a:rPr>
+              <a:t>-y)/sqrt((</a:t>
+            </a:r>
+            <a:r>
+              <a:rPr dirty="0" err="1" lang="en-US" spc="-5" sz="1600">
+                <a:latin typeface="Arial"/>
+              </a:rPr>
+              <a:t>gx</a:t>
+            </a:r>
+            <a:r>
+              <a:rPr dirty="0" lang="en-US" spc="-5" sz="1600">
+                <a:latin typeface="Arial"/>
+              </a:rPr>
+              <a:t>-  x)</a:t>
+            </a:r>
+            <a:r>
+              <a:rPr baseline="29100" dirty="0" lang="en-US" spc="-7" sz="1575">
+                <a:latin typeface="Arial"/>
               </a:rPr>
               <a:t>2</a:t>
             </a:r>
             <a:r>
-              <a:rPr sz="1600" spc="-5" dirty="0">
-                <a:latin typeface="Arial"/>
-                <a:cs typeface="Arial"/>
-              </a:rPr>
-              <a:t>+(gy-y)</a:t>
-            </a:r>
-            <a:r>
-              <a:rPr sz="1575" spc="-7" baseline="29100" dirty="0">
-                <a:latin typeface="Arial"/>
-                <a:cs typeface="Arial"/>
+              <a:rPr dirty="0" lang="en-US" spc="-5" sz="1600">
+                <a:latin typeface="Arial"/>
+              </a:rPr>
+              <a:t>+(</a:t>
+            </a:r>
+            <a:r>
+              <a:rPr dirty="0" err="1" lang="en-US" spc="-5" sz="1600">
+                <a:latin typeface="Arial"/>
+              </a:rPr>
+              <a:t>gy</a:t>
+            </a:r>
+            <a:r>
+              <a:rPr dirty="0" lang="en-US" spc="-5" sz="1600">
+                <a:latin typeface="Arial"/>
+              </a:rPr>
+              <a:t>-y)</a:t>
+            </a:r>
+            <a:r>
+              <a:rPr baseline="29100" dirty="0" lang="en-US" spc="-7" sz="1575">
+                <a:latin typeface="Arial"/>
               </a:rPr>
               <a:t>2</a:t>
             </a:r>
             <a:r>
-              <a:rPr sz="1600" spc="-5" dirty="0">
-                <a:latin typeface="Arial"/>
-                <a:cs typeface="Arial"/>
+              <a:rPr dirty="0" lang="en-US" spc="-5" sz="1600">
+                <a:latin typeface="Arial"/>
               </a:rPr>
               <a:t>)</a:t>
             </a:r>
-            <a:endParaRPr sz="1600">
-              <a:latin typeface="Arial"/>
-              <a:cs typeface="Arial"/>
-            </a:endParaRPr>
           </a:p>
           <a:p>
             <a:pPr marL="12700" marR="784225">
               <a:lnSpc>
-                <a:spcPct val="89100"/>
+                <a:spcPct val="89000"/>
               </a:lnSpc>
               <a:spcBef>
                 <a:spcPts val="969"/>
               </a:spcBef>
             </a:pPr>
             <a:r>
-              <a:rPr sz="1600" spc="-5" dirty="0">
-                <a:latin typeface="Arial"/>
-                <a:cs typeface="Arial"/>
+              <a:rPr dirty="0" lang="en-US" spc="-5" sz="1600">
+                <a:latin typeface="Arial"/>
               </a:rPr>
               <a:t>The proof </a:t>
             </a:r>
             <a:r>
-              <a:rPr sz="1600" dirty="0">
-                <a:latin typeface="Arial"/>
-                <a:cs typeface="Arial"/>
+              <a:rPr dirty="0" lang="en-US" sz="1600">
+                <a:latin typeface="Arial"/>
               </a:rPr>
               <a:t>is </a:t>
             </a:r>
             <a:r>
-              <a:rPr sz="1600" spc="-5" dirty="0">
-                <a:latin typeface="Arial"/>
-                <a:cs typeface="Arial"/>
+              <a:rPr dirty="0" lang="en-US" spc="-5" sz="1600">
+                <a:latin typeface="Arial"/>
               </a:rPr>
               <a:t>simple. Consider  the vector G-S, </a:t>
             </a:r>
             <a:r>
-              <a:rPr sz="1600" dirty="0">
-                <a:latin typeface="Arial"/>
-                <a:cs typeface="Arial"/>
+              <a:rPr dirty="0" lang="en-US" sz="1600">
+                <a:latin typeface="Arial"/>
               </a:rPr>
               <a:t>that is </a:t>
             </a:r>
             <a:r>
-              <a:rPr sz="1600" spc="-5" dirty="0">
-                <a:latin typeface="Arial"/>
-                <a:cs typeface="Arial"/>
-              </a:rPr>
-              <a:t>(gx-x,gy-  y). A unit vector in the same  direction </a:t>
-            </a:r>
-            <a:r>
-              <a:rPr sz="1600" dirty="0">
-                <a:latin typeface="Arial"/>
-                <a:cs typeface="Arial"/>
+              <a:rPr dirty="0" lang="en-US" spc="-5" sz="1600">
+                <a:latin typeface="Arial"/>
+              </a:rPr>
+              <a:t>(</a:t>
+            </a:r>
+            <a:r>
+              <a:rPr dirty="0" err="1" lang="en-US" spc="-5" sz="1600">
+                <a:latin typeface="Arial"/>
+              </a:rPr>
+              <a:t>gx</a:t>
+            </a:r>
+            <a:r>
+              <a:rPr dirty="0" lang="en-US" spc="-5" sz="1600">
+                <a:latin typeface="Arial"/>
+              </a:rPr>
+              <a:t>-x,</a:t>
+            </a:r>
+            <a:r>
+              <a:rPr dirty="0" err="1" lang="en-US" spc="-5" sz="1600">
+                <a:latin typeface="Arial"/>
+              </a:rPr>
+              <a:t>gy</a:t>
+            </a:r>
+            <a:r>
+              <a:rPr dirty="0" lang="en-US" spc="-5" sz="1600">
+                <a:latin typeface="Arial"/>
+              </a:rPr>
+              <a:t>-  y). A unit vector in the same  direction </a:t>
+            </a:r>
+            <a:r>
+              <a:rPr dirty="0" lang="en-US" sz="1600">
+                <a:latin typeface="Arial"/>
               </a:rPr>
               <a:t>is </a:t>
             </a:r>
             <a:r>
-              <a:rPr sz="1600" spc="-5" dirty="0">
-                <a:latin typeface="Arial"/>
-                <a:cs typeface="Arial"/>
-              </a:rPr>
-              <a:t>(gx-x,gy-y)/sqrt((gx-  x)</a:t>
-            </a:r>
-            <a:r>
-              <a:rPr sz="1575" spc="-7" baseline="29100" dirty="0">
-                <a:latin typeface="Arial"/>
-                <a:cs typeface="Arial"/>
+              <a:rPr dirty="0" lang="en-US" spc="-5" sz="1600">
+                <a:latin typeface="Arial"/>
+              </a:rPr>
+              <a:t>(</a:t>
+            </a:r>
+            <a:r>
+              <a:rPr dirty="0" err="1" lang="en-US" spc="-5" sz="1600">
+                <a:latin typeface="Arial"/>
+              </a:rPr>
+              <a:t>gx</a:t>
+            </a:r>
+            <a:r>
+              <a:rPr dirty="0" lang="en-US" spc="-5" sz="1600">
+                <a:latin typeface="Arial"/>
+              </a:rPr>
+              <a:t>-x,</a:t>
+            </a:r>
+            <a:r>
+              <a:rPr dirty="0" err="1" lang="en-US" spc="-5" sz="1600">
+                <a:latin typeface="Arial"/>
+              </a:rPr>
+              <a:t>gy</a:t>
+            </a:r>
+            <a:r>
+              <a:rPr dirty="0" lang="en-US" spc="-5" sz="1600">
+                <a:latin typeface="Arial"/>
+              </a:rPr>
+              <a:t>-y)/sqrt((</a:t>
+            </a:r>
+            <a:r>
+              <a:rPr dirty="0" err="1" lang="en-US" spc="-5" sz="1600">
+                <a:latin typeface="Arial"/>
+              </a:rPr>
+              <a:t>gx</a:t>
+            </a:r>
+            <a:r>
+              <a:rPr dirty="0" lang="en-US" spc="-5" sz="1600">
+                <a:latin typeface="Arial"/>
+              </a:rPr>
+              <a:t>-  x)</a:t>
+            </a:r>
+            <a:r>
+              <a:rPr baseline="29100" dirty="0" lang="en-US" spc="-7" sz="1575">
+                <a:latin typeface="Arial"/>
               </a:rPr>
               <a:t>2</a:t>
             </a:r>
             <a:r>
-              <a:rPr sz="1600" spc="-5" dirty="0">
-                <a:latin typeface="Arial"/>
-                <a:cs typeface="Arial"/>
-              </a:rPr>
-              <a:t>+(gy-y)</a:t>
-            </a:r>
-            <a:r>
-              <a:rPr sz="1575" spc="-7" baseline="29100" dirty="0">
-                <a:latin typeface="Arial"/>
-                <a:cs typeface="Arial"/>
+              <a:rPr dirty="0" lang="en-US" spc="-5" sz="1600">
+                <a:latin typeface="Arial"/>
+              </a:rPr>
+              <a:t>+(</a:t>
+            </a:r>
+            <a:r>
+              <a:rPr dirty="0" err="1" lang="en-US" spc="-5" sz="1600">
+                <a:latin typeface="Arial"/>
+              </a:rPr>
+              <a:t>gy</a:t>
+            </a:r>
+            <a:r>
+              <a:rPr dirty="0" lang="en-US" spc="-5" sz="1600">
+                <a:latin typeface="Arial"/>
+              </a:rPr>
+              <a:t>-y)</a:t>
+            </a:r>
+            <a:r>
+              <a:rPr baseline="29100" dirty="0" lang="en-US" spc="-7" sz="1575">
+                <a:latin typeface="Arial"/>
               </a:rPr>
               <a:t>2</a:t>
             </a:r>
             <a:r>
-              <a:rPr sz="1600" spc="-5" dirty="0">
-                <a:latin typeface="Arial"/>
-                <a:cs typeface="Arial"/>
+              <a:rPr dirty="0" lang="en-US" spc="-5" sz="1600">
+                <a:latin typeface="Arial"/>
               </a:rPr>
               <a:t>),</a:t>
             </a:r>
-            <a:endParaRPr sz="1600">
-              <a:latin typeface="Arial"/>
-              <a:cs typeface="Arial"/>
-            </a:endParaRPr>
           </a:p>
           <a:p>
             <a:pPr marL="12700" marR="109220">
@@ -4407,29 +4671,25 @@
               </a:spcBef>
             </a:pPr>
             <a:r>
-              <a:rPr sz="1600" spc="-5" dirty="0">
-                <a:latin typeface="Arial"/>
-                <a:cs typeface="Arial"/>
+              <a:rPr dirty="0" lang="en-US" spc="-5" sz="1600">
+                <a:latin typeface="Arial"/>
               </a:rPr>
               <a:t>while a vector at a distance of s from S  is given by the</a:t>
             </a:r>
             <a:r>
-              <a:rPr sz="1600" spc="5" dirty="0">
-                <a:latin typeface="Arial"/>
-                <a:cs typeface="Arial"/>
+              <a:rPr dirty="0" lang="en-US" spc="5" sz="1600">
+                <a:latin typeface="Arial"/>
               </a:rPr>
               <a:t> </a:t>
             </a:r>
             <a:r>
-              <a:rPr sz="1600" spc="-5" dirty="0">
-                <a:latin typeface="Arial"/>
-                <a:cs typeface="Arial"/>
+              <a:rPr dirty="0" lang="en-US" spc="-5" sz="1600">
+                <a:latin typeface="Arial"/>
               </a:rPr>
               <a:t>formula.</a:t>
             </a:r>
-            <a:endParaRPr sz="1600">
+            <a:endParaRPr dirty="0" lang="en-US" spc="-5" sz="1600">
               <a:latin typeface="Arial"/>
-              <a:cs typeface="Arial"/>
             </a:endParaRPr>
           </a:p>
         </p:txBody>
@@ -4441,7 +4701,7 @@
           <p:nvPr/>
         </p:nvSpPr>
         <p:spPr>
-          <a:xfrm>
+          <a:xfrm rot="0">
             <a:off x="902004" y="5346573"/>
             <a:ext cx="3898265" cy="269240"/>
           </a:xfrm>
@@ -4450,7 +4710,7 @@
           </a:prstGeom>
         </p:spPr>
         <p:txBody>
-          <a:bodyPr vert="horz" wrap="square" lIns="0" tIns="12065" rIns="0" bIns="0" rtlCol="0">
+          <a:bodyPr bIns="0" lIns="0" rIns="0" rtlCol="0" tIns="12065" vert="horz" wrap="square">
             <a:spAutoFit/>
           </a:bodyPr>
           <a:lstStyle/>
@@ -4462,52 +4722,63 @@
               <a:spcBef>
                 <a:spcPts val="95"/>
               </a:spcBef>
-              <a:tabLst>
-                <a:tab pos="928369" algn="l"/>
-                <a:tab pos="1247775" algn="l"/>
-                <a:tab pos="1838325" algn="l"/>
-                <a:tab pos="2213610" algn="l"/>
-                <a:tab pos="3255010" algn="l"/>
-              </a:tabLst>
             </a:pPr>
             <a:r>
-              <a:rPr sz="1600" spc="-5" dirty="0">
-                <a:latin typeface="Arial"/>
-                <a:cs typeface="Arial"/>
-              </a:rPr>
-              <a:t>towards	a	</a:t>
-            </a:r>
-            <a:r>
-              <a:rPr sz="1600" dirty="0">
-                <a:latin typeface="Arial"/>
-                <a:cs typeface="Arial"/>
-              </a:rPr>
-              <a:t>goal	</a:t>
-            </a:r>
-            <a:r>
-              <a:rPr sz="1600" spc="-5" dirty="0">
-                <a:latin typeface="Arial"/>
-                <a:cs typeface="Arial"/>
-              </a:rPr>
-              <a:t>at	G(gx,gy).	The</a:t>
-            </a:r>
-            <a:r>
-              <a:rPr sz="1600" dirty="0">
-                <a:latin typeface="Arial"/>
-                <a:cs typeface="Arial"/>
+              <a:rPr dirty="0" lang="en-US" spc="-5" sz="1600">
+                <a:latin typeface="Arial"/>
+              </a:rPr>
+              <a:t>towardsa</a:t>
+            </a:r>
+            <a:r>
+              <a:rPr dirty="0" lang="en-US" sz="1600">
+                <a:latin typeface="Arial"/>
+              </a:rPr>
+              <a:t>goal</a:t>
+            </a:r>
+            <a:r>
+              <a:rPr dirty="0" lang="en-US" spc="-5" sz="1600">
+                <a:latin typeface="Arial"/>
+              </a:rPr>
+              <a:t>atG(</a:t>
+            </a:r>
+            <a:r>
+              <a:rPr dirty="0" err="1" lang="en-US" spc="-5" sz="1600">
+                <a:latin typeface="Arial"/>
+              </a:rPr>
+              <a:t>gx</a:t>
+            </a:r>
+            <a:r>
+              <a:rPr dirty="0" lang="en-US" spc="-5" sz="1600">
+                <a:latin typeface="Arial"/>
+              </a:rPr>
+              <a:t>,</a:t>
+            </a:r>
+            <a:r>
+              <a:rPr dirty="0" err="1" lang="en-US" spc="-5" sz="1600">
+                <a:latin typeface="Arial"/>
+              </a:rPr>
+              <a:t>gy</a:t>
+            </a:r>
+            <a:r>
+              <a:rPr dirty="0" lang="en-US" spc="-5" sz="1600">
+                <a:latin typeface="Arial"/>
+              </a:rPr>
+              <a:t>).The</a:t>
+            </a:r>
+            <a:r>
+              <a:rPr dirty="0" lang="en-US" sz="1600">
+                <a:latin typeface="Arial"/>
               </a:rPr>
               <a:t> </a:t>
             </a:r>
             <a:r>
-              <a:rPr sz="2400" spc="-7" baseline="-38194" dirty="0">
-                <a:latin typeface="Arial"/>
-                <a:cs typeface="Arial"/>
+              <a:rPr baseline="-38194" dirty="0" err="1" lang="en-US" spc="-7" sz="2400">
+                <a:latin typeface="Arial"/>
               </a:rPr>
               <a:t>gy</a:t>
             </a:r>
-            <a:endParaRPr sz="2400" baseline="-38194">
+            <a:endParaRPr baseline="-38194" dirty="0" err="1" lang="en-US" spc="-7" sz="2400">
               <a:latin typeface="Arial"/>
-              <a:cs typeface="Arial"/>
             </a:endParaRPr>
           </a:p>
         </p:txBody>
@@ -4519,7 +4790,7 @@
           <p:nvPr/>
         </p:nvSpPr>
         <p:spPr>
-          <a:xfrm>
+          <a:xfrm rot="0">
             <a:off x="6236970" y="5253609"/>
             <a:ext cx="151130" cy="269240"/>
           </a:xfrm>
@@ -4528,7 +4799,7 @@
           </a:prstGeom>
         </p:spPr>
         <p:txBody>
-          <a:bodyPr vert="horz" wrap="square" lIns="0" tIns="12065" rIns="0" bIns="0" rtlCol="0">
+          <a:bodyPr bIns="0" lIns="0" rIns="0" rtlCol="0" tIns="12065" vert="horz" wrap="square">
             <a:spAutoFit/>
           </a:bodyPr>
           <a:lstStyle/>
@@ -4542,15 +4813,13 @@
               </a:spcBef>
             </a:pPr>
             <a:r>
-              <a:rPr sz="1600" spc="-260" dirty="0">
-                <a:latin typeface="Arial"/>
-                <a:cs typeface="Arial"/>
+              <a:rPr dirty="0" lang="en-US" spc="-260" sz="1600">
+                <a:latin typeface="Arial"/>
               </a:rPr>
               <a:t>G</a:t>
             </a:r>
-            <a:endParaRPr sz="1600">
+            <a:endParaRPr dirty="0" lang="en-US" spc="-260" sz="1600">
               <a:latin typeface="Arial"/>
-              <a:cs typeface="Arial"/>
             </a:endParaRPr>
           </a:p>
         </p:txBody>
@@ -4562,8 +4831,8 @@
           <p:nvPr/>
         </p:nvSpPr>
         <p:spPr>
-          <a:xfrm>
-            <a:off x="4636389" y="5721477"/>
+          <a:xfrm rot="0">
+            <a:off x="4636388" y="5721476"/>
             <a:ext cx="127000" cy="269240"/>
           </a:xfrm>
           <a:prstGeom prst="rect">
@@ -4571,7 +4840,7 @@
           </a:prstGeom>
         </p:spPr>
         <p:txBody>
-          <a:bodyPr vert="horz" wrap="square" lIns="0" tIns="12065" rIns="0" bIns="0" rtlCol="0">
+          <a:bodyPr bIns="0" lIns="0" rIns="0" rtlCol="0" tIns="12065" vert="horz" wrap="square">
             <a:spAutoFit/>
           </a:bodyPr>
           <a:lstStyle/>
@@ -4585,15 +4854,13 @@
               </a:spcBef>
             </a:pPr>
             <a:r>
-              <a:rPr sz="1600" spc="-5" dirty="0">
-                <a:latin typeface="Arial"/>
-                <a:cs typeface="Arial"/>
+              <a:rPr dirty="0" lang="en-US" spc="-5" sz="1600">
+                <a:latin typeface="Arial"/>
               </a:rPr>
               <a:t>y</a:t>
             </a:r>
-            <a:endParaRPr sz="1600">
+            <a:endParaRPr dirty="0" lang="en-US" spc="-5" sz="1600">
               <a:latin typeface="Arial"/>
-              <a:cs typeface="Arial"/>
             </a:endParaRPr>
           </a:p>
         </p:txBody>
@@ -4605,8 +4872,8 @@
           <p:nvPr/>
         </p:nvSpPr>
         <p:spPr>
-          <a:xfrm>
-            <a:off x="5309996" y="5965317"/>
+          <a:xfrm rot="0">
+            <a:off x="5309995" y="5965316"/>
             <a:ext cx="160655" cy="269240"/>
           </a:xfrm>
           <a:prstGeom prst="rect">
@@ -4614,7 +4881,7 @@
           </a:prstGeom>
         </p:spPr>
         <p:txBody>
-          <a:bodyPr vert="horz" wrap="square" lIns="0" tIns="12065" rIns="0" bIns="0" rtlCol="0">
+          <a:bodyPr bIns="0" lIns="0" rIns="0" rtlCol="0" tIns="12065" vert="horz" wrap="square">
             <a:spAutoFit/>
           </a:bodyPr>
           <a:lstStyle/>
@@ -4628,15 +4895,13 @@
               </a:spcBef>
             </a:pPr>
             <a:r>
-              <a:rPr sz="1600" spc="-5" dirty="0">
-                <a:latin typeface="Arial"/>
-                <a:cs typeface="Arial"/>
+              <a:rPr dirty="0" lang="en-US" spc="-5" sz="1600">
+                <a:latin typeface="Arial"/>
               </a:rPr>
               <a:t>S</a:t>
             </a:r>
-            <a:endParaRPr sz="1600">
+            <a:endParaRPr dirty="0" lang="en-US" spc="-5" sz="1600">
               <a:latin typeface="Arial"/>
-              <a:cs typeface="Arial"/>
             </a:endParaRPr>
           </a:p>
         </p:txBody>
@@ -4648,7 +4913,7 @@
           <p:nvPr/>
         </p:nvSpPr>
         <p:spPr>
-          <a:xfrm>
+          <a:xfrm rot="0">
             <a:off x="5524880" y="6478904"/>
             <a:ext cx="127000" cy="269240"/>
           </a:xfrm>
@@ -4657,7 +4922,7 @@
           </a:prstGeom>
         </p:spPr>
         <p:txBody>
-          <a:bodyPr vert="horz" wrap="square" lIns="0" tIns="12065" rIns="0" bIns="0" rtlCol="0">
+          <a:bodyPr bIns="0" lIns="0" rIns="0" rtlCol="0" tIns="12065" vert="horz" wrap="square">
             <a:spAutoFit/>
           </a:bodyPr>
           <a:lstStyle/>
@@ -4671,15 +4936,13 @@
               </a:spcBef>
             </a:pPr>
             <a:r>
-              <a:rPr sz="1600" spc="-5" dirty="0">
-                <a:latin typeface="Arial"/>
-                <a:cs typeface="Arial"/>
+              <a:rPr dirty="0" lang="en-US" spc="-5" sz="1600">
+                <a:latin typeface="Arial"/>
               </a:rPr>
               <a:t>x</a:t>
             </a:r>
-            <a:endParaRPr sz="1600">
+            <a:endParaRPr dirty="0" lang="en-US" spc="-5" sz="1600">
               <a:latin typeface="Arial"/>
-              <a:cs typeface="Arial"/>
             </a:endParaRPr>
           </a:p>
         </p:txBody>
@@ -4691,8 +4954,8 @@
           <p:nvPr/>
         </p:nvSpPr>
         <p:spPr>
-          <a:xfrm>
-            <a:off x="6174485" y="6244209"/>
+          <a:xfrm rot="0">
+            <a:off x="6174485" y="6244208"/>
             <a:ext cx="138430" cy="503555"/>
           </a:xfrm>
           <a:prstGeom prst="rect">
@@ -4700,7 +4963,7 @@
           </a:prstGeom>
         </p:spPr>
         <p:txBody>
-          <a:bodyPr vert="horz" wrap="square" lIns="0" tIns="27305" rIns="0" bIns="0" rtlCol="0">
+          <a:bodyPr bIns="0" lIns="0" rIns="0" rtlCol="0" tIns="27305" vert="horz" wrap="square">
             <a:spAutoFit/>
           </a:bodyPr>
           <a:lstStyle/>
@@ -4710,19 +4973,17 @@
                 <a:spcPts val="1850"/>
               </a:lnSpc>
               <a:spcBef>
-                <a:spcPts val="215"/>
+                <a:spcPts val="214"/>
               </a:spcBef>
             </a:pPr>
             <a:r>
-              <a:rPr sz="1600" spc="-5" dirty="0">
-                <a:latin typeface="Arial"/>
-                <a:cs typeface="Arial"/>
+              <a:rPr dirty="0" lang="en-US" spc="-5" sz="1600">
+                <a:latin typeface="Arial"/>
               </a:rPr>
               <a:t>g  x</a:t>
             </a:r>
-            <a:endParaRPr sz="1600">
+            <a:endParaRPr dirty="0" lang="en-US" spc="-5" sz="1600">
               <a:latin typeface="Arial"/>
-              <a:cs typeface="Arial"/>
             </a:endParaRPr>
           </a:p>
         </p:txBody>
@@ -4736,8 +4997,8 @@
 </file>
 
 <file path=ppt/slides/slide7.xml><?xml version="1.0" encoding="utf-8"?>
-<p:sld xmlns:a="http://schemas.openxmlformats.org/drawingml/2006/main" xmlns:r="http://schemas.openxmlformats.org/officeDocument/2006/relationships" xmlns:p="http://schemas.openxmlformats.org/presentationml/2006/main" showMasterSp="0">
-  <p:cSld>
+<p:sld xmlns:a="http://schemas.openxmlformats.org/drawingml/2006/main" xmlns:c="http://schemas.openxmlformats.org/drawingml/2006/chart" xmlns:cs="http://schemas.microsoft.com/office/drawing/2012/chartStyle" xmlns:ns1="http://schemas.openxmlformats.org/officeDocument/2006/extended-properties" xmlns:p="http://schemas.openxmlformats.org/presentationml/2006/main" xmlns:r="http://schemas.openxmlformats.org/officeDocument/2006/relationships" xmlns:vt="http://schemas.openxmlformats.org/officeDocument/2006/docPropsVTypes" showMasterSp="false">
+  <p:cSld name="slide7">
     <p:spTree>
       <p:nvGrpSpPr>
         <p:cNvPr id="1" name=""/>
@@ -4759,25 +5020,30 @@
           <p:nvPr/>
         </p:nvSpPr>
         <p:spPr>
-          <a:xfrm>
+          <a:xfrm rot="0">
             <a:off x="1285242" y="3143250"/>
             <a:ext cx="2510150" cy="1447800"/>
           </a:xfrm>
           <a:prstGeom prst="rect">
             <a:avLst/>
           </a:prstGeom>
-          <a:blipFill>
-            <a:blip r:embed="rId2" cstate="print"/>
+          <a:blipFill dpi="0" rotWithShape="1">
+            <a:blip r:embed="rId2"/>
             <a:stretch>
               <a:fillRect/>
             </a:stretch>
           </a:blipFill>
         </p:spPr>
         <p:txBody>
-          <a:bodyPr wrap="square" lIns="0" tIns="0" rIns="0" bIns="0" rtlCol="0"/>
+          <a:bodyPr bIns="0" lIns="0" rIns="0" rtlCol="0" tIns="0" vert="horz" wrap="square"/>
           <a:lstStyle/>
           <a:p>
-            <a:endParaRPr/>
+            <a:pPr/>
+            <a:r>
+              <a:rPr dirty="0" lang="en-US"/>
+              <a:t/>
+            </a:r>
+            <a:endParaRPr dirty="0" lang="en-US"/>
           </a:p>
         </p:txBody>
       </p:sp>
@@ -4788,25 +5054,30 @@
           <p:nvPr/>
         </p:nvSpPr>
         <p:spPr>
-          <a:xfrm>
+          <a:xfrm rot="0">
             <a:off x="4556127" y="4547259"/>
             <a:ext cx="2510150" cy="1440130"/>
           </a:xfrm>
           <a:prstGeom prst="rect">
             <a:avLst/>
           </a:prstGeom>
-          <a:blipFill>
-            <a:blip r:embed="rId3" cstate="print"/>
+          <a:blipFill dpi="0" rotWithShape="1">
+            <a:blip r:embed="rId3"/>
             <a:stretch>
               <a:fillRect/>
             </a:stretch>
           </a:blipFill>
         </p:spPr>
         <p:txBody>
-          <a:bodyPr wrap="square" lIns="0" tIns="0" rIns="0" bIns="0" rtlCol="0"/>
+          <a:bodyPr bIns="0" lIns="0" rIns="0" rtlCol="0" tIns="0" vert="horz" wrap="square"/>
           <a:lstStyle/>
           <a:p>
-            <a:endParaRPr/>
+            <a:pPr/>
+            <a:r>
+              <a:rPr dirty="0" lang="en-US"/>
+              <a:t/>
+            </a:r>
+            <a:endParaRPr dirty="0" lang="en-US"/>
           </a:p>
         </p:txBody>
       </p:sp>
@@ -4817,7 +5088,7 @@
           <p:nvPr/>
         </p:nvSpPr>
         <p:spPr>
-          <a:xfrm>
+          <a:xfrm rot="0">
             <a:off x="902004" y="1157986"/>
             <a:ext cx="5821680" cy="1879600"/>
           </a:xfrm>
@@ -4826,7 +5097,7 @@
           </a:prstGeom>
         </p:spPr>
         <p:txBody>
-          <a:bodyPr vert="horz" wrap="square" lIns="0" tIns="12065" rIns="0" bIns="0" rtlCol="0">
+          <a:bodyPr bIns="0" lIns="0" rIns="0" rtlCol="0" tIns="12065" vert="horz" wrap="square">
             <a:spAutoFit/>
           </a:bodyPr>
           <a:lstStyle/>
@@ -4840,16 +5111,11 @@
               </a:spcBef>
             </a:pPr>
             <a:r>
-              <a:rPr sz="1600" b="1" spc="-5" dirty="0">
-                <a:latin typeface="Arial"/>
-                <a:cs typeface="Arial"/>
+              <a:rPr b="1" dirty="0" lang="en-US" spc="-5" sz="1600">
+                <a:latin typeface="Arial"/>
               </a:rPr>
               <a:t>site()</a:t>
             </a:r>
-            <a:endParaRPr sz="1600">
-              <a:latin typeface="Arial"/>
-              <a:cs typeface="Arial"/>
-            </a:endParaRPr>
           </a:p>
           <a:p>
             <a:pPr>
@@ -4860,10 +5126,12 @@
                 <a:spcPts val="25"/>
               </a:spcBef>
             </a:pPr>
-            <a:endParaRPr sz="1650">
-              <a:latin typeface="Times New Roman"/>
-              <a:cs typeface="Times New Roman"/>
-            </a:endParaRPr>
+            <a:r>
+              <a:rPr dirty="0" lang="en-US" sz="1650">
+                <a:latin typeface="Times New Roman"/>
+              </a:rPr>
+              <a:t/>
+            </a:r>
           </a:p>
           <a:p>
             <a:pPr marL="12700" marR="5080">
@@ -4872,162 +5140,229 @@
               </a:lnSpc>
             </a:pPr>
             <a:r>
-              <a:rPr sz="1600" spc="-5" dirty="0">
-                <a:latin typeface="Arial"/>
-                <a:cs typeface="Arial"/>
+              <a:rPr dirty="0" lang="en-US" spc="-5" sz="1600">
+                <a:latin typeface="Arial"/>
               </a:rPr>
               <a:t>The function </a:t>
             </a:r>
             <a:r>
-              <a:rPr sz="1600" dirty="0">
-                <a:latin typeface="Arial"/>
-                <a:cs typeface="Arial"/>
+              <a:rPr dirty="0" lang="en-US" sz="1600">
+                <a:latin typeface="Arial"/>
               </a:rPr>
               <a:t>checks </a:t>
             </a:r>
             <a:r>
-              <a:rPr sz="1600" spc="-5" dirty="0">
-                <a:latin typeface="Arial"/>
-                <a:cs typeface="Arial"/>
-              </a:rPr>
-              <a:t>if two players are in line of sight to each  other. Assume each player can see α radians around the current  orientation (θ). The </a:t>
-            </a:r>
-            <a:r>
-              <a:rPr sz="1600" spc="-10" dirty="0">
-                <a:latin typeface="Arial"/>
-                <a:cs typeface="Arial"/>
+              <a:rPr dirty="0" lang="en-US" spc="-5" sz="1600">
+                <a:latin typeface="Arial"/>
+              </a:rPr>
+              <a:t>if two players are in line of sight to each  other. Assume each player can see </a:t>
+            </a:r>
+            <a:r>
+              <a:rPr dirty="0" err="1" lang="en-US" spc="-5" sz="1600">
+                <a:latin typeface="Arial"/>
+              </a:rPr>
+              <a:t>α</a:t>
+            </a:r>
+            <a:r>
+              <a:rPr dirty="0" lang="en-US" spc="-5" sz="1600">
+                <a:latin typeface="Arial"/>
+              </a:rPr>
+              <a:t> radians around the current  orientation (</a:t>
+            </a:r>
+            <a:r>
+              <a:rPr dirty="0" err="1" lang="en-US" spc="-5" sz="1600">
+                <a:latin typeface="Arial"/>
+              </a:rPr>
+              <a:t>θ</a:t>
+            </a:r>
+            <a:r>
+              <a:rPr dirty="0" lang="en-US" spc="-5" sz="1600">
+                <a:latin typeface="Arial"/>
+              </a:rPr>
+              <a:t>). The </a:t>
+            </a:r>
+            <a:r>
+              <a:rPr dirty="0" lang="en-US" spc="-10" sz="1600">
+                <a:latin typeface="Arial"/>
               </a:rPr>
               <a:t>person </a:t>
             </a:r>
             <a:r>
-              <a:rPr sz="1600" dirty="0">
-                <a:latin typeface="Arial"/>
-                <a:cs typeface="Arial"/>
+              <a:rPr dirty="0" lang="en-US" sz="1600">
+                <a:latin typeface="Arial"/>
               </a:rPr>
               <a:t>is </a:t>
             </a:r>
             <a:r>
-              <a:rPr sz="1600" spc="-5" dirty="0">
-                <a:latin typeface="Arial"/>
-                <a:cs typeface="Arial"/>
+              <a:rPr dirty="0" lang="en-US" spc="-5" sz="1600">
+                <a:latin typeface="Arial"/>
               </a:rPr>
               <a:t>facing at an angle </a:t>
             </a:r>
             <a:r>
-              <a:rPr sz="1600" dirty="0">
-                <a:latin typeface="Arial"/>
-                <a:cs typeface="Arial"/>
+              <a:rPr dirty="0" lang="en-US" sz="1600">
+                <a:latin typeface="Arial"/>
               </a:rPr>
               <a:t>of </a:t>
             </a:r>
             <a:r>
-              <a:rPr sz="1600" spc="-5" dirty="0">
-                <a:latin typeface="Arial"/>
-                <a:cs typeface="Arial"/>
-              </a:rPr>
-              <a:t>θ, while </a:t>
-            </a:r>
-            <a:r>
-              <a:rPr sz="1600" spc="-10" dirty="0">
-                <a:latin typeface="Arial"/>
-                <a:cs typeface="Arial"/>
+              <a:rPr dirty="0" err="1" lang="en-US" spc="-5" sz="1600">
+                <a:latin typeface="Arial"/>
+              </a:rPr>
+              <a:t>θ</a:t>
+            </a:r>
+            <a:r>
+              <a:rPr dirty="0" lang="en-US" spc="-5" sz="1600">
+                <a:latin typeface="Arial"/>
+              </a:rPr>
+              <a:t>, while </a:t>
+            </a:r>
+            <a:r>
+              <a:rPr dirty="0" lang="en-US" spc="-10" sz="1600">
+                <a:latin typeface="Arial"/>
               </a:rPr>
               <a:t>can  </a:t>
             </a:r>
             <a:r>
-              <a:rPr sz="1600" spc="-5" dirty="0">
-                <a:latin typeface="Arial"/>
-                <a:cs typeface="Arial"/>
+              <a:rPr dirty="0" lang="en-US" spc="-5" sz="1600">
+                <a:latin typeface="Arial"/>
               </a:rPr>
               <a:t>look </a:t>
             </a:r>
             <a:r>
-              <a:rPr sz="1600" spc="-10" dirty="0">
-                <a:latin typeface="Arial"/>
-                <a:cs typeface="Arial"/>
+              <a:rPr dirty="0" lang="en-US" spc="-10" sz="1600">
+                <a:latin typeface="Arial"/>
               </a:rPr>
               <a:t>around </a:t>
             </a:r>
             <a:r>
-              <a:rPr sz="1600" spc="-5" dirty="0">
-                <a:latin typeface="Arial"/>
-                <a:cs typeface="Arial"/>
-              </a:rPr>
-              <a:t>the angle of ± α from the </a:t>
-            </a:r>
-            <a:r>
-              <a:rPr sz="1600" spc="-10" dirty="0">
-                <a:latin typeface="Arial"/>
-                <a:cs typeface="Arial"/>
+              <a:rPr dirty="0" lang="en-US" spc="-5" sz="1600">
+                <a:latin typeface="Arial"/>
+              </a:rPr>
+              <a:t>the angle of </a:t>
+            </a:r>
+            <a:r>
+              <a:rPr dirty="0" err="1" lang="en-US" spc="-5" sz="1600">
+                <a:latin typeface="Arial"/>
+              </a:rPr>
+              <a:t>±</a:t>
+            </a:r>
+            <a:r>
+              <a:rPr dirty="0" lang="en-US" spc="-5" sz="1600">
+                <a:latin typeface="Arial"/>
+              </a:rPr>
+              <a:t> </a:t>
+            </a:r>
+            <a:r>
+              <a:rPr dirty="0" err="1" lang="en-US" spc="-5" sz="1600">
+                <a:latin typeface="Arial"/>
+              </a:rPr>
+              <a:t>α</a:t>
+            </a:r>
+            <a:r>
+              <a:rPr dirty="0" lang="en-US" spc="-5" sz="1600">
+                <a:latin typeface="Arial"/>
+              </a:rPr>
+              <a:t> from the </a:t>
+            </a:r>
+            <a:r>
+              <a:rPr dirty="0" lang="en-US" spc="-10" sz="1600">
+                <a:latin typeface="Arial"/>
               </a:rPr>
               <a:t>current </a:t>
             </a:r>
             <a:r>
-              <a:rPr sz="1600" spc="-5" dirty="0">
-                <a:latin typeface="Arial"/>
-                <a:cs typeface="Arial"/>
-              </a:rPr>
-              <a:t>orientation. The  angle α </a:t>
-            </a:r>
-            <a:r>
-              <a:rPr sz="1600" dirty="0">
-                <a:latin typeface="Arial"/>
-                <a:cs typeface="Arial"/>
+              <a:rPr dirty="0" lang="en-US" spc="-5" sz="1600">
+                <a:latin typeface="Arial"/>
+              </a:rPr>
+              <a:t>orientation. The  angle </a:t>
+            </a:r>
+            <a:r>
+              <a:rPr dirty="0" err="1" lang="en-US" spc="-5" sz="1600">
+                <a:latin typeface="Arial"/>
+              </a:rPr>
+              <a:t>α</a:t>
+            </a:r>
+            <a:r>
+              <a:rPr dirty="0" lang="en-US" spc="-5" sz="1600">
+                <a:latin typeface="Arial"/>
+              </a:rPr>
+              <a:t> </a:t>
+            </a:r>
+            <a:r>
+              <a:rPr dirty="0" lang="en-US" sz="1600">
+                <a:latin typeface="Arial"/>
               </a:rPr>
               <a:t>is </a:t>
             </a:r>
             <a:r>
-              <a:rPr sz="1600" spc="-5" dirty="0">
-                <a:latin typeface="Arial"/>
-                <a:cs typeface="Arial"/>
+              <a:rPr dirty="0" lang="en-US" spc="-5" sz="1600">
+                <a:latin typeface="Arial"/>
               </a:rPr>
               <a:t>different for different players. The angular range </a:t>
             </a:r>
             <a:r>
-              <a:rPr sz="1600" spc="-10" dirty="0">
-                <a:latin typeface="Arial"/>
-                <a:cs typeface="Arial"/>
+              <a:rPr dirty="0" lang="en-US" spc="-10" sz="1600">
+                <a:latin typeface="Arial"/>
               </a:rPr>
               <a:t>of  </a:t>
             </a:r>
             <a:r>
-              <a:rPr sz="1600" spc="-5" dirty="0">
-                <a:latin typeface="Arial"/>
-                <a:cs typeface="Arial"/>
+              <a:rPr dirty="0" lang="en-US" spc="-5" sz="1600">
+                <a:latin typeface="Arial"/>
               </a:rPr>
               <a:t>view of the person is hence in the range </a:t>
             </a:r>
             <a:r>
-              <a:rPr sz="1600" spc="10" dirty="0">
-                <a:latin typeface="Arial"/>
-                <a:cs typeface="Arial"/>
+              <a:rPr dirty="0" lang="en-US" spc="10" sz="1600">
+                <a:latin typeface="Arial"/>
               </a:rPr>
               <a:t>θ- </a:t>
             </a:r>
             <a:r>
-              <a:rPr sz="1600" spc="-5" dirty="0">
-                <a:latin typeface="Arial"/>
-                <a:cs typeface="Arial"/>
-              </a:rPr>
-              <a:t>α to</a:t>
-            </a:r>
-            <a:r>
-              <a:rPr sz="1600" spc="-10" dirty="0">
-                <a:latin typeface="Arial"/>
-                <a:cs typeface="Arial"/>
+              <a:rPr dirty="0" err="1" lang="en-US" spc="-5" sz="1600">
+                <a:latin typeface="Arial"/>
+              </a:rPr>
+              <a:t>α</a:t>
+            </a:r>
+            <a:r>
+              <a:rPr dirty="0" lang="en-US" spc="-5" sz="1600">
+                <a:latin typeface="Arial"/>
+              </a:rPr>
+              <a:t> to</a:t>
+            </a:r>
+            <a:r>
+              <a:rPr dirty="0" lang="en-US" spc="-10" sz="1600">
+                <a:latin typeface="Arial"/>
               </a:rPr>
               <a:t> </a:t>
             </a:r>
             <a:r>
-              <a:rPr sz="1600" spc="-5" dirty="0">
-                <a:latin typeface="Arial"/>
-                <a:cs typeface="Arial"/>
-              </a:rPr>
-              <a:t>θ+α.</a:t>
-            </a:r>
-            <a:endParaRPr sz="1600">
+              <a:rPr dirty="0" err="1" lang="en-US" spc="-5" sz="1600">
+                <a:latin typeface="Arial"/>
+              </a:rPr>
+              <a:t>θ</a:t>
+            </a:r>
+            <a:r>
+              <a:rPr dirty="0" lang="en-US" spc="-5" sz="1600">
+                <a:latin typeface="Arial"/>
+              </a:rPr>
+              <a:t>+</a:t>
+            </a:r>
+            <a:r>
+              <a:rPr dirty="0" err="1" lang="en-US" spc="-5" sz="1600">
+                <a:latin typeface="Arial"/>
+              </a:rPr>
+              <a:t>α</a:t>
+            </a:r>
+            <a:r>
+              <a:rPr dirty="0" lang="en-US" spc="-5" sz="1600">
+                <a:latin typeface="Arial"/>
+              </a:rPr>
+              <a:t>.</a:t>
+            </a:r>
+            <a:endParaRPr dirty="0" lang="en-US" spc="-5" sz="1600">
               <a:latin typeface="Arial"/>
-              <a:cs typeface="Arial"/>
             </a:endParaRPr>
           </a:p>
         </p:txBody>
@@ -5036,19 +5371,19 @@
         <p:nvGraphicFramePr>
           <p:cNvPr id="5" name="object 5"/>
           <p:cNvGraphicFramePr>
-            <a:graphicFrameLocks noGrp="1"/>
+            <a:graphicFrameLocks noGrp="true"/>
           </p:cNvGraphicFramePr>
           <p:nvPr/>
         </p:nvGraphicFramePr>
-        <p:xfrm>
+        <p:xfrm rot="0">
           <a:off x="1054404" y="3250715"/>
           <a:ext cx="5848984" cy="2921631"/>
         </p:xfrm>
         <a:graphic>
           <a:graphicData uri="http://schemas.openxmlformats.org/drawingml/2006/table">
             <a:tbl>
-              <a:tblPr firstRow="1" bandRow="1">
-                <a:tableStyleId>{2D5ABB26-0587-4C30-8999-92F81FD0307C}</a:tableStyleId>
+              <a:tblPr bandRow="1" firstRow="1">
+                <a:tableStyleId>{f328b5bd-d085-4511-870e-5b251578b7b9}</a:tableStyleId>
               </a:tblPr>
               <a:tblGrid>
                 <a:gridCol w="1080770"/>
@@ -5058,7 +5393,7 @@
               <a:tr h="462915">
                 <a:tc>
                   <a:txBody>
-                    <a:bodyPr/>
+                    <a:bodyPr rtlCol="0" vert="horz"/>
                     <a:lstStyle/>
                     <a:p>
                       <a:pPr>
@@ -5066,17 +5401,22 @@
                           <a:spcPct val="100000"/>
                         </a:lnSpc>
                       </a:pPr>
-                      <a:endParaRPr sz="1500">
+                      <a:r>
+                        <a:rPr dirty="0" lang="en-US" sz="1500">
+                          <a:latin typeface="Times New Roman"/>
+                        </a:rPr>
+                        <a:t/>
+                      </a:r>
+                      <a:endParaRPr dirty="0" lang="en-US" sz="1500">
                         <a:latin typeface="Times New Roman"/>
-                        <a:cs typeface="Times New Roman"/>
                       </a:endParaRPr>
                     </a:p>
                   </a:txBody>
-                  <a:tcPr marL="0" marR="0" marT="0" marB="0"/>
+                  <a:tcPr anchor="t" horzOverflow="clip" marB="0" marL="0" marR="0" marT="0" vert="horz"/>
                 </a:tc>
                 <a:tc>
                   <a:txBody>
-                    <a:bodyPr/>
+                    <a:bodyPr rtlCol="0" vert="horz"/>
                     <a:lstStyle/>
                     <a:p>
                       <a:pPr marL="672465">
@@ -5085,16 +5425,11 @@
                         </a:lnSpc>
                       </a:pPr>
                       <a:r>
-                        <a:rPr sz="1600" spc="-5" dirty="0">
+                        <a:rPr dirty="0" lang="en-US" spc="-5" sz="1600">
                           <a:latin typeface="Arial"/>
-                          <a:cs typeface="Arial"/>
                         </a:rPr>
                         <a:t>Player</a:t>
                       </a:r>
-                      <a:endParaRPr sz="1600">
-                        <a:latin typeface="Arial"/>
-                        <a:cs typeface="Arial"/>
-                      </a:endParaRPr>
                     </a:p>
                     <a:p>
                       <a:pPr marL="672465">
@@ -5103,23 +5438,21 @@
                         </a:lnSpc>
                       </a:pPr>
                       <a:r>
-                        <a:rPr sz="1600" spc="-5" dirty="0">
+                        <a:rPr dirty="0" lang="en-US" spc="-5" sz="1600">
                           <a:latin typeface="Arial"/>
-                          <a:cs typeface="Arial"/>
                         </a:rPr>
                         <a:t>heading</a:t>
                       </a:r>
-                      <a:endParaRPr sz="1600">
+                      <a:endParaRPr dirty="0" lang="en-US" spc="-5" sz="1600">
                         <a:latin typeface="Arial"/>
-                        <a:cs typeface="Arial"/>
                       </a:endParaRPr>
                     </a:p>
                   </a:txBody>
-                  <a:tcPr marL="0" marR="0" marT="0" marB="0"/>
+                  <a:tcPr anchor="t" horzOverflow="clip" marB="0" marL="0" marR="0" marT="0" vert="horz"/>
                 </a:tc>
                 <a:tc>
                   <a:txBody>
-                    <a:bodyPr/>
+                    <a:bodyPr rtlCol="0" vert="horz"/>
                     <a:lstStyle/>
                     <a:p>
                       <a:pPr marL="375285">
@@ -5128,16 +5461,11 @@
                         </a:lnSpc>
                       </a:pPr>
                       <a:r>
-                        <a:rPr sz="1600" spc="-15" dirty="0">
+                        <a:rPr dirty="0" lang="en-US" spc="-15" sz="1600">
                           <a:latin typeface="Arial"/>
-                          <a:cs typeface="Arial"/>
                         </a:rPr>
                         <a:t>Player</a:t>
                       </a:r>
-                      <a:endParaRPr sz="1600">
-                        <a:latin typeface="Arial"/>
-                        <a:cs typeface="Arial"/>
-                      </a:endParaRPr>
                     </a:p>
                     <a:p>
                       <a:pPr marL="375285">
@@ -5146,25 +5474,23 @@
                         </a:lnSpc>
                       </a:pPr>
                       <a:r>
-                        <a:rPr sz="1600" spc="-15" dirty="0">
+                        <a:rPr dirty="0" lang="en-US" spc="-15" sz="1600">
                           <a:latin typeface="Arial"/>
-                          <a:cs typeface="Arial"/>
                         </a:rPr>
                         <a:t>heading</a:t>
                       </a:r>
-                      <a:endParaRPr sz="1600">
+                      <a:endParaRPr dirty="0" lang="en-US" spc="-15" sz="1600">
                         <a:latin typeface="Arial"/>
-                        <a:cs typeface="Arial"/>
                       </a:endParaRPr>
                     </a:p>
                   </a:txBody>
-                  <a:tcPr marL="0" marR="0" marT="0" marB="0"/>
+                  <a:tcPr anchor="t" horzOverflow="clip" marB="0" marL="0" marR="0" marT="0" vert="horz"/>
                 </a:tc>
               </a:tr>
               <a:tr h="251460">
                 <a:tc>
                   <a:txBody>
-                    <a:bodyPr/>
+                    <a:bodyPr rtlCol="0" vert="horz"/>
                     <a:lstStyle/>
                     <a:p>
                       <a:pPr>
@@ -5172,17 +5498,22 @@
                           <a:spcPct val="100000"/>
                         </a:lnSpc>
                       </a:pPr>
-                      <a:endParaRPr sz="1500">
+                      <a:r>
+                        <a:rPr dirty="0" lang="en-US" sz="1500">
+                          <a:latin typeface="Times New Roman"/>
+                        </a:rPr>
+                        <a:t/>
+                      </a:r>
+                      <a:endParaRPr dirty="0" lang="en-US" sz="1500">
                         <a:latin typeface="Times New Roman"/>
-                        <a:cs typeface="Times New Roman"/>
                       </a:endParaRPr>
                     </a:p>
                   </a:txBody>
-                  <a:tcPr marL="0" marR="0" marT="0" marB="0"/>
+                  <a:tcPr anchor="t" horzOverflow="clip" marB="0" marL="0" marR="0" marT="0" vert="horz"/>
                 </a:tc>
                 <a:tc>
                   <a:txBody>
-                    <a:bodyPr/>
+                    <a:bodyPr rtlCol="0" vert="horz"/>
                     <a:lstStyle/>
                     <a:p>
                       <a:pPr marL="672465">
@@ -5191,23 +5522,21 @@
                         </a:lnSpc>
                       </a:pPr>
                       <a:r>
-                        <a:rPr sz="1600" spc="-5" dirty="0">
+                        <a:rPr dirty="0" lang="en-US" spc="-5" sz="1600">
                           <a:latin typeface="Arial"/>
-                          <a:cs typeface="Arial"/>
                         </a:rPr>
                         <a:t>direction</a:t>
                       </a:r>
-                      <a:endParaRPr sz="1600">
+                      <a:endParaRPr dirty="0" lang="en-US" spc="-5" sz="1600">
                         <a:latin typeface="Arial"/>
-                        <a:cs typeface="Arial"/>
                       </a:endParaRPr>
                     </a:p>
                   </a:txBody>
-                  <a:tcPr marL="0" marR="0" marT="0" marB="0"/>
+                  <a:tcPr anchor="t" horzOverflow="clip" marB="0" marL="0" marR="0" marT="0" vert="horz"/>
                 </a:tc>
                 <a:tc>
                   <a:txBody>
-                    <a:bodyPr/>
+                    <a:bodyPr rtlCol="0" vert="horz"/>
                     <a:lstStyle/>
                     <a:p>
                       <a:pPr marL="375285">
@@ -5216,25 +5545,23 @@
                         </a:lnSpc>
                       </a:pPr>
                       <a:r>
-                        <a:rPr sz="1600" spc="-5" dirty="0">
+                        <a:rPr dirty="0" lang="en-US" spc="-5" sz="1600">
                           <a:latin typeface="Arial"/>
-                          <a:cs typeface="Arial"/>
                         </a:rPr>
                         <a:t>direction</a:t>
                       </a:r>
-                      <a:endParaRPr sz="1600">
+                      <a:endParaRPr dirty="0" lang="en-US" spc="-5" sz="1600">
                         <a:latin typeface="Arial"/>
-                        <a:cs typeface="Arial"/>
                       </a:endParaRPr>
                     </a:p>
                   </a:txBody>
-                  <a:tcPr marL="0" marR="0" marT="0" marB="0"/>
+                  <a:tcPr anchor="t" horzOverflow="clip" marB="0" marL="0" marR="0" marT="0" vert="horz"/>
                 </a:tc>
               </a:tr>
               <a:tr h="241300">
                 <a:tc>
                   <a:txBody>
-                    <a:bodyPr/>
+                    <a:bodyPr rtlCol="0" vert="horz"/>
                     <a:lstStyle/>
                     <a:p>
                       <a:pPr>
@@ -5242,17 +5569,22 @@
                           <a:spcPct val="100000"/>
                         </a:lnSpc>
                       </a:pPr>
-                      <a:endParaRPr sz="1400">
+                      <a:r>
+                        <a:rPr dirty="0" lang="en-US" sz="1400">
+                          <a:latin typeface="Times New Roman"/>
+                        </a:rPr>
+                        <a:t/>
+                      </a:r>
+                      <a:endParaRPr dirty="0" lang="en-US" sz="1400">
                         <a:latin typeface="Times New Roman"/>
-                        <a:cs typeface="Times New Roman"/>
                       </a:endParaRPr>
                     </a:p>
                   </a:txBody>
-                  <a:tcPr marL="0" marR="0" marT="0" marB="0"/>
+                  <a:tcPr anchor="t" horzOverflow="clip" marB="0" marL="0" marR="0" marT="0" vert="horz"/>
                 </a:tc>
                 <a:tc>
                   <a:txBody>
-                    <a:bodyPr/>
+                    <a:bodyPr rtlCol="0" vert="horz"/>
                     <a:lstStyle/>
                     <a:p>
                       <a:pPr marL="367665">
@@ -5261,23 +5593,21 @@
                         </a:lnSpc>
                       </a:pPr>
                       <a:r>
-                        <a:rPr sz="1600" spc="-5" dirty="0">
+                        <a:rPr dirty="0" lang="en-US" spc="-5" sz="1600">
                           <a:latin typeface="Arial"/>
-                          <a:cs typeface="Arial"/>
                         </a:rPr>
                         <a:t>2α</a:t>
                       </a:r>
-                      <a:endParaRPr sz="1600">
+                      <a:endParaRPr dirty="0" lang="en-US" spc="-5" sz="1600">
                         <a:latin typeface="Arial"/>
-                        <a:cs typeface="Arial"/>
                       </a:endParaRPr>
                     </a:p>
                   </a:txBody>
-                  <a:tcPr marL="0" marR="0" marT="0" marB="0"/>
+                  <a:tcPr anchor="t" horzOverflow="clip" marB="0" marL="0" marR="0" marT="0" vert="horz"/>
                 </a:tc>
                 <a:tc>
                   <a:txBody>
-                    <a:bodyPr/>
+                    <a:bodyPr rtlCol="0" vert="horz"/>
                     <a:lstStyle/>
                     <a:p>
                       <a:pPr>
@@ -5285,19 +5615,24 @@
                           <a:spcPct val="100000"/>
                         </a:lnSpc>
                       </a:pPr>
-                      <a:endParaRPr sz="1400">
+                      <a:r>
+                        <a:rPr dirty="0" lang="en-US" sz="1400">
+                          <a:latin typeface="Times New Roman"/>
+                        </a:rPr>
+                        <a:t/>
+                      </a:r>
+                      <a:endParaRPr dirty="0" lang="en-US" sz="1400">
                         <a:latin typeface="Times New Roman"/>
-                        <a:cs typeface="Times New Roman"/>
                       </a:endParaRPr>
                     </a:p>
                   </a:txBody>
-                  <a:tcPr marL="0" marR="0" marT="0" marB="0"/>
+                  <a:tcPr anchor="t" horzOverflow="clip" marB="0" marL="0" marR="0" marT="0" vert="horz"/>
                 </a:tc>
               </a:tr>
               <a:tr h="233679">
                 <a:tc>
                   <a:txBody>
-                    <a:bodyPr/>
+                    <a:bodyPr rtlCol="0" vert="horz"/>
                     <a:lstStyle/>
                     <a:p>
                       <a:pPr>
@@ -5305,17 +5640,22 @@
                           <a:spcPct val="100000"/>
                         </a:lnSpc>
                       </a:pPr>
-                      <a:endParaRPr sz="1400">
+                      <a:r>
+                        <a:rPr dirty="0" lang="en-US" sz="1400">
+                          <a:latin typeface="Times New Roman"/>
+                        </a:rPr>
+                        <a:t/>
+                      </a:r>
+                      <a:endParaRPr dirty="0" lang="en-US" sz="1400">
                         <a:latin typeface="Times New Roman"/>
-                        <a:cs typeface="Times New Roman"/>
                       </a:endParaRPr>
                     </a:p>
                   </a:txBody>
-                  <a:tcPr marL="0" marR="0" marT="0" marB="0"/>
+                  <a:tcPr anchor="t" horzOverflow="clip" marB="0" marL="0" marR="0" marT="0" vert="horz"/>
                 </a:tc>
                 <a:tc>
                   <a:txBody>
-                    <a:bodyPr/>
+                    <a:bodyPr rtlCol="0" vert="horz"/>
                     <a:lstStyle/>
                     <a:p>
                       <a:pPr>
@@ -5323,17 +5663,22 @@
                           <a:spcPct val="100000"/>
                         </a:lnSpc>
                       </a:pPr>
-                      <a:endParaRPr sz="1400">
+                      <a:r>
+                        <a:rPr dirty="0" lang="en-US" sz="1400">
+                          <a:latin typeface="Times New Roman"/>
+                        </a:rPr>
+                        <a:t/>
+                      </a:r>
+                      <a:endParaRPr dirty="0" lang="en-US" sz="1400">
                         <a:latin typeface="Times New Roman"/>
-                        <a:cs typeface="Times New Roman"/>
                       </a:endParaRPr>
                     </a:p>
                   </a:txBody>
-                  <a:tcPr marL="0" marR="0" marT="0" marB="0"/>
+                  <a:tcPr anchor="t" horzOverflow="clip" marB="0" marL="0" marR="0" marT="0" vert="horz"/>
                 </a:tc>
                 <a:tc>
                   <a:txBody>
-                    <a:bodyPr/>
+                    <a:bodyPr rtlCol="0" vert="horz"/>
                     <a:lstStyle/>
                     <a:p>
                       <a:pPr marL="413384">
@@ -5342,25 +5687,23 @@
                         </a:lnSpc>
                       </a:pPr>
                       <a:r>
-                        <a:rPr sz="1600" dirty="0">
+                        <a:rPr dirty="0" lang="en-US" sz="1600">
                           <a:latin typeface="Arial"/>
-                          <a:cs typeface="Arial"/>
                         </a:rPr>
                         <a:t>P</a:t>
                       </a:r>
-                      <a:endParaRPr sz="1600">
+                      <a:endParaRPr dirty="0" lang="en-US" sz="1600">
                         <a:latin typeface="Arial"/>
-                        <a:cs typeface="Arial"/>
                       </a:endParaRPr>
                     </a:p>
                   </a:txBody>
-                  <a:tcPr marL="0" marR="0" marT="0" marB="0"/>
+                  <a:tcPr anchor="t" horzOverflow="clip" marB="0" marL="0" marR="0" marT="0" vert="horz"/>
                 </a:tc>
               </a:tr>
               <a:tr h="233045">
                 <a:tc>
                   <a:txBody>
-                    <a:bodyPr/>
+                    <a:bodyPr rtlCol="0" vert="horz"/>
                     <a:lstStyle/>
                     <a:p>
                       <a:pPr>
@@ -5368,42 +5711,45 @@
                           <a:spcPct val="100000"/>
                         </a:lnSpc>
                       </a:pPr>
-                      <a:endParaRPr sz="1400">
+                      <a:r>
+                        <a:rPr dirty="0" lang="en-US" sz="1400">
+                          <a:latin typeface="Times New Roman"/>
+                        </a:rPr>
+                        <a:t/>
+                      </a:r>
+                      <a:endParaRPr dirty="0" lang="en-US" sz="1400">
                         <a:latin typeface="Times New Roman"/>
-                        <a:cs typeface="Times New Roman"/>
                       </a:endParaRPr>
                     </a:p>
                   </a:txBody>
-                  <a:tcPr marL="0" marR="0" marT="0" marB="0"/>
+                  <a:tcPr anchor="t" horzOverflow="clip" marB="0" marL="0" marR="0" marT="0" vert="horz"/>
                 </a:tc>
                 <a:tc>
                   <a:txBody>
-                    <a:bodyPr/>
+                    <a:bodyPr rtlCol="0" vert="horz"/>
                     <a:lstStyle/>
                     <a:p>
-                      <a:pPr marL="2234565">
+                      <a:pPr marL="2234564">
                         <a:lnSpc>
                           <a:spcPts val="1735"/>
                         </a:lnSpc>
                       </a:pPr>
                       <a:r>
-                        <a:rPr sz="1600" spc="-5" dirty="0">
+                        <a:rPr dirty="0" err="1" lang="en-US" spc="-5" sz="1600">
                           <a:latin typeface="Arial"/>
-                          <a:cs typeface="Arial"/>
                         </a:rPr>
                         <a:t>py</a:t>
                       </a:r>
-                      <a:endParaRPr sz="1600">
+                      <a:endParaRPr dirty="0" err="1" lang="en-US" spc="-5" sz="1600">
                         <a:latin typeface="Arial"/>
-                        <a:cs typeface="Arial"/>
                       </a:endParaRPr>
                     </a:p>
                   </a:txBody>
-                  <a:tcPr marL="0" marR="0" marT="0" marB="0"/>
+                  <a:tcPr anchor="t" horzOverflow="clip" marB="0" marL="0" marR="0" marT="0" vert="horz"/>
                 </a:tc>
                 <a:tc>
                   <a:txBody>
-                    <a:bodyPr/>
+                    <a:bodyPr rtlCol="0" vert="horz"/>
                     <a:lstStyle/>
                     <a:p>
                       <a:pPr>
@@ -5411,19 +5757,24 @@
                           <a:spcPct val="100000"/>
                         </a:lnSpc>
                       </a:pPr>
-                      <a:endParaRPr sz="1400">
+                      <a:r>
+                        <a:rPr dirty="0" lang="en-US" sz="1400">
+                          <a:latin typeface="Times New Roman"/>
+                        </a:rPr>
+                        <a:t/>
+                      </a:r>
+                      <a:endParaRPr dirty="0" lang="en-US" sz="1400">
                         <a:latin typeface="Times New Roman"/>
-                        <a:cs typeface="Times New Roman"/>
                       </a:endParaRPr>
                     </a:p>
                   </a:txBody>
-                  <a:tcPr marL="0" marR="0" marT="0" marB="0"/>
+                  <a:tcPr anchor="t" horzOverflow="clip" marB="0" marL="0" marR="0" marT="0" vert="horz"/>
                 </a:tc>
               </a:tr>
               <a:tr h="233679">
                 <a:tc>
                   <a:txBody>
-                    <a:bodyPr/>
+                    <a:bodyPr rtlCol="0" vert="horz"/>
                     <a:lstStyle/>
                     <a:p>
                       <a:pPr marL="127000">
@@ -5432,23 +5783,21 @@
                         </a:lnSpc>
                       </a:pPr>
                       <a:r>
-                        <a:rPr sz="1600" dirty="0">
+                        <a:rPr dirty="0" lang="en-US" sz="1600">
                           <a:latin typeface="Arial"/>
-                          <a:cs typeface="Arial"/>
                         </a:rPr>
                         <a:t>y</a:t>
                       </a:r>
-                      <a:endParaRPr sz="1600">
+                      <a:endParaRPr dirty="0" lang="en-US" sz="1600">
                         <a:latin typeface="Arial"/>
-                        <a:cs typeface="Arial"/>
                       </a:endParaRPr>
                     </a:p>
                   </a:txBody>
-                  <a:tcPr marL="0" marR="0" marT="0" marB="0"/>
+                  <a:tcPr anchor="t" horzOverflow="clip" marB="0" marL="0" marR="0" marT="0" vert="horz"/>
                 </a:tc>
                 <a:tc>
                   <a:txBody>
-                    <a:bodyPr/>
+                    <a:bodyPr rtlCol="0" vert="horz"/>
                     <a:lstStyle/>
                     <a:p>
                       <a:pPr marL="150495">
@@ -5457,23 +5806,21 @@
                         </a:lnSpc>
                       </a:pPr>
                       <a:r>
-                        <a:rPr sz="1600" dirty="0">
+                        <a:rPr dirty="0" err="1" lang="en-US" sz="1600">
                           <a:latin typeface="Arial"/>
-                          <a:cs typeface="Arial"/>
                         </a:rPr>
                         <a:t>θ</a:t>
                       </a:r>
-                      <a:endParaRPr sz="1600">
+                      <a:endParaRPr dirty="0" err="1" lang="en-US" sz="1600">
                         <a:latin typeface="Arial"/>
-                        <a:cs typeface="Arial"/>
                       </a:endParaRPr>
                     </a:p>
                   </a:txBody>
-                  <a:tcPr marL="0" marR="0" marT="0" marB="0"/>
+                  <a:tcPr anchor="t" horzOverflow="clip" marB="0" marL="0" marR="0" marT="0" vert="horz"/>
                 </a:tc>
                 <a:tc>
                   <a:txBody>
-                    <a:bodyPr/>
+                    <a:bodyPr rtlCol="0" vert="horz"/>
                     <a:lstStyle/>
                     <a:p>
                       <a:pPr marL="196850">
@@ -5482,25 +5829,23 @@
                         </a:lnSpc>
                       </a:pPr>
                       <a:r>
-                        <a:rPr sz="1600" dirty="0">
+                        <a:rPr dirty="0" err="1" lang="en-US" sz="1600">
                           <a:latin typeface="Arial"/>
-                          <a:cs typeface="Arial"/>
                         </a:rPr>
                         <a:t>γ</a:t>
                       </a:r>
-                      <a:endParaRPr sz="1600">
+                      <a:endParaRPr dirty="0" err="1" lang="en-US" sz="1600">
                         <a:latin typeface="Arial"/>
-                        <a:cs typeface="Arial"/>
                       </a:endParaRPr>
                     </a:p>
                   </a:txBody>
-                  <a:tcPr marL="0" marR="0" marT="0" marB="0"/>
+                  <a:tcPr anchor="t" horzOverflow="clip" marB="0" marL="0" marR="0" marT="0" vert="horz"/>
                 </a:tc>
               </a:tr>
               <a:tr h="233679">
                 <a:tc>
                   <a:txBody>
-                    <a:bodyPr/>
+                    <a:bodyPr rtlCol="0" vert="horz"/>
                     <a:lstStyle/>
                     <a:p>
                       <a:pPr>
@@ -5508,57 +5853,65 @@
                           <a:spcPct val="100000"/>
                         </a:lnSpc>
                       </a:pPr>
-                      <a:endParaRPr sz="1400">
+                      <a:r>
+                        <a:rPr dirty="0" lang="en-US" sz="1400">
+                          <a:latin typeface="Times New Roman"/>
+                        </a:rPr>
+                        <a:t/>
+                      </a:r>
+                      <a:endParaRPr dirty="0" lang="en-US" sz="1400">
                         <a:latin typeface="Times New Roman"/>
-                        <a:cs typeface="Times New Roman"/>
                       </a:endParaRPr>
                     </a:p>
                   </a:txBody>
-                  <a:tcPr marL="0" marR="0" marT="0" marB="0"/>
+                  <a:tcPr anchor="t" horzOverflow="clip" marB="0" marL="0" marR="0" marT="0" vert="horz"/>
                 </a:tc>
                 <a:tc gridSpan="2">
                   <a:txBody>
-                    <a:bodyPr/>
+                    <a:bodyPr rtlCol="0" vert="horz"/>
                     <a:lstStyle/>
                     <a:p>
-                      <a:pPr marR="1219200" algn="r">
+                      <a:pPr algn="r" marR="1219200">
                         <a:lnSpc>
                           <a:spcPts val="1745"/>
                         </a:lnSpc>
                       </a:pPr>
                       <a:r>
-                        <a:rPr sz="1600" dirty="0">
+                        <a:rPr dirty="0" err="1" lang="en-US" sz="1600">
                           <a:latin typeface="Arial"/>
-                          <a:cs typeface="Arial"/>
                         </a:rPr>
                         <a:t>θ</a:t>
                       </a:r>
-                      <a:endParaRPr sz="1600">
+                      <a:endParaRPr dirty="0" err="1" lang="en-US" sz="1600">
                         <a:latin typeface="Arial"/>
-                        <a:cs typeface="Arial"/>
                       </a:endParaRPr>
                     </a:p>
                   </a:txBody>
-                  <a:tcPr marL="0" marR="0" marT="0" marB="0"/>
+                  <a:tcPr anchor="t" horzOverflow="clip" marB="0" marL="0" marR="0" marT="0" vert="horz"/>
                 </a:tc>
                 <a:tc hMerge="1">
                   <a:txBody>
-                    <a:bodyPr/>
+                    <a:bodyPr rtlCol="0" vert="horz"/>
                     <a:lstStyle/>
                     <a:p>
-                      <a:endParaRPr/>
+                      <a:pPr/>
+                      <a:r>
+                        <a:rPr dirty="0" lang="en-US"/>
+                        <a:t/>
+                      </a:r>
+                      <a:endParaRPr dirty="0" lang="en-US"/>
                     </a:p>
                   </a:txBody>
-                  <a:tcPr marL="0" marR="0" marT="0" marB="0"/>
+                  <a:tcPr anchor="t" horzOverflow="clip" marB="0" marL="0" marR="0" marT="0" vert="horz"/>
                 </a:tc>
               </a:tr>
               <a:tr h="244475">
                 <a:tc>
                   <a:txBody>
-                    <a:bodyPr/>
+                    <a:bodyPr rtlCol="0" vert="horz"/>
                     <a:lstStyle/>
                     <a:p>
-                      <a:pPr marL="659765">
+                      <a:pPr marL="659764">
                         <a:lnSpc>
                           <a:spcPts val="1764"/>
                         </a:lnSpc>
@@ -5567,37 +5920,33 @@
                         </a:spcBef>
                       </a:pPr>
                       <a:r>
-                        <a:rPr sz="1050" dirty="0">
+                        <a:rPr dirty="0" err="1" lang="en-US" sz="1050">
                           <a:latin typeface="Arial"/>
-                          <a:cs typeface="Arial"/>
                         </a:rPr>
                         <a:t>α</a:t>
                       </a:r>
                       <a:r>
-                        <a:rPr sz="1050" spc="125" dirty="0">
+                        <a:rPr dirty="0" lang="en-US" spc="125" sz="1050">
                           <a:latin typeface="Arial"/>
-                          <a:cs typeface="Arial"/>
                         </a:rPr>
                         <a:t> </a:t>
                       </a:r>
                       <a:r>
-                        <a:rPr sz="2400" spc="-7" baseline="3472" dirty="0">
+                        <a:rPr baseline="3472" dirty="0" lang="en-US" spc="-7" sz="2400">
                           <a:latin typeface="Arial"/>
-                          <a:cs typeface="Arial"/>
                         </a:rPr>
                         <a:t>S</a:t>
                       </a:r>
-                      <a:endParaRPr sz="2400" baseline="3472">
+                      <a:endParaRPr baseline="3472" dirty="0" lang="en-US" spc="-7" sz="2400">
                         <a:latin typeface="Arial"/>
-                        <a:cs typeface="Arial"/>
                       </a:endParaRPr>
                     </a:p>
                   </a:txBody>
-                  <a:tcPr marL="0" marR="0" marT="8255" marB="0"/>
+                  <a:tcPr anchor="t" horzOverflow="clip" marB="0" marL="0" marR="0" marT="8255" vert="horz"/>
                 </a:tc>
                 <a:tc>
                   <a:txBody>
-                    <a:bodyPr/>
+                    <a:bodyPr rtlCol="0" vert="horz"/>
                     <a:lstStyle/>
                     <a:p>
                       <a:pPr marL="2322830">
@@ -5606,23 +5955,21 @@
                         </a:lnSpc>
                       </a:pPr>
                       <a:r>
-                        <a:rPr sz="1600" dirty="0">
+                        <a:rPr dirty="0" lang="en-US" sz="1600">
                           <a:latin typeface="Arial"/>
-                          <a:cs typeface="Arial"/>
                         </a:rPr>
                         <a:t>y</a:t>
                       </a:r>
-                      <a:endParaRPr sz="1600">
+                      <a:endParaRPr dirty="0" lang="en-US" sz="1600">
                         <a:latin typeface="Arial"/>
-                        <a:cs typeface="Arial"/>
                       </a:endParaRPr>
                     </a:p>
                   </a:txBody>
-                  <a:tcPr marL="0" marR="0" marT="0" marB="0"/>
+                  <a:tcPr anchor="t" horzOverflow="clip" marB="0" marL="0" marR="0" marT="0" vert="horz"/>
                 </a:tc>
                 <a:tc>
                   <a:txBody>
-                    <a:bodyPr/>
+                    <a:bodyPr rtlCol="0" vert="horz"/>
                     <a:lstStyle/>
                     <a:p>
                       <a:pPr>
@@ -5630,19 +5977,24 @@
                           <a:spcPct val="100000"/>
                         </a:lnSpc>
                       </a:pPr>
-                      <a:endParaRPr sz="1500">
+                      <a:r>
+                        <a:rPr dirty="0" lang="en-US" sz="1500">
+                          <a:latin typeface="Times New Roman"/>
+                        </a:rPr>
+                        <a:t/>
+                      </a:r>
+                      <a:endParaRPr dirty="0" lang="en-US" sz="1500">
                         <a:latin typeface="Times New Roman"/>
-                        <a:cs typeface="Times New Roman"/>
                       </a:endParaRPr>
                     </a:p>
                   </a:txBody>
-                  <a:tcPr marL="0" marR="0" marT="0" marB="0"/>
+                  <a:tcPr anchor="t" horzOverflow="clip" marB="0" marL="0" marR="0" marT="0" vert="horz"/>
                 </a:tc>
               </a:tr>
               <a:tr h="277495">
                 <a:tc>
                   <a:txBody>
-                    <a:bodyPr/>
+                    <a:bodyPr rtlCol="0" vert="horz"/>
                     <a:lstStyle/>
                     <a:p>
                       <a:pPr>
@@ -5650,42 +6002,45 @@
                           <a:spcPct val="100000"/>
                         </a:lnSpc>
                       </a:pPr>
-                      <a:endParaRPr sz="1500">
+                      <a:r>
+                        <a:rPr dirty="0" lang="en-US" sz="1500">
+                          <a:latin typeface="Times New Roman"/>
+                        </a:rPr>
+                        <a:t/>
+                      </a:r>
+                      <a:endParaRPr dirty="0" lang="en-US" sz="1500">
                         <a:latin typeface="Times New Roman"/>
-                        <a:cs typeface="Times New Roman"/>
                       </a:endParaRPr>
                     </a:p>
                   </a:txBody>
-                  <a:tcPr marL="0" marR="0" marT="0" marB="0"/>
+                  <a:tcPr anchor="t" horzOverflow="clip" marB="0" marL="0" marR="0" marT="0" vert="horz"/>
                 </a:tc>
                 <a:tc>
                   <a:txBody>
-                    <a:bodyPr/>
+                    <a:bodyPr rtlCol="0" vert="horz"/>
                     <a:lstStyle/>
                     <a:p>
-                      <a:pPr marR="358140" algn="r">
+                      <a:pPr algn="r" marR="358140">
                         <a:lnSpc>
                           <a:spcPts val="1785"/>
                         </a:lnSpc>
                       </a:pPr>
                       <a:r>
-                        <a:rPr sz="1600" dirty="0">
+                        <a:rPr dirty="0" lang="en-US" sz="1600">
                           <a:latin typeface="Arial"/>
-                          <a:cs typeface="Arial"/>
                         </a:rPr>
                         <a:t>S</a:t>
                       </a:r>
-                      <a:endParaRPr sz="1600">
+                      <a:endParaRPr dirty="0" lang="en-US" sz="1600">
                         <a:latin typeface="Arial"/>
-                        <a:cs typeface="Arial"/>
                       </a:endParaRPr>
                     </a:p>
                   </a:txBody>
-                  <a:tcPr marL="0" marR="0" marT="0" marB="0"/>
+                  <a:tcPr anchor="t" horzOverflow="clip" marB="0" marL="0" marR="0" marT="0" vert="horz"/>
                 </a:tc>
                 <a:tc>
                   <a:txBody>
-                    <a:bodyPr/>
+                    <a:bodyPr rtlCol="0" vert="horz"/>
                     <a:lstStyle/>
                     <a:p>
                       <a:pPr>
@@ -5693,69 +6048,82 @@
                           <a:spcPct val="100000"/>
                         </a:lnSpc>
                       </a:pPr>
-                      <a:endParaRPr sz="1500">
+                      <a:r>
+                        <a:rPr dirty="0" lang="en-US" sz="1500">
+                          <a:latin typeface="Times New Roman"/>
+                        </a:rPr>
+                        <a:t/>
+                      </a:r>
+                      <a:endParaRPr dirty="0" lang="en-US" sz="1500">
                         <a:latin typeface="Times New Roman"/>
-                        <a:cs typeface="Times New Roman"/>
                       </a:endParaRPr>
                     </a:p>
                   </a:txBody>
-                  <a:tcPr marL="0" marR="0" marT="0" marB="0"/>
+                  <a:tcPr anchor="t" horzOverflow="clip" marB="0" marL="0" marR="0" marT="0" vert="horz"/>
                 </a:tc>
               </a:tr>
               <a:tr h="279400">
                 <a:tc gridSpan="3">
                   <a:txBody>
-                    <a:bodyPr/>
+                    <a:bodyPr rtlCol="0" vert="horz"/>
                     <a:lstStyle/>
                     <a:p>
                       <a:pPr marL="1015365">
                         <a:lnSpc>
-                          <a:spcPts val="1870"/>
+                          <a:spcPts val="1869"/>
                         </a:lnSpc>
                         <a:spcBef>
                           <a:spcPts val="229"/>
                         </a:spcBef>
                       </a:pPr>
                       <a:r>
-                        <a:rPr sz="1600" dirty="0">
+                        <a:rPr dirty="0" lang="en-US" sz="1600">
                           <a:latin typeface="Arial"/>
-                          <a:cs typeface="Arial"/>
                         </a:rPr>
                         <a:t>x</a:t>
                       </a:r>
-                      <a:endParaRPr sz="1600">
+                      <a:endParaRPr dirty="0" lang="en-US" sz="1600">
                         <a:latin typeface="Arial"/>
-                        <a:cs typeface="Arial"/>
                       </a:endParaRPr>
                     </a:p>
                   </a:txBody>
-                  <a:tcPr marL="0" marR="0" marT="29209" marB="0"/>
+                  <a:tcPr anchor="t" horzOverflow="clip" marB="0" marL="0" marR="0" marT="29209" vert="horz"/>
                 </a:tc>
                 <a:tc hMerge="1">
                   <a:txBody>
-                    <a:bodyPr/>
+                    <a:bodyPr rtlCol="0" vert="horz"/>
                     <a:lstStyle/>
                     <a:p>
-                      <a:endParaRPr/>
+                      <a:pPr/>
+                      <a:r>
+                        <a:rPr dirty="0" lang="en-US"/>
+                        <a:t/>
+                      </a:r>
+                      <a:endParaRPr dirty="0" lang="en-US"/>
                     </a:p>
                   </a:txBody>
-                  <a:tcPr marL="0" marR="0" marT="0" marB="0"/>
+                  <a:tcPr anchor="t" horzOverflow="clip" marB="0" marL="0" marR="0" marT="0" vert="horz"/>
                 </a:tc>
                 <a:tc hMerge="1">
                   <a:txBody>
-                    <a:bodyPr/>
+                    <a:bodyPr rtlCol="0" vert="horz"/>
                     <a:lstStyle/>
                     <a:p>
-                      <a:endParaRPr/>
+                      <a:pPr/>
+                      <a:r>
+                        <a:rPr dirty="0" lang="en-US"/>
+                        <a:t/>
+                      </a:r>
+                      <a:endParaRPr dirty="0" lang="en-US"/>
                     </a:p>
                   </a:txBody>
-                  <a:tcPr marL="0" marR="0" marT="0" marB="0"/>
+                  <a:tcPr anchor="t" horzOverflow="clip" marB="0" marL="0" marR="0" marT="0" vert="horz"/>
                 </a:tc>
               </a:tr>
               <a:tr h="230504">
                 <a:tc>
                   <a:txBody>
-                    <a:bodyPr/>
+                    <a:bodyPr rtlCol="0" vert="horz"/>
                     <a:lstStyle/>
                     <a:p>
                       <a:pPr>
@@ -5763,42 +6131,45 @@
                           <a:spcPct val="100000"/>
                         </a:lnSpc>
                       </a:pPr>
-                      <a:endParaRPr sz="1400">
+                      <a:r>
+                        <a:rPr dirty="0" lang="en-US" sz="1400">
+                          <a:latin typeface="Times New Roman"/>
+                        </a:rPr>
+                        <a:t/>
+                      </a:r>
+                      <a:endParaRPr dirty="0" lang="en-US" sz="1400">
                         <a:latin typeface="Times New Roman"/>
-                        <a:cs typeface="Times New Roman"/>
                       </a:endParaRPr>
                     </a:p>
                   </a:txBody>
-                  <a:tcPr marL="0" marR="0" marT="0" marB="0"/>
+                  <a:tcPr anchor="t" horzOverflow="clip" marB="0" marL="0" marR="0" marT="0" vert="horz"/>
                 </a:tc>
                 <a:tc>
                   <a:txBody>
-                    <a:bodyPr/>
+                    <a:bodyPr rtlCol="0" vert="horz"/>
                     <a:lstStyle/>
                     <a:p>
-                      <a:pPr marR="189230" algn="r">
+                      <a:pPr algn="r" marR="189230">
                         <a:lnSpc>
                           <a:spcPts val="1714"/>
                         </a:lnSpc>
                       </a:pPr>
                       <a:r>
-                        <a:rPr sz="1600" dirty="0">
+                        <a:rPr dirty="0" lang="en-US" sz="1600">
                           <a:latin typeface="Arial"/>
-                          <a:cs typeface="Arial"/>
                         </a:rPr>
                         <a:t>x</a:t>
                       </a:r>
-                      <a:endParaRPr sz="1600">
+                      <a:endParaRPr dirty="0" lang="en-US" sz="1600">
                         <a:latin typeface="Arial"/>
-                        <a:cs typeface="Arial"/>
                       </a:endParaRPr>
                     </a:p>
                   </a:txBody>
-                  <a:tcPr marL="0" marR="0" marT="0" marB="0"/>
+                  <a:tcPr anchor="t" horzOverflow="clip" marB="0" marL="0" marR="0" marT="0" vert="horz"/>
                 </a:tc>
                 <a:tc>
                   <a:txBody>
-                    <a:bodyPr/>
+                    <a:bodyPr rtlCol="0" vert="horz"/>
                     <a:lstStyle/>
                     <a:p>
                       <a:pPr marL="363220">
@@ -5807,19 +6178,17 @@
                         </a:lnSpc>
                       </a:pPr>
                       <a:r>
-                        <a:rPr sz="1600" spc="-5" dirty="0">
+                        <a:rPr dirty="0" err="1" lang="en-US" spc="-5" sz="1600">
                           <a:latin typeface="Arial"/>
-                          <a:cs typeface="Arial"/>
                         </a:rPr>
                         <a:t>px</a:t>
                       </a:r>
-                      <a:endParaRPr sz="1600">
+                      <a:endParaRPr dirty="0" err="1" lang="en-US" spc="-5" sz="1600">
                         <a:latin typeface="Arial"/>
-                        <a:cs typeface="Arial"/>
                       </a:endParaRPr>
                     </a:p>
                   </a:txBody>
-                  <a:tcPr marL="0" marR="0" marT="0" marB="0"/>
+                  <a:tcPr anchor="t" horzOverflow="clip" marB="0" marL="0" marR="0" marT="0" vert="horz"/>
                 </a:tc>
               </a:tr>
             </a:tbl>
@@ -5833,7 +6202,7 @@
           <p:nvPr/>
         </p:nvSpPr>
         <p:spPr>
-          <a:xfrm>
+          <a:xfrm rot="0">
             <a:off x="902004" y="6582536"/>
             <a:ext cx="5727700" cy="1811655"/>
           </a:xfrm>
@@ -5842,205 +6211,317 @@
           </a:prstGeom>
         </p:spPr>
         <p:txBody>
-          <a:bodyPr vert="horz" wrap="square" lIns="0" tIns="12065" rIns="0" bIns="0" rtlCol="0">
+          <a:bodyPr bIns="0" lIns="0" rIns="0" rtlCol="0" tIns="12065" vert="horz" wrap="square">
             <a:spAutoFit/>
           </a:bodyPr>
           <a:lstStyle/>
           <a:p>
             <a:pPr marL="12700">
               <a:lnSpc>
-                <a:spcPts val="1870"/>
+                <a:spcPts val="1869"/>
               </a:lnSpc>
               <a:spcBef>
                 <a:spcPts val="95"/>
               </a:spcBef>
             </a:pPr>
             <a:r>
-              <a:rPr sz="1600" spc="-5" dirty="0">
-                <a:latin typeface="Arial"/>
-                <a:cs typeface="Arial"/>
-              </a:rPr>
-              <a:t>The angle subtended by a new person at (px,py)</a:t>
-            </a:r>
-            <a:r>
-              <a:rPr sz="1600" spc="30" dirty="0">
-                <a:latin typeface="Arial"/>
-                <a:cs typeface="Arial"/>
+              <a:rPr dirty="0" lang="en-US" spc="-5" sz="1600">
+                <a:latin typeface="Arial"/>
+              </a:rPr>
+              <a:t>The angle subtended by a new person at (</a:t>
+            </a:r>
+            <a:r>
+              <a:rPr dirty="0" err="1" lang="en-US" spc="-5" sz="1600">
+                <a:latin typeface="Arial"/>
+              </a:rPr>
+              <a:t>px</a:t>
+            </a:r>
+            <a:r>
+              <a:rPr dirty="0" lang="en-US" spc="-5" sz="1600">
+                <a:latin typeface="Arial"/>
+              </a:rPr>
+              <a:t>,</a:t>
+            </a:r>
+            <a:r>
+              <a:rPr dirty="0" err="1" lang="en-US" spc="-5" sz="1600">
+                <a:latin typeface="Arial"/>
+              </a:rPr>
+              <a:t>py</a:t>
+            </a:r>
+            <a:r>
+              <a:rPr dirty="0" lang="en-US" spc="-5" sz="1600">
+                <a:latin typeface="Arial"/>
+              </a:rPr>
+              <a:t>)</a:t>
+            </a:r>
+            <a:r>
+              <a:rPr dirty="0" lang="en-US" spc="30" sz="1600">
+                <a:latin typeface="Arial"/>
               </a:rPr>
               <a:t> </a:t>
             </a:r>
             <a:r>
-              <a:rPr sz="1600" dirty="0">
-                <a:latin typeface="Arial"/>
-                <a:cs typeface="Arial"/>
+              <a:rPr dirty="0" lang="en-US" sz="1600">
+                <a:latin typeface="Arial"/>
               </a:rPr>
               <a:t>is</a:t>
             </a:r>
-            <a:endParaRPr sz="1600">
-              <a:latin typeface="Arial"/>
-              <a:cs typeface="Arial"/>
-            </a:endParaRPr>
-          </a:p>
-          <a:p>
-            <a:pPr marL="12700" marR="5080" algn="just">
+          </a:p>
+          <a:p>
+            <a:pPr algn="l" marL="12700" marR="5080">
               <a:lnSpc>
-                <a:spcPct val="93900"/>
+                <a:spcPct val="93000"/>
               </a:lnSpc>
               <a:spcBef>
                 <a:spcPts val="70"/>
               </a:spcBef>
             </a:pPr>
             <a:r>
-              <a:rPr sz="1600" spc="-5" dirty="0">
-                <a:latin typeface="Arial"/>
-                <a:cs typeface="Arial"/>
-              </a:rPr>
-              <a:t>γ=atan2(py-y, </a:t>
-            </a:r>
-            <a:r>
-              <a:rPr sz="1600" dirty="0">
-                <a:latin typeface="Arial"/>
-                <a:cs typeface="Arial"/>
-              </a:rPr>
-              <a:t>px-x). </a:t>
-            </a:r>
-            <a:r>
-              <a:rPr sz="1600" spc="-5" dirty="0">
-                <a:latin typeface="Arial"/>
-                <a:cs typeface="Arial"/>
+              <a:rPr dirty="0" err="1" lang="en-US" spc="-5" sz="1600">
+                <a:latin typeface="Arial"/>
+              </a:rPr>
+              <a:t>γ</a:t>
+            </a:r>
+            <a:r>
+              <a:rPr dirty="0" lang="en-US" spc="-5" sz="1600">
+                <a:latin typeface="Arial"/>
+              </a:rPr>
+              <a:t>=atan2(</a:t>
+            </a:r>
+            <a:r>
+              <a:rPr dirty="0" err="1" lang="en-US" spc="-5" sz="1600">
+                <a:latin typeface="Arial"/>
+              </a:rPr>
+              <a:t>py</a:t>
+            </a:r>
+            <a:r>
+              <a:rPr dirty="0" lang="en-US" spc="-5" sz="1600">
+                <a:latin typeface="Arial"/>
+              </a:rPr>
+              <a:t>-y, </a:t>
+            </a:r>
+            <a:r>
+              <a:rPr dirty="0" err="1" lang="en-US" sz="1600">
+                <a:latin typeface="Arial"/>
+              </a:rPr>
+              <a:t>px</a:t>
+            </a:r>
+            <a:r>
+              <a:rPr dirty="0" lang="en-US" sz="1600">
+                <a:latin typeface="Arial"/>
+              </a:rPr>
+              <a:t>-x). </a:t>
+            </a:r>
+            <a:r>
+              <a:rPr dirty="0" lang="en-US" spc="-5" sz="1600">
+                <a:latin typeface="Arial"/>
               </a:rPr>
               <a:t>The person </a:t>
             </a:r>
             <a:r>
-              <a:rPr sz="1600" spc="5" dirty="0">
-                <a:latin typeface="Arial"/>
-                <a:cs typeface="Arial"/>
+              <a:rPr dirty="0" lang="en-US" spc="5" sz="1600">
+                <a:latin typeface="Arial"/>
               </a:rPr>
               <a:t>is </a:t>
             </a:r>
             <a:r>
-              <a:rPr sz="1600" spc="-5" dirty="0">
-                <a:latin typeface="Arial"/>
-                <a:cs typeface="Arial"/>
+              <a:rPr dirty="0" lang="en-US" spc="-5" sz="1600">
+                <a:latin typeface="Arial"/>
               </a:rPr>
               <a:t>in line of site </a:t>
             </a:r>
             <a:r>
-              <a:rPr sz="1600" spc="5" dirty="0">
-                <a:latin typeface="Arial"/>
-                <a:cs typeface="Arial"/>
+              <a:rPr dirty="0" lang="en-US" spc="5" sz="1600">
+                <a:latin typeface="Arial"/>
               </a:rPr>
               <a:t>if </a:t>
             </a:r>
             <a:r>
-              <a:rPr sz="1600" spc="10" dirty="0">
-                <a:latin typeface="Arial"/>
-                <a:cs typeface="Arial"/>
+              <a:rPr dirty="0" lang="en-US" spc="10" sz="1600">
+                <a:latin typeface="Arial"/>
               </a:rPr>
               <a:t>θ- </a:t>
             </a:r>
             <a:r>
-              <a:rPr sz="1600" spc="-5" dirty="0">
-                <a:latin typeface="Arial"/>
-                <a:cs typeface="Arial"/>
-              </a:rPr>
-              <a:t>α &lt; γ &lt;  θ+α. </a:t>
-            </a:r>
-            <a:r>
-              <a:rPr sz="1600" spc="-10" dirty="0">
-                <a:latin typeface="Arial"/>
-                <a:cs typeface="Arial"/>
+              <a:rPr dirty="0" err="1" lang="en-US" spc="-5" sz="1600">
+                <a:latin typeface="Arial"/>
+              </a:rPr>
+              <a:t>α</a:t>
+            </a:r>
+            <a:r>
+              <a:rPr dirty="0" lang="en-US" spc="-5" sz="1600">
+                <a:latin typeface="Arial"/>
+              </a:rPr>
+              <a:t> &lt; </a:t>
+            </a:r>
+            <a:r>
+              <a:rPr dirty="0" err="1" lang="en-US" spc="-5" sz="1600">
+                <a:latin typeface="Arial"/>
+              </a:rPr>
+              <a:t>γ</a:t>
+            </a:r>
+            <a:r>
+              <a:rPr dirty="0" lang="en-US" spc="-5" sz="1600">
+                <a:latin typeface="Arial"/>
+              </a:rPr>
+              <a:t> &lt;  </a:t>
+            </a:r>
+            <a:r>
+              <a:rPr dirty="0" err="1" lang="en-US" spc="-5" sz="1600">
+                <a:latin typeface="Arial"/>
+              </a:rPr>
+              <a:t>θ</a:t>
+            </a:r>
+            <a:r>
+              <a:rPr dirty="0" lang="en-US" spc="-5" sz="1600">
+                <a:latin typeface="Arial"/>
+              </a:rPr>
+              <a:t>+</a:t>
+            </a:r>
+            <a:r>
+              <a:rPr dirty="0" err="1" lang="en-US" spc="-5" sz="1600">
+                <a:latin typeface="Arial"/>
+              </a:rPr>
+              <a:t>α</a:t>
+            </a:r>
+            <a:r>
+              <a:rPr dirty="0" lang="en-US" spc="-5" sz="1600">
+                <a:latin typeface="Arial"/>
+              </a:rPr>
+              <a:t>. </a:t>
+            </a:r>
+            <a:r>
+              <a:rPr dirty="0" lang="en-US" spc="-10" sz="1600">
+                <a:latin typeface="Arial"/>
               </a:rPr>
               <a:t>However </a:t>
             </a:r>
             <a:r>
-              <a:rPr sz="1600" spc="-5" dirty="0">
-                <a:latin typeface="Arial"/>
-                <a:cs typeface="Arial"/>
+              <a:rPr dirty="0" lang="en-US" spc="-5" sz="1600">
+                <a:latin typeface="Arial"/>
               </a:rPr>
               <a:t>since angles have a circular </a:t>
             </a:r>
             <a:r>
-              <a:rPr sz="1600" spc="-10" dirty="0">
-                <a:latin typeface="Arial"/>
-                <a:cs typeface="Arial"/>
+              <a:rPr dirty="0" lang="en-US" spc="-10" sz="1600">
+                <a:latin typeface="Arial"/>
               </a:rPr>
               <a:t>property </a:t>
             </a:r>
             <a:r>
-              <a:rPr sz="1600" spc="-5" dirty="0">
-                <a:latin typeface="Arial"/>
-                <a:cs typeface="Arial"/>
+              <a:rPr dirty="0" lang="en-US" spc="-5" sz="1600">
+                <a:latin typeface="Arial"/>
               </a:rPr>
               <a:t>the  inequality cannot be directly used. The angle between the  heading direction </a:t>
             </a:r>
             <a:r>
-              <a:rPr sz="1600" spc="-10" dirty="0">
-                <a:latin typeface="Arial"/>
-                <a:cs typeface="Arial"/>
+              <a:rPr dirty="0" lang="en-US" spc="-10" sz="1600">
+                <a:latin typeface="Arial"/>
               </a:rPr>
               <a:t>and </a:t>
             </a:r>
             <a:r>
-              <a:rPr sz="1600" spc="-5" dirty="0">
-                <a:latin typeface="Arial"/>
-                <a:cs typeface="Arial"/>
+              <a:rPr dirty="0" lang="en-US" spc="-5" sz="1600">
+                <a:latin typeface="Arial"/>
               </a:rPr>
               <a:t>line SP is </a:t>
             </a:r>
             <a:r>
-              <a:rPr sz="1600" spc="-10" dirty="0">
-                <a:latin typeface="Arial"/>
-                <a:cs typeface="Arial"/>
+              <a:rPr dirty="0" lang="en-US" spc="-10" sz="1600">
+                <a:latin typeface="Arial"/>
               </a:rPr>
               <a:t>given </a:t>
             </a:r>
             <a:r>
-              <a:rPr sz="1600" spc="-5" dirty="0">
-                <a:latin typeface="Arial"/>
-                <a:cs typeface="Arial"/>
+              <a:rPr dirty="0" lang="en-US" spc="-5" sz="1600">
+                <a:latin typeface="Arial"/>
               </a:rPr>
               <a:t>by </a:t>
             </a:r>
             <a:r>
-              <a:rPr sz="1600" dirty="0">
-                <a:latin typeface="Arial"/>
-                <a:cs typeface="Arial"/>
-              </a:rPr>
-              <a:t>θ-γ. </a:t>
-            </a:r>
-            <a:r>
-              <a:rPr sz="1600" spc="-10" dirty="0">
-                <a:latin typeface="Arial"/>
-                <a:cs typeface="Arial"/>
+              <a:rPr dirty="0" err="1" lang="en-US" sz="1600">
+                <a:latin typeface="Arial"/>
+              </a:rPr>
+              <a:t>θ</a:t>
+            </a:r>
+            <a:r>
+              <a:rPr dirty="0" lang="en-US" sz="1600">
+                <a:latin typeface="Arial"/>
+              </a:rPr>
+              <a:t>-</a:t>
+            </a:r>
+            <a:r>
+              <a:rPr dirty="0" err="1" lang="en-US" sz="1600">
+                <a:latin typeface="Arial"/>
+              </a:rPr>
+              <a:t>γ</a:t>
+            </a:r>
+            <a:r>
+              <a:rPr dirty="0" lang="en-US" sz="1600">
+                <a:latin typeface="Arial"/>
+              </a:rPr>
+              <a:t>. </a:t>
+            </a:r>
+            <a:r>
+              <a:rPr dirty="0" lang="en-US" spc="-10" sz="1600">
+                <a:latin typeface="Arial"/>
               </a:rPr>
               <a:t>Hence </a:t>
             </a:r>
             <a:r>
-              <a:rPr sz="1600" spc="-5" dirty="0">
-                <a:latin typeface="Arial"/>
-                <a:cs typeface="Arial"/>
+              <a:rPr dirty="0" lang="en-US" spc="-5" sz="1600">
+                <a:latin typeface="Arial"/>
               </a:rPr>
               <a:t>for  angular coverage,</a:t>
             </a:r>
             <a:r>
-              <a:rPr sz="1600" spc="-10" dirty="0">
-                <a:latin typeface="Arial"/>
-                <a:cs typeface="Arial"/>
+              <a:rPr dirty="0" lang="en-US" spc="-10" sz="1600">
+                <a:latin typeface="Arial"/>
               </a:rPr>
               <a:t> </a:t>
             </a:r>
             <a:r>
-              <a:rPr sz="1600" spc="-5" dirty="0">
-                <a:latin typeface="Arial"/>
-                <a:cs typeface="Arial"/>
-              </a:rPr>
-              <a:t>cos(θ-γ)&gt;cos(α).</a:t>
-            </a:r>
-            <a:endParaRPr sz="1600">
-              <a:latin typeface="Arial"/>
-              <a:cs typeface="Arial"/>
-            </a:endParaRPr>
+              <a:rPr dirty="0" lang="en-US" spc="-5" sz="1600">
+                <a:latin typeface="Arial"/>
+              </a:rPr>
+              <a:t>cos(</a:t>
+            </a:r>
+            <a:r>
+              <a:rPr dirty="0" err="1" lang="en-US" spc="-5" sz="1600">
+                <a:latin typeface="Arial"/>
+              </a:rPr>
+              <a:t>θ</a:t>
+            </a:r>
+            <a:r>
+              <a:rPr dirty="0" lang="en-US" spc="-5" sz="1600">
+                <a:latin typeface="Arial"/>
+              </a:rPr>
+              <a:t>-</a:t>
+            </a:r>
+            <a:r>
+              <a:rPr dirty="0" err="1" lang="en-US" spc="-5" sz="1600">
+                <a:latin typeface="Arial"/>
+              </a:rPr>
+              <a:t>γ</a:t>
+            </a:r>
+            <a:r>
+              <a:rPr dirty="0" lang="en-US" spc="-5" sz="1600">
+                <a:latin typeface="Arial"/>
+              </a:rPr>
+              <a:t>)&gt;cos(</a:t>
+            </a:r>
+            <a:r>
+              <a:rPr dirty="0" err="1" lang="en-US" spc="-5" sz="1600">
+                <a:latin typeface="Arial"/>
+              </a:rPr>
+              <a:t>α</a:t>
+            </a:r>
+            <a:r>
+              <a:rPr dirty="0" lang="en-US" spc="-5" sz="1600">
+                <a:latin typeface="Arial"/>
+              </a:rPr>
+              <a:t>).</a:t>
+            </a:r>
           </a:p>
           <a:p>
             <a:pPr marL="242570">
@@ -6052,29 +6533,37 @@
               </a:spcBef>
             </a:pPr>
             <a:r>
-              <a:rPr sz="1600" spc="-5" dirty="0">
-                <a:latin typeface="Arial"/>
-                <a:cs typeface="Arial"/>
-              </a:rPr>
-              <a:t>The ‘ahead’ is simply taking α=60</a:t>
-            </a:r>
-            <a:r>
-              <a:rPr sz="1600" spc="10" dirty="0">
-                <a:latin typeface="Arial"/>
-                <a:cs typeface="Arial"/>
+              <a:rPr dirty="0" lang="en-US" spc="-5" sz="1600">
+                <a:latin typeface="Arial"/>
+              </a:rPr>
+              <a:t>The ‘ahead’ is simply taking </a:t>
+            </a:r>
+            <a:r>
+              <a:rPr dirty="0" err="1" lang="en-US" spc="-5" sz="1600">
+                <a:latin typeface="Arial"/>
+              </a:rPr>
+              <a:t>α</a:t>
+            </a:r>
+            <a:r>
+              <a:rPr dirty="0" lang="en-US" spc="-5" sz="1600">
+                <a:latin typeface="Arial"/>
+              </a:rPr>
+              <a:t>=60</a:t>
+            </a:r>
+            <a:r>
+              <a:rPr dirty="0" lang="en-US" spc="10" sz="1600">
+                <a:latin typeface="Arial"/>
               </a:rPr>
               <a:t> </a:t>
             </a:r>
             <a:r>
-              <a:rPr sz="1600" spc="-10" dirty="0">
-                <a:latin typeface="Arial"/>
-                <a:cs typeface="Arial"/>
+              <a:rPr dirty="0" lang="en-US" spc="-10" sz="1600">
+                <a:latin typeface="Arial"/>
               </a:rPr>
               <a:t>degrees</a:t>
             </a:r>
-            <a:endParaRPr sz="1600">
+            <a:endParaRPr dirty="0" lang="en-US" spc="-10" sz="1600">
               <a:latin typeface="Arial"/>
-              <a:cs typeface="Arial"/>
             </a:endParaRPr>
           </a:p>
         </p:txBody>
@@ -6088,8 +6577,8 @@
 </file>
 
 <file path=ppt/slides/slide8.xml><?xml version="1.0" encoding="utf-8"?>
-<p:sld xmlns:a="http://schemas.openxmlformats.org/drawingml/2006/main" xmlns:r="http://schemas.openxmlformats.org/officeDocument/2006/relationships" xmlns:p="http://schemas.openxmlformats.org/presentationml/2006/main" showMasterSp="0">
-  <p:cSld>
+<p:sld xmlns:a="http://schemas.openxmlformats.org/drawingml/2006/main" xmlns:c="http://schemas.openxmlformats.org/drawingml/2006/chart" xmlns:cs="http://schemas.microsoft.com/office/drawing/2012/chartStyle" xmlns:ns1="http://schemas.openxmlformats.org/officeDocument/2006/extended-properties" xmlns:p="http://schemas.openxmlformats.org/presentationml/2006/main" xmlns:r="http://schemas.openxmlformats.org/officeDocument/2006/relationships" xmlns:vt="http://schemas.openxmlformats.org/officeDocument/2006/docPropsVTypes" showMasterSp="false">
+  <p:cSld name="slide8">
     <p:spTree>
       <p:nvGrpSpPr>
         <p:cNvPr id="1" name=""/>
@@ -6111,25 +6600,30 @@
           <p:nvPr/>
         </p:nvSpPr>
         <p:spPr>
-          <a:xfrm>
+          <a:xfrm rot="0">
             <a:off x="304800" y="228600"/>
             <a:ext cx="7162800" cy="9601199"/>
           </a:xfrm>
           <a:prstGeom prst="rect">
             <a:avLst/>
           </a:prstGeom>
-          <a:blipFill>
-            <a:blip r:embed="rId2" cstate="print"/>
+          <a:blipFill dpi="0" rotWithShape="1">
+            <a:blip r:embed="rId2"/>
             <a:stretch>
               <a:fillRect/>
             </a:stretch>
           </a:blipFill>
         </p:spPr>
         <p:txBody>
-          <a:bodyPr wrap="square" lIns="0" tIns="0" rIns="0" bIns="0" rtlCol="0"/>
+          <a:bodyPr bIns="0" lIns="0" rIns="0" rtlCol="0" tIns="0" vert="horz" wrap="square"/>
           <a:lstStyle/>
           <a:p>
-            <a:endParaRPr/>
+            <a:pPr/>
+            <a:r>
+              <a:rPr dirty="0" lang="en-US"/>
+              <a:t/>
+            </a:r>
+            <a:endParaRPr dirty="0" lang="en-US"/>
           </a:p>
         </p:txBody>
       </p:sp>
@@ -6142,8 +6636,8 @@
 </file>
 
 <file path=ppt/slides/slide9.xml><?xml version="1.0" encoding="utf-8"?>
-<p:sld xmlns:a="http://schemas.openxmlformats.org/drawingml/2006/main" xmlns:r="http://schemas.openxmlformats.org/officeDocument/2006/relationships" xmlns:p="http://schemas.openxmlformats.org/presentationml/2006/main" showMasterSp="0">
-  <p:cSld>
+<p:sld xmlns:a="http://schemas.openxmlformats.org/drawingml/2006/main" xmlns:c="http://schemas.openxmlformats.org/drawingml/2006/chart" xmlns:cs="http://schemas.microsoft.com/office/drawing/2012/chartStyle" xmlns:ns1="http://schemas.openxmlformats.org/officeDocument/2006/extended-properties" xmlns:p="http://schemas.openxmlformats.org/presentationml/2006/main" xmlns:r="http://schemas.openxmlformats.org/officeDocument/2006/relationships" xmlns:vt="http://schemas.openxmlformats.org/officeDocument/2006/docPropsVTypes" showMasterSp="false">
+  <p:cSld name="slide9">
     <p:spTree>
       <p:nvGrpSpPr>
         <p:cNvPr id="1" name=""/>
@@ -6165,8 +6659,8 @@
           <p:nvPr/>
         </p:nvSpPr>
         <p:spPr>
-          <a:xfrm>
-            <a:off x="1130604" y="1013206"/>
+          <a:xfrm rot="0">
+            <a:off x="1130603" y="1013206"/>
             <a:ext cx="3085465" cy="2869565"/>
           </a:xfrm>
           <a:prstGeom prst="rect">
@@ -6174,7 +6668,7 @@
           </a:prstGeom>
         </p:spPr>
         <p:txBody>
-          <a:bodyPr vert="horz" wrap="square" lIns="0" tIns="12700" rIns="0" bIns="0" rtlCol="0">
+          <a:bodyPr bIns="0" lIns="0" rIns="0" rtlCol="0" tIns="12700" vert="horz" wrap="square">
             <a:spAutoFit/>
           </a:bodyPr>
           <a:lstStyle/>
@@ -6188,45 +6682,32 @@
               </a:spcBef>
             </a:pPr>
             <a:r>
-              <a:rPr sz="1800" b="1" u="heavy" spc="-5" dirty="0">
-                <a:uFill>
-                  <a:solidFill>
-                    <a:srgbClr val="000000"/>
-                  </a:solidFill>
-                </a:uFill>
-                <a:latin typeface="Arial"/>
-                <a:cs typeface="Arial"/>
+              <a:rPr b="1" dirty="0" lang="en-US" spc="-5" sz="1800" u="sng">
+                <a:solidFill>
+                  <a:srgbClr val="000000"/>
+                </a:solidFill>
+                <a:latin typeface="Arial"/>
               </a:rPr>
               <a:t>SOFTWARE</a:t>
             </a:r>
             <a:r>
-              <a:rPr sz="1800" b="1" u="heavy" spc="-65" dirty="0">
-                <a:uFill>
-                  <a:solidFill>
-                    <a:srgbClr val="000000"/>
-                  </a:solidFill>
-                </a:uFill>
-                <a:latin typeface="Arial"/>
-                <a:cs typeface="Arial"/>
+              <a:rPr b="1" dirty="0" lang="en-US" spc="-65" sz="1800" u="sng">
+                <a:solidFill>
+                  <a:srgbClr val="000000"/>
+                </a:solidFill>
+                <a:latin typeface="Arial"/>
               </a:rPr>
               <a:t> </a:t>
             </a:r>
             <a:r>
-              <a:rPr sz="1800" b="1" u="heavy" dirty="0">
-                <a:uFill>
-                  <a:solidFill>
-                    <a:srgbClr val="000000"/>
-                  </a:solidFill>
-                </a:uFill>
-                <a:latin typeface="Arial"/>
-                <a:cs typeface="Arial"/>
+              <a:rPr b="1" dirty="0" lang="en-US" sz="1800" u="sng">
+                <a:solidFill>
+                  <a:srgbClr val="000000"/>
+                </a:solidFill>
+                <a:latin typeface="Arial"/>
               </a:rPr>
               <a:t>REQUIREMENT</a:t>
             </a:r>
-            <a:endParaRPr sz="1800">
-              <a:latin typeface="Arial"/>
-              <a:cs typeface="Arial"/>
-            </a:endParaRPr>
           </a:p>
           <a:p>
             <a:pPr>
@@ -6234,10 +6715,12 @@
                 <a:spcPct val="100000"/>
               </a:lnSpc>
             </a:pPr>
-            <a:endParaRPr sz="2000">
-              <a:latin typeface="Times New Roman"/>
-              <a:cs typeface="Times New Roman"/>
-            </a:endParaRPr>
+            <a:r>
+              <a:rPr dirty="0" lang="en-US" sz="2000">
+                <a:latin typeface="Times New Roman"/>
+              </a:rPr>
+              <a:t/>
+            </a:r>
           </a:p>
           <a:p>
             <a:pPr marL="12700">
@@ -6249,39 +6732,23 @@
               </a:spcBef>
             </a:pPr>
             <a:r>
-              <a:rPr sz="1800" b="1" u="heavy" spc="-5" dirty="0">
+              <a:rPr b="1" dirty="0" lang="en-US" spc="-5" sz="1800" u="sng">
                 <a:solidFill>
                   <a:srgbClr val="000009"/>
                 </a:solidFill>
-                <a:uFill>
-                  <a:solidFill>
-                    <a:srgbClr val="000009"/>
-                  </a:solidFill>
-                </a:uFill>
-                <a:latin typeface="Arial"/>
-                <a:cs typeface="Arial"/>
+                <a:latin typeface="Arial"/>
               </a:rPr>
               <a:t>Programming</a:t>
             </a:r>
             <a:r>
-              <a:rPr sz="1800" b="1" u="heavy" dirty="0">
+              <a:rPr b="1" dirty="0" lang="en-US" sz="1800" u="sng">
                 <a:solidFill>
                   <a:srgbClr val="000009"/>
                 </a:solidFill>
-                <a:uFill>
-                  <a:solidFill>
-                    <a:srgbClr val="000009"/>
-                  </a:solidFill>
-                </a:uFill>
-                <a:latin typeface="Arial"/>
-                <a:cs typeface="Arial"/>
+                <a:latin typeface="Arial"/>
               </a:rPr>
               <a:t> Tools:</a:t>
             </a:r>
-            <a:endParaRPr sz="1800">
-              <a:latin typeface="Arial"/>
-              <a:cs typeface="Arial"/>
-            </a:endParaRPr>
           </a:p>
           <a:p>
             <a:pPr marL="12700" marR="424815">
@@ -6289,27 +6756,21 @@
                 <a:spcPts val="1839"/>
               </a:lnSpc>
               <a:spcBef>
-                <a:spcPts val="1795"/>
+                <a:spcPts val="1794"/>
               </a:spcBef>
             </a:pPr>
             <a:r>
-              <a:rPr sz="1600" spc="-5" dirty="0">
-                <a:latin typeface="Arial"/>
-                <a:cs typeface="Arial"/>
+              <a:rPr dirty="0" lang="en-US" spc="-5" sz="1600">
+                <a:latin typeface="Arial"/>
               </a:rPr>
               <a:t>Object Oriented Methodology  </a:t>
             </a:r>
             <a:r>
-              <a:rPr sz="1600" spc="-10" dirty="0">
-                <a:latin typeface="Arial"/>
-                <a:cs typeface="Arial"/>
+              <a:rPr dirty="0" lang="en-US" spc="-10" sz="1600">
+                <a:latin typeface="Arial"/>
               </a:rPr>
               <a:t>Netbeans</a:t>
             </a:r>
-            <a:endParaRPr sz="1600">
-              <a:latin typeface="Arial"/>
-              <a:cs typeface="Arial"/>
-            </a:endParaRPr>
           </a:p>
           <a:p>
             <a:pPr marL="12700">
@@ -6318,30 +6779,23 @@
               </a:lnSpc>
             </a:pPr>
             <a:r>
-              <a:rPr sz="1600" spc="-5" dirty="0">
-                <a:latin typeface="Arial"/>
-                <a:cs typeface="Arial"/>
+              <a:rPr dirty="0" lang="en-US" spc="-5" sz="1600">
+                <a:latin typeface="Arial"/>
               </a:rPr>
               <a:t>Star</a:t>
             </a:r>
             <a:r>
-              <a:rPr sz="1600" spc="-90" dirty="0">
-                <a:latin typeface="Arial"/>
-                <a:cs typeface="Arial"/>
+              <a:rPr dirty="0" lang="en-US" spc="-90" sz="1600">
+                <a:latin typeface="Arial"/>
               </a:rPr>
               <a:t> </a:t>
             </a:r>
             <a:r>
-              <a:rPr sz="1600" spc="-5" dirty="0">
-                <a:latin typeface="Arial"/>
-                <a:cs typeface="Arial"/>
+              <a:rPr dirty="0" lang="en-US" spc="-5" sz="1600">
+                <a:latin typeface="Arial"/>
               </a:rPr>
               <a:t>UML</a:t>
             </a:r>
-            <a:endParaRPr sz="1600">
-              <a:latin typeface="Arial"/>
-              <a:cs typeface="Arial"/>
-            </a:endParaRPr>
           </a:p>
           <a:p>
             <a:pPr marL="12700">
@@ -6353,39 +6807,23 @@
               </a:spcBef>
             </a:pPr>
             <a:r>
-              <a:rPr sz="1800" b="1" u="heavy" spc="-5" dirty="0">
+              <a:rPr b="1" dirty="0" lang="en-US" spc="-5" sz="1800" u="sng">
                 <a:solidFill>
                   <a:srgbClr val="000009"/>
                 </a:solidFill>
-                <a:uFill>
-                  <a:solidFill>
-                    <a:srgbClr val="000009"/>
-                  </a:solidFill>
-                </a:uFill>
-                <a:latin typeface="Arial"/>
-                <a:cs typeface="Arial"/>
+                <a:latin typeface="Arial"/>
               </a:rPr>
               <a:t>Programming </a:t>
             </a:r>
             <a:r>
-              <a:rPr sz="1800" b="1" u="heavy" dirty="0">
+              <a:rPr b="1" dirty="0" lang="en-US" sz="1800" u="sng">
                 <a:solidFill>
                   <a:srgbClr val="000009"/>
                 </a:solidFill>
-                <a:uFill>
-                  <a:solidFill>
-                    <a:srgbClr val="000009"/>
-                  </a:solidFill>
-                </a:uFill>
-                <a:latin typeface="Arial"/>
-                <a:cs typeface="Arial"/>
+                <a:latin typeface="Arial"/>
               </a:rPr>
               <a:t>Language:</a:t>
             </a:r>
-            <a:endParaRPr sz="1800">
-              <a:latin typeface="Arial"/>
-              <a:cs typeface="Arial"/>
-            </a:endParaRPr>
           </a:p>
           <a:p>
             <a:pPr>
@@ -6396,10 +6834,12 @@
                 <a:spcPts val="45"/>
               </a:spcBef>
             </a:pPr>
-            <a:endParaRPr sz="1700">
-              <a:latin typeface="Times New Roman"/>
-              <a:cs typeface="Times New Roman"/>
-            </a:endParaRPr>
+            <a:r>
+              <a:rPr dirty="0" lang="en-US" sz="1700">
+                <a:latin typeface="Times New Roman"/>
+              </a:rPr>
+              <a:t/>
+            </a:r>
           </a:p>
           <a:p>
             <a:pPr marL="12700">
@@ -6408,18 +6848,19 @@
               </a:lnSpc>
             </a:pPr>
             <a:r>
-              <a:rPr sz="1600" spc="-5" dirty="0">
+              <a:rPr dirty="0" lang="en-US" spc="-5" sz="1600">
                 <a:solidFill>
                   <a:srgbClr val="000009"/>
                 </a:solidFill>
                 <a:latin typeface="Arial"/>
-                <a:cs typeface="Arial"/>
               </a:rPr>
               <a:t>JAVA</a:t>
             </a:r>
-            <a:endParaRPr sz="1600">
+            <a:endParaRPr dirty="0" lang="en-US" spc="-5" sz="1600">
+              <a:solidFill>
+                <a:srgbClr val="000009"/>
+              </a:solidFill>
               <a:latin typeface="Arial"/>
-              <a:cs typeface="Arial"/>
             </a:endParaRPr>
           </a:p>
         </p:txBody>
@@ -6433,41 +6874,41 @@
 </file>
 
 <file path=ppt/theme/theme1.xml><?xml version="1.0" encoding="utf-8"?>
-<a:theme xmlns:a="http://schemas.openxmlformats.org/drawingml/2006/main" name="Office Theme">
+<a:theme xmlns:a="http://schemas.openxmlformats.org/drawingml/2006/main" xmlns:c="http://schemas.openxmlformats.org/drawingml/2006/chart" xmlns:cs="http://schemas.microsoft.com/office/drawing/2012/chartStyle" xmlns:ns1="http://schemas.openxmlformats.org/officeDocument/2006/extended-properties" xmlns:p="http://schemas.openxmlformats.org/presentationml/2006/main" xmlns:r="http://schemas.openxmlformats.org/officeDocument/2006/relationships" xmlns:vt="http://schemas.openxmlformats.org/officeDocument/2006/docPropsVTypes" name="Office Theme">
   <a:themeElements>
     <a:clrScheme name="Office">
       <a:dk1>
-        <a:sysClr val="windowText" lastClr="000000"/>
+        <a:srgbClr val="000000"/>
       </a:dk1>
       <a:lt1>
-        <a:sysClr val="window" lastClr="FFFFFF"/>
+        <a:srgbClr val="ffffff"/>
       </a:lt1>
       <a:dk2>
-        <a:srgbClr val="1F497D"/>
+        <a:srgbClr val="1f497d"/>
       </a:dk2>
       <a:lt2>
-        <a:srgbClr val="EEECE1"/>
+        <a:srgbClr val="eeece1"/>
       </a:lt2>
       <a:accent1>
-        <a:srgbClr val="4F81BD"/>
+        <a:srgbClr val="4f81bd"/>
       </a:accent1>
       <a:accent2>
-        <a:srgbClr val="C0504D"/>
+        <a:srgbClr val="c0504d"/>
       </a:accent2>
       <a:accent3>
-        <a:srgbClr val="9BBB59"/>
+        <a:srgbClr val="9bbb59"/>
       </a:accent3>
       <a:accent4>
-        <a:srgbClr val="8064A2"/>
+        <a:srgbClr val="8064a2"/>
       </a:accent4>
       <a:accent5>
-        <a:srgbClr val="4BACC6"/>
+        <a:srgbClr val="4bacc6"/>
       </a:accent5>
       <a:accent6>
-        <a:srgbClr val="F79646"/>
+        <a:srgbClr val="f79646"/>
       </a:accent6>
       <a:hlink>
-        <a:srgbClr val="0000FF"/>
+        <a:srgbClr val="0000ff"/>
       </a:hlink>
       <a:folHlink>
         <a:srgbClr val="800080"/>
@@ -6478,69 +6919,11 @@
         <a:latin typeface="Calibri"/>
         <a:ea typeface=""/>
         <a:cs typeface=""/>
-        <a:font script="Jpan" typeface="ＭＳ Ｐゴシック"/>
-        <a:font script="Hang" typeface="맑은 고딕"/>
-        <a:font script="Hans" typeface="宋体"/>
-        <a:font script="Hant" typeface="新細明體"/>
-        <a:font script="Arab" typeface="Times New Roman"/>
-        <a:font script="Hebr" typeface="Times New Roman"/>
-        <a:font script="Thai" typeface="Angsana New"/>
-        <a:font script="Ethi" typeface="Nyala"/>
-        <a:font script="Beng" typeface="Vrinda"/>
-        <a:font script="Gujr" typeface="Shruti"/>
-        <a:font script="Khmr" typeface="MoolBoran"/>
-        <a:font script="Knda" typeface="Tunga"/>
-        <a:font script="Guru" typeface="Raavi"/>
-        <a:font script="Cans" typeface="Euphemia"/>
-        <a:font script="Cher" typeface="Plantagenet Cherokee"/>
-        <a:font script="Yiii" typeface="Microsoft Yi Baiti"/>
-        <a:font script="Tibt" typeface="Microsoft Himalaya"/>
-        <a:font script="Thaa" typeface="MV Boli"/>
-        <a:font script="Deva" typeface="Mangal"/>
-        <a:font script="Telu" typeface="Gautami"/>
-        <a:font script="Taml" typeface="Latha"/>
-        <a:font script="Syrc" typeface="Estrangelo Edessa"/>
-        <a:font script="Orya" typeface="Kalinga"/>
-        <a:font script="Mlym" typeface="Kartika"/>
-        <a:font script="Laoo" typeface="DokChampa"/>
-        <a:font script="Sinh" typeface="Iskoola Pota"/>
-        <a:font script="Mong" typeface="Mongolian Baiti"/>
-        <a:font script="Viet" typeface="Times New Roman"/>
-        <a:font script="Uigh" typeface="Microsoft Uighur"/>
       </a:majorFont>
       <a:minorFont>
         <a:latin typeface="Calibri"/>
         <a:ea typeface=""/>
         <a:cs typeface=""/>
-        <a:font script="Jpan" typeface="ＭＳ Ｐゴシック"/>
-        <a:font script="Hang" typeface="맑은 고딕"/>
-        <a:font script="Hans" typeface="宋体"/>
-        <a:font script="Hant" typeface="新細明體"/>
-        <a:font script="Arab" typeface="Arial"/>
-        <a:font script="Hebr" typeface="Arial"/>
-        <a:font script="Thai" typeface="Cordia New"/>
-        <a:font script="Ethi" typeface="Nyala"/>
-        <a:font script="Beng" typeface="Vrinda"/>
-        <a:font script="Gujr" typeface="Shruti"/>
-        <a:font script="Khmr" typeface="DaunPenh"/>
-        <a:font script="Knda" typeface="Tunga"/>
-        <a:font script="Guru" typeface="Raavi"/>
-        <a:font script="Cans" typeface="Euphemia"/>
-        <a:font script="Cher" typeface="Plantagenet Cherokee"/>
-        <a:font script="Yiii" typeface="Microsoft Yi Baiti"/>
-        <a:font script="Tibt" typeface="Microsoft Himalaya"/>
-        <a:font script="Thaa" typeface="MV Boli"/>
-        <a:font script="Deva" typeface="Mangal"/>
-        <a:font script="Telu" typeface="Gautami"/>
-        <a:font script="Taml" typeface="Latha"/>
-        <a:font script="Syrc" typeface="Estrangelo Edessa"/>
-        <a:font script="Orya" typeface="Kalinga"/>
-        <a:font script="Mlym" typeface="Kartika"/>
-        <a:font script="Laoo" typeface="DokChampa"/>
-        <a:font script="Sinh" typeface="Iskoola Pota"/>
-        <a:font script="Mong" typeface="Mongolian Baiti"/>
-        <a:font script="Viet" typeface="Arial"/>
-        <a:font script="Uigh" typeface="Microsoft Uighur"/>
       </a:minorFont>
     </a:fontScheme>
     <a:fmtScheme name="Office">
@@ -6569,7 +6952,7 @@
               </a:schemeClr>
             </a:gs>
           </a:gsLst>
-          <a:lin ang="16200000" scaled="1"/>
+          <a:lin ang="16200000" scaled="0"/>
         </a:gradFill>
         <a:gradFill rotWithShape="1">
           <a:gsLst>
@@ -6596,22 +6979,22 @@
         </a:gradFill>
       </a:fillStyleLst>
       <a:lnStyleLst>
-        <a:ln w="9525" cap="flat" cmpd="sng" algn="ctr">
+        <a:ln cap="flat" w="9525">
           <a:solidFill>
             <a:schemeClr val="phClr">
               <a:shade val="95000"/>
-              <a:satMod val="105000"/>
+              <a:satMod val="104999"/>
             </a:schemeClr>
           </a:solidFill>
           <a:prstDash val="solid"/>
         </a:ln>
-        <a:ln w="25400" cap="flat" cmpd="sng" algn="ctr">
+        <a:ln cap="flat" w="25400">
           <a:solidFill>
             <a:schemeClr val="phClr"/>
           </a:solidFill>
           <a:prstDash val="solid"/>
         </a:ln>
-        <a:ln w="38100" cap="flat" cmpd="sng" algn="ctr">
+        <a:ln cap="flat" w="38100">
           <a:solidFill>
             <a:schemeClr val="phClr"/>
           </a:solidFill>
@@ -6621,7 +7004,7 @@
       <a:effectStyleLst>
         <a:effectStyle>
           <a:effectLst>
-            <a:outerShdw blurRad="40000" dist="20000" dir="5400000" rotWithShape="0">
+            <a:outerShdw blurRad="40000" dir="5400000" dist="20000" rotWithShape="0">
               <a:srgbClr val="000000">
                 <a:alpha val="38000"/>
               </a:srgbClr>
@@ -6630,7 +7013,7 @@
         </a:effectStyle>
         <a:effectStyle>
           <a:effectLst>
-            <a:outerShdw blurRad="40000" dist="23000" dir="5400000" rotWithShape="0">
+            <a:outerShdw blurRad="40000" dir="5400000" dist="23000" rotWithShape="0">
               <a:srgbClr val="000000">
                 <a:alpha val="35000"/>
               </a:srgbClr>
@@ -6639,7 +7022,7 @@
         </a:effectStyle>
         <a:effectStyle>
           <a:effectLst>
-            <a:outerShdw blurRad="40000" dist="23000" dir="5400000" rotWithShape="0">
+            <a:outerShdw blurRad="40000" dir="5400000" dist="23000" rotWithShape="0">
               <a:srgbClr val="000000">
                 <a:alpha val="35000"/>
               </a:srgbClr>
@@ -6649,12 +7032,12 @@
             <a:camera prst="orthographicFront">
               <a:rot lat="0" lon="0" rev="0"/>
             </a:camera>
-            <a:lightRig rig="threePt" dir="t">
+            <a:lightRig dir="t" rig="threePt">
               <a:rot lat="0" lon="0" rev="1200000"/>
             </a:lightRig>
           </a:scene3d>
           <a:sp3d>
-            <a:bevelT w="63500" h="25400"/>
+            <a:bevelT h="25400" w="63500"/>
           </a:sp3d>
         </a:effectStyle>
       </a:effectStyleLst>
@@ -6685,7 +7068,7 @@
             </a:gs>
           </a:gsLst>
           <a:path path="circle">
-            <a:fillToRect l="50000" t="-80000" r="50000" b="180000"/>
+            <a:fillToRect b="180000" l="50000" r="50000" t="-80000"/>
           </a:path>
         </a:gradFill>
         <a:gradFill rotWithShape="1">
@@ -6704,7 +7087,232 @@
             </a:gs>
           </a:gsLst>
           <a:path path="circle">
-            <a:fillToRect l="50000" t="50000" r="50000" b="50000"/>
+            <a:fillToRect b="50000" l="50000" r="50000" t="50000"/>
+          </a:path>
+        </a:gradFill>
+      </a:bgFillStyleLst>
+    </a:fmtScheme>
+  </a:themeElements>
+  <a:objectDefaults/>
+  <a:extraClrSchemeLst/>
+</a:theme>
+</file>
+
+<file path=ppt/theme/theme2.xml><?xml version="1.0" encoding="utf-8"?>
+<a:theme xmlns:a="http://schemas.openxmlformats.org/drawingml/2006/main" xmlns:c="http://schemas.openxmlformats.org/drawingml/2006/chart" xmlns:cs="http://schemas.microsoft.com/office/drawing/2012/chartStyle" xmlns:ns1="http://schemas.openxmlformats.org/officeDocument/2006/extended-properties" xmlns:p="http://schemas.openxmlformats.org/presentationml/2006/main" xmlns:r="http://schemas.openxmlformats.org/officeDocument/2006/relationships" xmlns:vt="http://schemas.openxmlformats.org/officeDocument/2006/docPropsVTypes" name="Office Theme">
+  <a:themeElements>
+    <a:clrScheme name="Office">
+      <a:dk1>
+        <a:srgbClr val="000000"/>
+      </a:dk1>
+      <a:lt1>
+        <a:srgbClr val="ffffff"/>
+      </a:lt1>
+      <a:dk2>
+        <a:srgbClr val="1f497d"/>
+      </a:dk2>
+      <a:lt2>
+        <a:srgbClr val="eeece1"/>
+      </a:lt2>
+      <a:accent1>
+        <a:srgbClr val="4f81bd"/>
+      </a:accent1>
+      <a:accent2>
+        <a:srgbClr val="c0504d"/>
+      </a:accent2>
+      <a:accent3>
+        <a:srgbClr val="9bbb59"/>
+      </a:accent3>
+      <a:accent4>
+        <a:srgbClr val="8064a2"/>
+      </a:accent4>
+      <a:accent5>
+        <a:srgbClr val="4bacc6"/>
+      </a:accent5>
+      <a:accent6>
+        <a:srgbClr val="f79646"/>
+      </a:accent6>
+      <a:hlink>
+        <a:srgbClr val="0000ff"/>
+      </a:hlink>
+      <a:folHlink>
+        <a:srgbClr val="800080"/>
+      </a:folHlink>
+    </a:clrScheme>
+    <a:fontScheme name="Office">
+      <a:majorFont>
+        <a:latin typeface="Calibri"/>
+        <a:ea typeface=""/>
+        <a:cs typeface=""/>
+      </a:majorFont>
+      <a:minorFont>
+        <a:latin typeface="Calibri"/>
+        <a:ea typeface=""/>
+        <a:cs typeface=""/>
+      </a:minorFont>
+    </a:fontScheme>
+    <a:fmtScheme name="Office">
+      <a:fillStyleLst>
+        <a:solidFill>
+          <a:schemeClr val="phClr"/>
+        </a:solidFill>
+        <a:gradFill rotWithShape="1">
+          <a:gsLst>
+            <a:gs pos="0">
+              <a:schemeClr val="phClr">
+                <a:tint val="50000"/>
+                <a:satMod val="300000"/>
+              </a:schemeClr>
+            </a:gs>
+            <a:gs pos="35000">
+              <a:schemeClr val="phClr">
+                <a:tint val="37000"/>
+                <a:satMod val="300000"/>
+              </a:schemeClr>
+            </a:gs>
+            <a:gs pos="100000">
+              <a:schemeClr val="phClr">
+                <a:tint val="15000"/>
+                <a:satMod val="350000"/>
+              </a:schemeClr>
+            </a:gs>
+          </a:gsLst>
+          <a:lin ang="16200000" scaled="0"/>
+        </a:gradFill>
+        <a:gradFill rotWithShape="1">
+          <a:gsLst>
+            <a:gs pos="0">
+              <a:schemeClr val="phClr">
+                <a:shade val="51000"/>
+                <a:satMod val="130000"/>
+              </a:schemeClr>
+            </a:gs>
+            <a:gs pos="80000">
+              <a:schemeClr val="phClr">
+                <a:shade val="93000"/>
+                <a:satMod val="130000"/>
+              </a:schemeClr>
+            </a:gs>
+            <a:gs pos="100000">
+              <a:schemeClr val="phClr">
+                <a:shade val="94000"/>
+                <a:satMod val="135000"/>
+              </a:schemeClr>
+            </a:gs>
+          </a:gsLst>
+          <a:lin ang="16200000" scaled="0"/>
+        </a:gradFill>
+      </a:fillStyleLst>
+      <a:lnStyleLst>
+        <a:ln cap="flat" w="9525">
+          <a:solidFill>
+            <a:schemeClr val="phClr">
+              <a:shade val="95000"/>
+              <a:satMod val="104999"/>
+            </a:schemeClr>
+          </a:solidFill>
+          <a:prstDash val="solid"/>
+        </a:ln>
+        <a:ln cap="flat" w="25400">
+          <a:solidFill>
+            <a:schemeClr val="phClr"/>
+          </a:solidFill>
+          <a:prstDash val="solid"/>
+        </a:ln>
+        <a:ln cap="flat" w="38100">
+          <a:solidFill>
+            <a:schemeClr val="phClr"/>
+          </a:solidFill>
+          <a:prstDash val="solid"/>
+        </a:ln>
+      </a:lnStyleLst>
+      <a:effectStyleLst>
+        <a:effectStyle>
+          <a:effectLst>
+            <a:outerShdw blurRad="40000" dir="5400000" dist="20000" rotWithShape="0">
+              <a:srgbClr val="000000">
+                <a:alpha val="38000"/>
+              </a:srgbClr>
+            </a:outerShdw>
+          </a:effectLst>
+        </a:effectStyle>
+        <a:effectStyle>
+          <a:effectLst>
+            <a:outerShdw blurRad="40000" dir="5400000" dist="23000" rotWithShape="0">
+              <a:srgbClr val="000000">
+                <a:alpha val="35000"/>
+              </a:srgbClr>
+            </a:outerShdw>
+          </a:effectLst>
+        </a:effectStyle>
+        <a:effectStyle>
+          <a:effectLst>
+            <a:outerShdw blurRad="40000" dir="5400000" dist="23000" rotWithShape="0">
+              <a:srgbClr val="000000">
+                <a:alpha val="35000"/>
+              </a:srgbClr>
+            </a:outerShdw>
+          </a:effectLst>
+          <a:scene3d>
+            <a:camera prst="orthographicFront">
+              <a:rot lat="0" lon="0" rev="0"/>
+            </a:camera>
+            <a:lightRig dir="t" rig="threePt">
+              <a:rot lat="0" lon="0" rev="1200000"/>
+            </a:lightRig>
+          </a:scene3d>
+          <a:sp3d>
+            <a:bevelT h="25400" w="63500"/>
+          </a:sp3d>
+        </a:effectStyle>
+      </a:effectStyleLst>
+      <a:bgFillStyleLst>
+        <a:solidFill>
+          <a:schemeClr val="phClr"/>
+        </a:solidFill>
+        <a:gradFill rotWithShape="1">
+          <a:gsLst>
+            <a:gs pos="0">
+              <a:schemeClr val="phClr">
+                <a:tint val="40000"/>
+                <a:satMod val="350000"/>
+              </a:schemeClr>
+            </a:gs>
+            <a:gs pos="40000">
+              <a:schemeClr val="phClr">
+                <a:tint val="45000"/>
+                <a:shade val="99000"/>
+                <a:satMod val="350000"/>
+              </a:schemeClr>
+            </a:gs>
+            <a:gs pos="100000">
+              <a:schemeClr val="phClr">
+                <a:shade val="20000"/>
+                <a:satMod val="255000"/>
+              </a:schemeClr>
+            </a:gs>
+          </a:gsLst>
+          <a:path path="circle">
+            <a:fillToRect b="180000" l="50000" r="50000" t="-80000"/>
+          </a:path>
+        </a:gradFill>
+        <a:gradFill rotWithShape="1">
+          <a:gsLst>
+            <a:gs pos="0">
+              <a:schemeClr val="phClr">
+                <a:tint val="80000"/>
+                <a:satMod val="300000"/>
+              </a:schemeClr>
+            </a:gs>
+            <a:gs pos="100000">
+              <a:schemeClr val="phClr">
+                <a:shade val="30000"/>
+                <a:satMod val="200000"/>
+              </a:schemeClr>
+            </a:gs>
+          </a:gsLst>
+          <a:path path="circle">
+            <a:fillToRect b="50000" l="50000" r="50000" t="50000"/>
           </a:path>
         </a:gradFill>
       </a:bgFillStyleLst>
